--- a/20201210.pptx
+++ b/20201210.pptx
@@ -5,19 +5,21 @@
     <p:sldMasterId id="2147483673" r:id="rId1"/>
   </p:sldMasterIdLst>
   <p:notesMasterIdLst>
-    <p:notesMasterId r:id="rId9"/>
+    <p:notesMasterId r:id="rId11"/>
   </p:notesMasterIdLst>
   <p:handoutMasterIdLst>
-    <p:handoutMasterId r:id="rId10"/>
+    <p:handoutMasterId r:id="rId12"/>
   </p:handoutMasterIdLst>
   <p:sldIdLst>
     <p:sldId id="257" r:id="rId2"/>
-    <p:sldId id="261" r:id="rId3"/>
-    <p:sldId id="262" r:id="rId4"/>
-    <p:sldId id="263" r:id="rId5"/>
-    <p:sldId id="264" r:id="rId6"/>
-    <p:sldId id="265" r:id="rId7"/>
-    <p:sldId id="266" r:id="rId8"/>
+    <p:sldId id="262" r:id="rId3"/>
+    <p:sldId id="263" r:id="rId4"/>
+    <p:sldId id="264" r:id="rId5"/>
+    <p:sldId id="265" r:id="rId6"/>
+    <p:sldId id="266" r:id="rId7"/>
+    <p:sldId id="269" r:id="rId8"/>
+    <p:sldId id="267" r:id="rId9"/>
+    <p:sldId id="268" r:id="rId10"/>
   </p:sldIdLst>
   <p:sldSz cx="12192000" cy="6858000"/>
   <p:notesSz cx="6858000" cy="9144000"/>
@@ -127,3025 +129,6 @@
 </p:presentation>
 </file>
 
-<file path=ppt/diagrams/colors1.xml><?xml version="1.0" encoding="utf-8"?>
-<dgm:colorsDef xmlns:dgm="http://schemas.openxmlformats.org/drawingml/2006/diagram" xmlns:a="http://schemas.openxmlformats.org/drawingml/2006/main" uniqueId="urn:microsoft.com/office/officeart/2018/5/colors/Iconchunking_neutralicon_colorful1">
-  <dgm:title val=""/>
-  <dgm:desc val=""/>
-  <dgm:catLst>
-    <dgm:cat type="colorful" pri="10100"/>
-  </dgm:catLst>
-  <dgm:styleLbl name="node0">
-    <dgm:fillClrLst meth="repeat">
-      <a:schemeClr val="accent1"/>
-    </dgm:fillClrLst>
-    <dgm:linClrLst meth="repeat">
-      <a:schemeClr val="lt1"/>
-    </dgm:linClrLst>
-    <dgm:effectClrLst/>
-    <dgm:txLinClrLst/>
-    <dgm:txFillClrLst/>
-    <dgm:txEffectClrLst/>
-  </dgm:styleLbl>
-  <dgm:styleLbl name="node1">
-    <dgm:fillClrLst meth="repeat">
-      <a:schemeClr val="bg1"/>
-    </dgm:fillClrLst>
-    <dgm:linClrLst meth="repeat">
-      <a:schemeClr val="lt1">
-        <a:alpha val="0"/>
-      </a:schemeClr>
-    </dgm:linClrLst>
-    <dgm:effectClrLst/>
-    <dgm:txLinClrLst/>
-    <dgm:txFillClrLst meth="repeat">
-      <a:schemeClr val="dk1"/>
-    </dgm:txFillClrLst>
-    <dgm:txEffectClrLst/>
-  </dgm:styleLbl>
-  <dgm:styleLbl name="alignNode1">
-    <dgm:fillClrLst meth="repeat">
-      <a:schemeClr val="accent2"/>
-      <a:schemeClr val="accent3"/>
-      <a:schemeClr val="accent4"/>
-      <a:schemeClr val="accent5"/>
-      <a:schemeClr val="accent6"/>
-    </dgm:fillClrLst>
-    <dgm:linClrLst meth="repeat">
-      <a:schemeClr val="accent2"/>
-      <a:schemeClr val="accent3"/>
-      <a:schemeClr val="accent4"/>
-      <a:schemeClr val="accent5"/>
-      <a:schemeClr val="accent6"/>
-    </dgm:linClrLst>
-    <dgm:effectClrLst/>
-    <dgm:txLinClrLst/>
-    <dgm:txFillClrLst/>
-    <dgm:txEffectClrLst/>
-  </dgm:styleLbl>
-  <dgm:styleLbl name="lnNode1">
-    <dgm:fillClrLst meth="repeat">
-      <a:schemeClr val="accent2"/>
-      <a:schemeClr val="accent3"/>
-      <a:schemeClr val="accent4"/>
-      <a:schemeClr val="accent5"/>
-      <a:schemeClr val="accent6"/>
-    </dgm:fillClrLst>
-    <dgm:linClrLst meth="repeat">
-      <a:schemeClr val="lt1"/>
-    </dgm:linClrLst>
-    <dgm:effectClrLst/>
-    <dgm:txLinClrLst/>
-    <dgm:txFillClrLst/>
-    <dgm:txEffectClrLst/>
-  </dgm:styleLbl>
-  <dgm:styleLbl name="vennNode1">
-    <dgm:fillClrLst meth="repeat">
-      <a:schemeClr val="accent2">
-        <a:alpha val="50000"/>
-      </a:schemeClr>
-      <a:schemeClr val="accent3">
-        <a:alpha val="50000"/>
-      </a:schemeClr>
-      <a:schemeClr val="accent4">
-        <a:alpha val="50000"/>
-      </a:schemeClr>
-      <a:schemeClr val="accent5">
-        <a:alpha val="50000"/>
-      </a:schemeClr>
-      <a:schemeClr val="accent6">
-        <a:alpha val="50000"/>
-      </a:schemeClr>
-    </dgm:fillClrLst>
-    <dgm:linClrLst meth="repeat">
-      <a:schemeClr val="lt1"/>
-    </dgm:linClrLst>
-    <dgm:effectClrLst/>
-    <dgm:txLinClrLst/>
-    <dgm:txFillClrLst/>
-    <dgm:txEffectClrLst/>
-  </dgm:styleLbl>
-  <dgm:styleLbl name="node2">
-    <dgm:fillClrLst>
-      <a:schemeClr val="accent2"/>
-    </dgm:fillClrLst>
-    <dgm:linClrLst meth="repeat">
-      <a:schemeClr val="lt1"/>
-    </dgm:linClrLst>
-    <dgm:effectClrLst/>
-    <dgm:txLinClrLst/>
-    <dgm:txFillClrLst/>
-    <dgm:txEffectClrLst/>
-  </dgm:styleLbl>
-  <dgm:styleLbl name="node3">
-    <dgm:fillClrLst>
-      <a:schemeClr val="accent3"/>
-    </dgm:fillClrLst>
-    <dgm:linClrLst meth="repeat">
-      <a:schemeClr val="lt1"/>
-    </dgm:linClrLst>
-    <dgm:effectClrLst/>
-    <dgm:txLinClrLst/>
-    <dgm:txFillClrLst/>
-    <dgm:txEffectClrLst/>
-  </dgm:styleLbl>
-  <dgm:styleLbl name="node4">
-    <dgm:fillClrLst>
-      <a:schemeClr val="accent4"/>
-    </dgm:fillClrLst>
-    <dgm:linClrLst meth="repeat">
-      <a:schemeClr val="lt1"/>
-    </dgm:linClrLst>
-    <dgm:effectClrLst/>
-    <dgm:txLinClrLst/>
-    <dgm:txFillClrLst/>
-    <dgm:txEffectClrLst/>
-  </dgm:styleLbl>
-  <dgm:styleLbl name="fgImgPlace1">
-    <dgm:fillClrLst meth="repeat">
-      <a:schemeClr val="accent2">
-        <a:tint val="50000"/>
-      </a:schemeClr>
-      <a:schemeClr val="accent3">
-        <a:tint val="50000"/>
-      </a:schemeClr>
-      <a:schemeClr val="accent4">
-        <a:tint val="50000"/>
-      </a:schemeClr>
-      <a:schemeClr val="accent5">
-        <a:tint val="50000"/>
-      </a:schemeClr>
-      <a:schemeClr val="accent6">
-        <a:tint val="50000"/>
-      </a:schemeClr>
-    </dgm:fillClrLst>
-    <dgm:linClrLst meth="repeat">
-      <a:schemeClr val="lt1"/>
-    </dgm:linClrLst>
-    <dgm:effectClrLst/>
-    <dgm:txLinClrLst/>
-    <dgm:txFillClrLst meth="repeat">
-      <a:schemeClr val="lt1"/>
-    </dgm:txFillClrLst>
-    <dgm:txEffectClrLst/>
-  </dgm:styleLbl>
-  <dgm:styleLbl name="alignImgPlace1">
-    <dgm:fillClrLst>
-      <a:schemeClr val="accent1">
-        <a:tint val="50000"/>
-      </a:schemeClr>
-      <a:schemeClr val="accent2">
-        <a:tint val="20000"/>
-      </a:schemeClr>
-    </dgm:fillClrLst>
-    <dgm:linClrLst meth="repeat">
-      <a:schemeClr val="lt1"/>
-    </dgm:linClrLst>
-    <dgm:effectClrLst/>
-    <dgm:txLinClrLst/>
-    <dgm:txFillClrLst meth="repeat">
-      <a:schemeClr val="lt1"/>
-    </dgm:txFillClrLst>
-    <dgm:txEffectClrLst/>
-  </dgm:styleLbl>
-  <dgm:styleLbl name="bgImgPlace1">
-    <dgm:fillClrLst>
-      <a:schemeClr val="accent1">
-        <a:tint val="50000"/>
-      </a:schemeClr>
-      <a:schemeClr val="accent2">
-        <a:tint val="20000"/>
-      </a:schemeClr>
-    </dgm:fillClrLst>
-    <dgm:linClrLst meth="repeat">
-      <a:schemeClr val="lt1"/>
-    </dgm:linClrLst>
-    <dgm:effectClrLst/>
-    <dgm:txLinClrLst/>
-    <dgm:txFillClrLst meth="repeat">
-      <a:schemeClr val="lt1"/>
-    </dgm:txFillClrLst>
-    <dgm:txEffectClrLst/>
-  </dgm:styleLbl>
-  <dgm:styleLbl name="sibTrans2D1">
-    <dgm:fillClrLst meth="repeat">
-      <a:schemeClr val="accent2"/>
-      <a:schemeClr val="accent3"/>
-      <a:schemeClr val="accent4"/>
-      <a:schemeClr val="accent5"/>
-      <a:schemeClr val="accent6"/>
-    </dgm:fillClrLst>
-    <dgm:linClrLst meth="cycle">
-      <a:schemeClr val="lt1"/>
-    </dgm:linClrLst>
-    <dgm:effectClrLst/>
-    <dgm:txLinClrLst/>
-    <dgm:txFillClrLst/>
-    <dgm:txEffectClrLst/>
-  </dgm:styleLbl>
-  <dgm:styleLbl name="fgSibTrans2D1">
-    <dgm:fillClrLst meth="repeat">
-      <a:schemeClr val="accent2"/>
-      <a:schemeClr val="accent3"/>
-      <a:schemeClr val="accent4"/>
-      <a:schemeClr val="accent5"/>
-      <a:schemeClr val="accent6"/>
-    </dgm:fillClrLst>
-    <dgm:linClrLst meth="cycle">
-      <a:schemeClr val="lt1"/>
-    </dgm:linClrLst>
-    <dgm:effectClrLst/>
-    <dgm:txLinClrLst/>
-    <dgm:txFillClrLst meth="repeat">
-      <a:schemeClr val="lt1"/>
-    </dgm:txFillClrLst>
-    <dgm:txEffectClrLst/>
-  </dgm:styleLbl>
-  <dgm:styleLbl name="bgSibTrans2D1">
-    <dgm:fillClrLst meth="repeat">
-      <a:schemeClr val="accent2"/>
-      <a:schemeClr val="accent3"/>
-      <a:schemeClr val="accent4"/>
-      <a:schemeClr val="accent5"/>
-      <a:schemeClr val="accent6"/>
-    </dgm:fillClrLst>
-    <dgm:linClrLst meth="cycle">
-      <a:schemeClr val="lt1"/>
-    </dgm:linClrLst>
-    <dgm:effectClrLst/>
-    <dgm:txLinClrLst/>
-    <dgm:txFillClrLst meth="repeat">
-      <a:schemeClr val="lt1"/>
-    </dgm:txFillClrLst>
-    <dgm:txEffectClrLst/>
-  </dgm:styleLbl>
-  <dgm:styleLbl name="sibTrans1D1">
-    <dgm:fillClrLst meth="repeat">
-      <a:schemeClr val="accent2"/>
-      <a:schemeClr val="accent3"/>
-      <a:schemeClr val="accent4"/>
-      <a:schemeClr val="accent5"/>
-      <a:schemeClr val="accent6"/>
-    </dgm:fillClrLst>
-    <dgm:linClrLst meth="repeat">
-      <a:schemeClr val="accent2"/>
-      <a:schemeClr val="accent3"/>
-      <a:schemeClr val="accent4"/>
-      <a:schemeClr val="accent5"/>
-      <a:schemeClr val="accent6"/>
-    </dgm:linClrLst>
-    <dgm:effectClrLst/>
-    <dgm:txLinClrLst/>
-    <dgm:txFillClrLst meth="repeat">
-      <a:schemeClr val="tx1"/>
-    </dgm:txFillClrLst>
-    <dgm:txEffectClrLst/>
-  </dgm:styleLbl>
-  <dgm:styleLbl name="callout">
-    <dgm:fillClrLst meth="repeat">
-      <a:schemeClr val="accent2"/>
-    </dgm:fillClrLst>
-    <dgm:linClrLst meth="repeat">
-      <a:schemeClr val="accent2">
-        <a:tint val="50000"/>
-      </a:schemeClr>
-    </dgm:linClrLst>
-    <dgm:effectClrLst/>
-    <dgm:txLinClrLst/>
-    <dgm:txFillClrLst meth="repeat">
-      <a:schemeClr val="tx1"/>
-    </dgm:txFillClrLst>
-    <dgm:txEffectClrLst/>
-  </dgm:styleLbl>
-  <dgm:styleLbl name="asst0">
-    <dgm:fillClrLst meth="repeat">
-      <a:schemeClr val="accent1"/>
-    </dgm:fillClrLst>
-    <dgm:linClrLst meth="repeat">
-      <a:schemeClr val="lt1"/>
-    </dgm:linClrLst>
-    <dgm:effectClrLst/>
-    <dgm:txLinClrLst/>
-    <dgm:txFillClrLst/>
-    <dgm:txEffectClrLst/>
-  </dgm:styleLbl>
-  <dgm:styleLbl name="asst1">
-    <dgm:fillClrLst meth="repeat">
-      <a:schemeClr val="accent2"/>
-    </dgm:fillClrLst>
-    <dgm:linClrLst meth="repeat">
-      <a:schemeClr val="lt1"/>
-    </dgm:linClrLst>
-    <dgm:effectClrLst/>
-    <dgm:txLinClrLst/>
-    <dgm:txFillClrLst/>
-    <dgm:txEffectClrLst/>
-  </dgm:styleLbl>
-  <dgm:styleLbl name="asst2">
-    <dgm:fillClrLst>
-      <a:schemeClr val="accent3"/>
-    </dgm:fillClrLst>
-    <dgm:linClrLst meth="repeat">
-      <a:schemeClr val="lt1"/>
-    </dgm:linClrLst>
-    <dgm:effectClrLst/>
-    <dgm:txLinClrLst/>
-    <dgm:txFillClrLst/>
-    <dgm:txEffectClrLst/>
-  </dgm:styleLbl>
-  <dgm:styleLbl name="asst3">
-    <dgm:fillClrLst>
-      <a:schemeClr val="accent4"/>
-    </dgm:fillClrLst>
-    <dgm:linClrLst meth="repeat">
-      <a:schemeClr val="lt1"/>
-    </dgm:linClrLst>
-    <dgm:effectClrLst/>
-    <dgm:txLinClrLst/>
-    <dgm:txFillClrLst/>
-    <dgm:txEffectClrLst/>
-  </dgm:styleLbl>
-  <dgm:styleLbl name="asst4">
-    <dgm:fillClrLst>
-      <a:schemeClr val="accent5"/>
-    </dgm:fillClrLst>
-    <dgm:linClrLst meth="repeat">
-      <a:schemeClr val="lt1"/>
-    </dgm:linClrLst>
-    <dgm:effectClrLst/>
-    <dgm:txLinClrLst/>
-    <dgm:txFillClrLst/>
-    <dgm:txEffectClrLst/>
-  </dgm:styleLbl>
-  <dgm:styleLbl name="parChTrans2D1">
-    <dgm:fillClrLst meth="repeat">
-      <a:schemeClr val="accent2"/>
-    </dgm:fillClrLst>
-    <dgm:linClrLst meth="repeat">
-      <a:schemeClr val="lt1"/>
-    </dgm:linClrLst>
-    <dgm:effectClrLst/>
-    <dgm:txLinClrLst/>
-    <dgm:txFillClrLst meth="repeat">
-      <a:schemeClr val="lt1"/>
-    </dgm:txFillClrLst>
-    <dgm:txEffectClrLst/>
-  </dgm:styleLbl>
-  <dgm:styleLbl name="parChTrans2D2">
-    <dgm:fillClrLst meth="repeat">
-      <a:schemeClr val="accent3"/>
-    </dgm:fillClrLst>
-    <dgm:linClrLst meth="repeat">
-      <a:schemeClr val="lt1"/>
-    </dgm:linClrLst>
-    <dgm:effectClrLst/>
-    <dgm:txLinClrLst/>
-    <dgm:txFillClrLst/>
-    <dgm:txEffectClrLst/>
-  </dgm:styleLbl>
-  <dgm:styleLbl name="parChTrans2D3">
-    <dgm:fillClrLst meth="repeat">
-      <a:schemeClr val="accent4"/>
-    </dgm:fillClrLst>
-    <dgm:linClrLst meth="repeat">
-      <a:schemeClr val="lt1"/>
-    </dgm:linClrLst>
-    <dgm:effectClrLst/>
-    <dgm:txLinClrLst/>
-    <dgm:txFillClrLst/>
-    <dgm:txEffectClrLst/>
-  </dgm:styleLbl>
-  <dgm:styleLbl name="parChTrans2D4">
-    <dgm:fillClrLst meth="repeat">
-      <a:schemeClr val="accent5"/>
-    </dgm:fillClrLst>
-    <dgm:linClrLst meth="repeat">
-      <a:schemeClr val="lt1"/>
-    </dgm:linClrLst>
-    <dgm:effectClrLst/>
-    <dgm:txLinClrLst/>
-    <dgm:txFillClrLst meth="repeat">
-      <a:schemeClr val="lt1"/>
-    </dgm:txFillClrLst>
-    <dgm:txEffectClrLst/>
-  </dgm:styleLbl>
-  <dgm:styleLbl name="parChTrans1D1">
-    <dgm:fillClrLst meth="repeat">
-      <a:schemeClr val="accent2"/>
-    </dgm:fillClrLst>
-    <dgm:linClrLst meth="repeat">
-      <a:schemeClr val="accent1"/>
-    </dgm:linClrLst>
-    <dgm:effectClrLst/>
-    <dgm:txLinClrLst/>
-    <dgm:txFillClrLst meth="repeat">
-      <a:schemeClr val="tx1"/>
-    </dgm:txFillClrLst>
-    <dgm:txEffectClrLst/>
-  </dgm:styleLbl>
-  <dgm:styleLbl name="parChTrans1D2">
-    <dgm:fillClrLst meth="repeat">
-      <a:schemeClr val="accent3">
-        <a:tint val="90000"/>
-      </a:schemeClr>
-    </dgm:fillClrLst>
-    <dgm:linClrLst meth="repeat">
-      <a:schemeClr val="accent2"/>
-    </dgm:linClrLst>
-    <dgm:effectClrLst/>
-    <dgm:txLinClrLst/>
-    <dgm:txFillClrLst meth="repeat">
-      <a:schemeClr val="tx1"/>
-    </dgm:txFillClrLst>
-    <dgm:txEffectClrLst/>
-  </dgm:styleLbl>
-  <dgm:styleLbl name="parChTrans1D3">
-    <dgm:fillClrLst meth="repeat">
-      <a:schemeClr val="accent4">
-        <a:tint val="70000"/>
-      </a:schemeClr>
-    </dgm:fillClrLst>
-    <dgm:linClrLst meth="repeat">
-      <a:schemeClr val="accent3"/>
-    </dgm:linClrLst>
-    <dgm:effectClrLst/>
-    <dgm:txLinClrLst/>
-    <dgm:txFillClrLst meth="repeat">
-      <a:schemeClr val="tx1"/>
-    </dgm:txFillClrLst>
-    <dgm:txEffectClrLst/>
-  </dgm:styleLbl>
-  <dgm:styleLbl name="parChTrans1D4">
-    <dgm:fillClrLst meth="repeat">
-      <a:schemeClr val="accent5">
-        <a:tint val="50000"/>
-      </a:schemeClr>
-    </dgm:fillClrLst>
-    <dgm:linClrLst meth="repeat">
-      <a:schemeClr val="accent4"/>
-    </dgm:linClrLst>
-    <dgm:effectClrLst/>
-    <dgm:txLinClrLst/>
-    <dgm:txFillClrLst meth="repeat">
-      <a:schemeClr val="tx1"/>
-    </dgm:txFillClrLst>
-    <dgm:txEffectClrLst/>
-  </dgm:styleLbl>
-  <dgm:styleLbl name="fgAcc1">
-    <dgm:fillClrLst meth="repeat">
-      <a:schemeClr val="lt1">
-        <a:alpha val="90000"/>
-      </a:schemeClr>
-    </dgm:fillClrLst>
-    <dgm:linClrLst meth="repeat">
-      <a:schemeClr val="accent2"/>
-      <a:schemeClr val="accent3"/>
-      <a:schemeClr val="accent4"/>
-      <a:schemeClr val="accent5"/>
-      <a:schemeClr val="accent6"/>
-    </dgm:linClrLst>
-    <dgm:effectClrLst/>
-    <dgm:txLinClrLst/>
-    <dgm:txFillClrLst meth="repeat">
-      <a:schemeClr val="dk1"/>
-    </dgm:txFillClrLst>
-    <dgm:txEffectClrLst/>
-  </dgm:styleLbl>
-  <dgm:styleLbl name="conFgAcc1">
-    <dgm:fillClrLst meth="repeat">
-      <a:schemeClr val="lt1">
-        <a:alpha val="90000"/>
-      </a:schemeClr>
-    </dgm:fillClrLst>
-    <dgm:linClrLst meth="repeat">
-      <a:schemeClr val="accent2"/>
-      <a:schemeClr val="accent3"/>
-      <a:schemeClr val="accent4"/>
-      <a:schemeClr val="accent5"/>
-      <a:schemeClr val="accent6"/>
-    </dgm:linClrLst>
-    <dgm:effectClrLst/>
-    <dgm:txLinClrLst/>
-    <dgm:txFillClrLst meth="repeat">
-      <a:schemeClr val="dk1"/>
-    </dgm:txFillClrLst>
-    <dgm:txEffectClrLst/>
-  </dgm:styleLbl>
-  <dgm:styleLbl name="alignAcc1">
-    <dgm:fillClrLst meth="repeat">
-      <a:schemeClr val="lt1">
-        <a:alpha val="90000"/>
-      </a:schemeClr>
-    </dgm:fillClrLst>
-    <dgm:linClrLst meth="repeat">
-      <a:schemeClr val="accent2"/>
-      <a:schemeClr val="accent3"/>
-      <a:schemeClr val="accent4"/>
-      <a:schemeClr val="accent5"/>
-      <a:schemeClr val="accent6"/>
-    </dgm:linClrLst>
-    <dgm:effectClrLst/>
-    <dgm:txLinClrLst/>
-    <dgm:txFillClrLst meth="repeat">
-      <a:schemeClr val="dk1"/>
-    </dgm:txFillClrLst>
-    <dgm:txEffectClrLst/>
-  </dgm:styleLbl>
-  <dgm:styleLbl name="trAlignAcc1">
-    <dgm:fillClrLst meth="repeat">
-      <a:schemeClr val="lt1">
-        <a:alpha val="40000"/>
-      </a:schemeClr>
-    </dgm:fillClrLst>
-    <dgm:linClrLst meth="repeat">
-      <a:schemeClr val="accent1"/>
-    </dgm:linClrLst>
-    <dgm:effectClrLst/>
-    <dgm:txLinClrLst/>
-    <dgm:txFillClrLst meth="repeat">
-      <a:schemeClr val="dk1"/>
-    </dgm:txFillClrLst>
-    <dgm:txEffectClrLst/>
-  </dgm:styleLbl>
-  <dgm:styleLbl name="bgAcc1">
-    <dgm:fillClrLst meth="repeat">
-      <a:schemeClr val="lt1">
-        <a:alpha val="90000"/>
-      </a:schemeClr>
-    </dgm:fillClrLst>
-    <dgm:linClrLst meth="repeat">
-      <a:schemeClr val="accent2"/>
-      <a:schemeClr val="accent3"/>
-      <a:schemeClr val="accent4"/>
-      <a:schemeClr val="accent5"/>
-      <a:schemeClr val="accent6"/>
-    </dgm:linClrLst>
-    <dgm:effectClrLst/>
-    <dgm:txLinClrLst/>
-    <dgm:txFillClrLst meth="repeat">
-      <a:schemeClr val="dk1"/>
-    </dgm:txFillClrLst>
-    <dgm:txEffectClrLst/>
-  </dgm:styleLbl>
-  <dgm:styleLbl name="solidFgAcc1">
-    <dgm:fillClrLst meth="repeat">
-      <a:schemeClr val="lt1"/>
-    </dgm:fillClrLst>
-    <dgm:linClrLst meth="repeat">
-      <a:schemeClr val="accent2"/>
-      <a:schemeClr val="accent3"/>
-      <a:schemeClr val="accent4"/>
-      <a:schemeClr val="accent5"/>
-      <a:schemeClr val="accent6"/>
-    </dgm:linClrLst>
-    <dgm:effectClrLst/>
-    <dgm:txLinClrLst/>
-    <dgm:txFillClrLst meth="repeat">
-      <a:schemeClr val="dk1"/>
-    </dgm:txFillClrLst>
-    <dgm:txEffectClrLst/>
-  </dgm:styleLbl>
-  <dgm:styleLbl name="solidAlignAcc1">
-    <dgm:fillClrLst meth="repeat">
-      <a:schemeClr val="lt1"/>
-    </dgm:fillClrLst>
-    <dgm:linClrLst meth="repeat">
-      <a:schemeClr val="accent2"/>
-      <a:schemeClr val="accent3"/>
-      <a:schemeClr val="accent4"/>
-      <a:schemeClr val="accent5"/>
-      <a:schemeClr val="accent6"/>
-    </dgm:linClrLst>
-    <dgm:effectClrLst/>
-    <dgm:txLinClrLst/>
-    <dgm:txFillClrLst meth="repeat">
-      <a:schemeClr val="dk1"/>
-    </dgm:txFillClrLst>
-    <dgm:txEffectClrLst/>
-  </dgm:styleLbl>
-  <dgm:styleLbl name="solidBgAcc1">
-    <dgm:fillClrLst meth="repeat">
-      <a:schemeClr val="lt1"/>
-    </dgm:fillClrLst>
-    <dgm:linClrLst meth="repeat">
-      <a:schemeClr val="accent2"/>
-      <a:schemeClr val="accent3"/>
-      <a:schemeClr val="accent4"/>
-      <a:schemeClr val="accent5"/>
-      <a:schemeClr val="accent6"/>
-    </dgm:linClrLst>
-    <dgm:effectClrLst/>
-    <dgm:txLinClrLst/>
-    <dgm:txFillClrLst meth="repeat">
-      <a:schemeClr val="dk1"/>
-    </dgm:txFillClrLst>
-    <dgm:txEffectClrLst/>
-  </dgm:styleLbl>
-  <dgm:styleLbl name="fgAccFollowNode1">
-    <dgm:fillClrLst meth="repeat">
-      <a:schemeClr val="accent2">
-        <a:tint val="40000"/>
-        <a:alpha val="90000"/>
-      </a:schemeClr>
-      <a:schemeClr val="accent3">
-        <a:tint val="40000"/>
-        <a:alpha val="90000"/>
-      </a:schemeClr>
-      <a:schemeClr val="accent4">
-        <a:tint val="40000"/>
-        <a:alpha val="90000"/>
-      </a:schemeClr>
-      <a:schemeClr val="accent5">
-        <a:tint val="40000"/>
-        <a:alpha val="90000"/>
-      </a:schemeClr>
-      <a:schemeClr val="accent6">
-        <a:tint val="40000"/>
-        <a:alpha val="90000"/>
-      </a:schemeClr>
-    </dgm:fillClrLst>
-    <dgm:linClrLst meth="repeat">
-      <a:schemeClr val="accent2">
-        <a:tint val="40000"/>
-        <a:alpha val="90000"/>
-      </a:schemeClr>
-      <a:schemeClr val="accent3">
-        <a:tint val="40000"/>
-        <a:alpha val="90000"/>
-      </a:schemeClr>
-      <a:schemeClr val="accent4">
-        <a:tint val="40000"/>
-        <a:alpha val="90000"/>
-      </a:schemeClr>
-      <a:schemeClr val="accent5">
-        <a:tint val="40000"/>
-        <a:alpha val="90000"/>
-      </a:schemeClr>
-      <a:schemeClr val="accent6">
-        <a:tint val="40000"/>
-        <a:alpha val="90000"/>
-      </a:schemeClr>
-    </dgm:linClrLst>
-    <dgm:effectClrLst/>
-    <dgm:txLinClrLst/>
-    <dgm:txFillClrLst meth="repeat">
-      <a:schemeClr val="dk1"/>
-    </dgm:txFillClrLst>
-    <dgm:txEffectClrLst/>
-  </dgm:styleLbl>
-  <dgm:styleLbl name="alignAccFollowNode1">
-    <dgm:fillClrLst meth="repeat">
-      <a:schemeClr val="accent2">
-        <a:tint val="40000"/>
-        <a:alpha val="90000"/>
-      </a:schemeClr>
-      <a:schemeClr val="accent3">
-        <a:tint val="40000"/>
-        <a:alpha val="90000"/>
-      </a:schemeClr>
-      <a:schemeClr val="accent4">
-        <a:tint val="40000"/>
-        <a:alpha val="90000"/>
-      </a:schemeClr>
-      <a:schemeClr val="accent5">
-        <a:tint val="40000"/>
-        <a:alpha val="90000"/>
-      </a:schemeClr>
-      <a:schemeClr val="accent6">
-        <a:tint val="40000"/>
-        <a:alpha val="90000"/>
-      </a:schemeClr>
-    </dgm:fillClrLst>
-    <dgm:linClrLst meth="repeat">
-      <a:schemeClr val="accent2">
-        <a:tint val="40000"/>
-        <a:alpha val="90000"/>
-      </a:schemeClr>
-      <a:schemeClr val="accent3">
-        <a:tint val="40000"/>
-        <a:alpha val="90000"/>
-      </a:schemeClr>
-      <a:schemeClr val="accent4">
-        <a:tint val="40000"/>
-        <a:alpha val="90000"/>
-      </a:schemeClr>
-      <a:schemeClr val="accent5">
-        <a:tint val="40000"/>
-        <a:alpha val="90000"/>
-      </a:schemeClr>
-      <a:schemeClr val="accent6">
-        <a:tint val="40000"/>
-        <a:alpha val="90000"/>
-      </a:schemeClr>
-    </dgm:linClrLst>
-    <dgm:effectClrLst/>
-    <dgm:txLinClrLst/>
-    <dgm:txFillClrLst meth="repeat">
-      <a:schemeClr val="dk1"/>
-    </dgm:txFillClrLst>
-    <dgm:txEffectClrLst/>
-  </dgm:styleLbl>
-  <dgm:styleLbl name="bgAccFollowNode1">
-    <dgm:fillClrLst meth="repeat">
-      <a:schemeClr val="accent2">
-        <a:tint val="40000"/>
-        <a:alpha val="90000"/>
-      </a:schemeClr>
-      <a:schemeClr val="accent3">
-        <a:tint val="40000"/>
-        <a:alpha val="90000"/>
-      </a:schemeClr>
-      <a:schemeClr val="accent4">
-        <a:tint val="40000"/>
-        <a:alpha val="90000"/>
-      </a:schemeClr>
-      <a:schemeClr val="accent5">
-        <a:tint val="40000"/>
-        <a:alpha val="90000"/>
-      </a:schemeClr>
-      <a:schemeClr val="accent6">
-        <a:tint val="40000"/>
-        <a:alpha val="90000"/>
-      </a:schemeClr>
-    </dgm:fillClrLst>
-    <dgm:linClrLst meth="repeat">
-      <a:schemeClr val="accent2">
-        <a:tint val="40000"/>
-        <a:alpha val="90000"/>
-      </a:schemeClr>
-      <a:schemeClr val="accent3">
-        <a:tint val="40000"/>
-        <a:alpha val="90000"/>
-      </a:schemeClr>
-      <a:schemeClr val="accent4">
-        <a:tint val="40000"/>
-        <a:alpha val="90000"/>
-      </a:schemeClr>
-      <a:schemeClr val="accent5">
-        <a:tint val="40000"/>
-        <a:alpha val="90000"/>
-      </a:schemeClr>
-      <a:schemeClr val="accent6">
-        <a:tint val="40000"/>
-        <a:alpha val="90000"/>
-      </a:schemeClr>
-    </dgm:linClrLst>
-    <dgm:effectClrLst/>
-    <dgm:txLinClrLst/>
-    <dgm:txFillClrLst meth="repeat">
-      <a:schemeClr val="dk1"/>
-    </dgm:txFillClrLst>
-    <dgm:txEffectClrLst/>
-  </dgm:styleLbl>
-  <dgm:styleLbl name="fgAcc0">
-    <dgm:fillClrLst meth="repeat">
-      <a:schemeClr val="lt1">
-        <a:alpha val="90000"/>
-      </a:schemeClr>
-    </dgm:fillClrLst>
-    <dgm:linClrLst>
-      <a:schemeClr val="accent1"/>
-    </dgm:linClrLst>
-    <dgm:effectClrLst/>
-    <dgm:txLinClrLst/>
-    <dgm:txFillClrLst meth="repeat">
-      <a:schemeClr val="dk1"/>
-    </dgm:txFillClrLst>
-    <dgm:txEffectClrLst/>
-  </dgm:styleLbl>
-  <dgm:styleLbl name="fgAcc2">
-    <dgm:fillClrLst meth="repeat">
-      <a:schemeClr val="lt1">
-        <a:alpha val="90000"/>
-      </a:schemeClr>
-    </dgm:fillClrLst>
-    <dgm:linClrLst>
-      <a:schemeClr val="accent2"/>
-    </dgm:linClrLst>
-    <dgm:effectClrLst/>
-    <dgm:txLinClrLst/>
-    <dgm:txFillClrLst meth="repeat">
-      <a:schemeClr val="dk1"/>
-    </dgm:txFillClrLst>
-    <dgm:txEffectClrLst/>
-  </dgm:styleLbl>
-  <dgm:styleLbl name="fgAcc3">
-    <dgm:fillClrLst meth="repeat">
-      <a:schemeClr val="lt1">
-        <a:alpha val="90000"/>
-      </a:schemeClr>
-    </dgm:fillClrLst>
-    <dgm:linClrLst>
-      <a:schemeClr val="accent3"/>
-    </dgm:linClrLst>
-    <dgm:effectClrLst/>
-    <dgm:txLinClrLst/>
-    <dgm:txFillClrLst meth="repeat">
-      <a:schemeClr val="dk1"/>
-    </dgm:txFillClrLst>
-    <dgm:txEffectClrLst/>
-  </dgm:styleLbl>
-  <dgm:styleLbl name="fgAcc4">
-    <dgm:fillClrLst meth="repeat">
-      <a:schemeClr val="lt1">
-        <a:alpha val="90000"/>
-      </a:schemeClr>
-    </dgm:fillClrLst>
-    <dgm:linClrLst>
-      <a:schemeClr val="accent4"/>
-    </dgm:linClrLst>
-    <dgm:effectClrLst/>
-    <dgm:txLinClrLst/>
-    <dgm:txFillClrLst meth="repeat">
-      <a:schemeClr val="dk1"/>
-    </dgm:txFillClrLst>
-    <dgm:txEffectClrLst/>
-  </dgm:styleLbl>
-  <dgm:styleLbl name="bgShp">
-    <dgm:fillClrLst meth="repeat">
-      <a:schemeClr val="accent2"/>
-      <a:schemeClr val="accent3"/>
-      <a:schemeClr val="accent4"/>
-      <a:schemeClr val="accent5"/>
-      <a:schemeClr val="accent6"/>
-    </dgm:fillClrLst>
-    <dgm:linClrLst meth="repeat">
-      <a:schemeClr val="lt1">
-        <a:alpha val="0"/>
-      </a:schemeClr>
-    </dgm:linClrLst>
-    <dgm:effectClrLst/>
-    <dgm:txLinClrLst/>
-    <dgm:txFillClrLst/>
-    <dgm:txEffectClrLst/>
-  </dgm:styleLbl>
-  <dgm:styleLbl name="dkBgShp">
-    <dgm:fillClrLst meth="repeat">
-      <a:schemeClr val="accent2">
-        <a:shade val="90000"/>
-      </a:schemeClr>
-    </dgm:fillClrLst>
-    <dgm:linClrLst meth="repeat">
-      <a:schemeClr val="dk1"/>
-    </dgm:linClrLst>
-    <dgm:effectClrLst/>
-    <dgm:txLinClrLst/>
-    <dgm:txFillClrLst meth="repeat">
-      <a:schemeClr val="lt1"/>
-    </dgm:txFillClrLst>
-    <dgm:txEffectClrLst/>
-  </dgm:styleLbl>
-  <dgm:styleLbl name="trBgShp">
-    <dgm:fillClrLst meth="repeat">
-      <a:schemeClr val="accent1">
-        <a:tint val="50000"/>
-        <a:alpha val="40000"/>
-      </a:schemeClr>
-    </dgm:fillClrLst>
-    <dgm:linClrLst meth="repeat">
-      <a:schemeClr val="accent2"/>
-    </dgm:linClrLst>
-    <dgm:effectClrLst/>
-    <dgm:txLinClrLst/>
-    <dgm:txFillClrLst meth="repeat">
-      <a:schemeClr val="lt1"/>
-    </dgm:txFillClrLst>
-    <dgm:txEffectClrLst/>
-  </dgm:styleLbl>
-  <dgm:styleLbl name="fgShp">
-    <dgm:fillClrLst meth="repeat">
-      <a:schemeClr val="accent2">
-        <a:tint val="40000"/>
-      </a:schemeClr>
-    </dgm:fillClrLst>
-    <dgm:linClrLst meth="repeat">
-      <a:schemeClr val="lt1"/>
-    </dgm:linClrLst>
-    <dgm:effectClrLst/>
-    <dgm:txLinClrLst/>
-    <dgm:txFillClrLst meth="repeat">
-      <a:schemeClr val="dk1"/>
-    </dgm:txFillClrLst>
-    <dgm:txEffectClrLst/>
-  </dgm:styleLbl>
-  <dgm:styleLbl name="revTx">
-    <dgm:fillClrLst meth="repeat">
-      <a:schemeClr val="lt1">
-        <a:alpha val="0"/>
-      </a:schemeClr>
-    </dgm:fillClrLst>
-    <dgm:linClrLst meth="repeat">
-      <a:schemeClr val="dk1">
-        <a:alpha val="0"/>
-      </a:schemeClr>
-    </dgm:linClrLst>
-    <dgm:effectClrLst/>
-    <dgm:txLinClrLst/>
-    <dgm:txFillClrLst meth="repeat">
-      <a:schemeClr val="tx1"/>
-    </dgm:txFillClrLst>
-    <dgm:txEffectClrLst/>
-  </dgm:styleLbl>
-</dgm:colorsDef>
-</file>
-
-<file path=ppt/diagrams/data1.xml><?xml version="1.0" encoding="utf-8"?>
-<dgm:dataModel xmlns:dgm="http://schemas.openxmlformats.org/drawingml/2006/diagram" xmlns:a="http://schemas.openxmlformats.org/drawingml/2006/main">
-  <dgm:ptLst>
-    <dgm:pt modelId="{01A66772-F185-4D58-B8BB-E9370D7A7A2B}" type="doc">
-      <dgm:prSet loTypeId="urn:microsoft.com/office/officeart/2018/5/layout/IconCircleLabelList" loCatId="icon" qsTypeId="urn:microsoft.com/office/officeart/2005/8/quickstyle/simple1" qsCatId="simple" csTypeId="urn:microsoft.com/office/officeart/2018/5/colors/Iconchunking_neutralicon_colorful1" csCatId="colorful" phldr="1"/>
-      <dgm:spPr/>
-      <dgm:t>
-        <a:bodyPr rtlCol="0"/>
-        <a:lstStyle/>
-        <a:p>
-          <a:pPr rtl="0"/>
-          <a:endParaRPr lang="en-US"/>
-        </a:p>
-      </dgm:t>
-    </dgm:pt>
-    <dgm:pt modelId="{40FC4FFE-8987-4A26-B7F4-8A516F18ADAE}">
-      <dgm:prSet/>
-      <dgm:spPr/>
-      <dgm:t>
-        <a:bodyPr rtlCol="0"/>
-        <a:lstStyle/>
-        <a:p>
-          <a:pPr>
-            <a:lnSpc>
-              <a:spcPct val="100000"/>
-            </a:lnSpc>
-            <a:defRPr cap="all"/>
-          </a:pPr>
-          <a:r>
-            <a:rPr lang="zh-tw" dirty="0">
-              <a:latin typeface="Microsoft JhengHei UI" panose="020B0604030504040204" pitchFamily="34" charset="-120"/>
-              <a:ea typeface="Microsoft JhengHei UI" panose="020B0604030504040204" pitchFamily="34" charset="-120"/>
-            </a:rPr>
-            <a:t>Lorem ipsum dolor sit amet, consectetuer adipiscing elit. </a:t>
-          </a:r>
-        </a:p>
-      </dgm:t>
-    </dgm:pt>
-    <dgm:pt modelId="{CAD7EF86-FB23-41F6-BF42-040B36DEFDB1}" type="parTrans" cxnId="{C7AD8469-3C68-4AF9-AB82-79B0043AA120}">
-      <dgm:prSet/>
-      <dgm:spPr/>
-      <dgm:t>
-        <a:bodyPr rtlCol="0"/>
-        <a:lstStyle/>
-        <a:p>
-          <a:pPr rtl="0"/>
-          <a:endParaRPr lang="en-US">
-            <a:latin typeface="Microsoft JhengHei UI" panose="020B0604030504040204" pitchFamily="34" charset="-120"/>
-            <a:ea typeface="Microsoft JhengHei UI" panose="020B0604030504040204" pitchFamily="34" charset="-120"/>
-          </a:endParaRPr>
-        </a:p>
-      </dgm:t>
-    </dgm:pt>
-    <dgm:pt modelId="{5B62599A-5C9B-48E7-896E-EA782AC60C8B}" type="sibTrans" cxnId="{C7AD8469-3C68-4AF9-AB82-79B0043AA120}">
-      <dgm:prSet/>
-      <dgm:spPr/>
-      <dgm:t>
-        <a:bodyPr rtlCol="0"/>
-        <a:lstStyle/>
-        <a:p>
-          <a:pPr rtl="0"/>
-          <a:endParaRPr lang="en-US">
-            <a:latin typeface="Microsoft JhengHei UI" panose="020B0604030504040204" pitchFamily="34" charset="-120"/>
-            <a:ea typeface="Microsoft JhengHei UI" panose="020B0604030504040204" pitchFamily="34" charset="-120"/>
-          </a:endParaRPr>
-        </a:p>
-      </dgm:t>
-    </dgm:pt>
-    <dgm:pt modelId="{49225C73-1633-42F1-AB3B-7CB183E5F8B8}">
-      <dgm:prSet/>
-      <dgm:spPr/>
-      <dgm:t>
-        <a:bodyPr rtlCol="0"/>
-        <a:lstStyle/>
-        <a:p>
-          <a:pPr>
-            <a:lnSpc>
-              <a:spcPct val="100000"/>
-            </a:lnSpc>
-            <a:defRPr cap="all"/>
-          </a:pPr>
-          <a:r>
-            <a:rPr lang="zh-tw">
-              <a:latin typeface="Microsoft JhengHei UI" panose="020B0604030504040204" pitchFamily="34" charset="-120"/>
-              <a:ea typeface="Microsoft JhengHei UI" panose="020B0604030504040204" pitchFamily="34" charset="-120"/>
-            </a:rPr>
-            <a:t>Nunc viverra imperdiet enim.Fusce est.Vivamus a tellus.</a:t>
-          </a:r>
-        </a:p>
-      </dgm:t>
-    </dgm:pt>
-    <dgm:pt modelId="{1A0E2090-1D4F-438A-8766-B6030CE01ADD}" type="parTrans" cxnId="{A9154303-8225-4248-91DC-1B0156A35F07}">
-      <dgm:prSet/>
-      <dgm:spPr/>
-      <dgm:t>
-        <a:bodyPr rtlCol="0"/>
-        <a:lstStyle/>
-        <a:p>
-          <a:pPr rtl="0"/>
-          <a:endParaRPr lang="en-US">
-            <a:latin typeface="Microsoft JhengHei UI" panose="020B0604030504040204" pitchFamily="34" charset="-120"/>
-            <a:ea typeface="Microsoft JhengHei UI" panose="020B0604030504040204" pitchFamily="34" charset="-120"/>
-          </a:endParaRPr>
-        </a:p>
-      </dgm:t>
-    </dgm:pt>
-    <dgm:pt modelId="{9646853A-8964-4519-A5B1-0B7D18B2983D}" type="sibTrans" cxnId="{A9154303-8225-4248-91DC-1B0156A35F07}">
-      <dgm:prSet/>
-      <dgm:spPr/>
-      <dgm:t>
-        <a:bodyPr rtlCol="0"/>
-        <a:lstStyle/>
-        <a:p>
-          <a:pPr rtl="0"/>
-          <a:endParaRPr lang="en-US">
-            <a:latin typeface="Microsoft JhengHei UI" panose="020B0604030504040204" pitchFamily="34" charset="-120"/>
-            <a:ea typeface="Microsoft JhengHei UI" panose="020B0604030504040204" pitchFamily="34" charset="-120"/>
-          </a:endParaRPr>
-        </a:p>
-      </dgm:t>
-    </dgm:pt>
-    <dgm:pt modelId="{1C383F32-22E8-4F62-A3E0-BDC3D5F48992}">
-      <dgm:prSet/>
-      <dgm:spPr/>
-      <dgm:t>
-        <a:bodyPr rtlCol="0"/>
-        <a:lstStyle/>
-        <a:p>
-          <a:pPr>
-            <a:lnSpc>
-              <a:spcPct val="100000"/>
-            </a:lnSpc>
-            <a:defRPr cap="all"/>
-          </a:pPr>
-          <a:r>
-            <a:rPr lang="zh-tw">
-              <a:latin typeface="Microsoft JhengHei UI" panose="020B0604030504040204" pitchFamily="34" charset="-120"/>
-              <a:ea typeface="Microsoft JhengHei UI" panose="020B0604030504040204" pitchFamily="34" charset="-120"/>
-            </a:rPr>
-            <a:t>Pellentesque habitant morbi tristique senectus et netus.</a:t>
-          </a:r>
-        </a:p>
-      </dgm:t>
-    </dgm:pt>
-    <dgm:pt modelId="{A7920A2F-3244-4159-AF04-6A1D38B7B317}" type="parTrans" cxnId="{C4CCE57E-E871-46D6-BAD5-880252C95D22}">
-      <dgm:prSet/>
-      <dgm:spPr/>
-      <dgm:t>
-        <a:bodyPr rtlCol="0"/>
-        <a:lstStyle/>
-        <a:p>
-          <a:pPr rtl="0"/>
-          <a:endParaRPr lang="en-US">
-            <a:latin typeface="Microsoft JhengHei UI" panose="020B0604030504040204" pitchFamily="34" charset="-120"/>
-            <a:ea typeface="Microsoft JhengHei UI" panose="020B0604030504040204" pitchFamily="34" charset="-120"/>
-          </a:endParaRPr>
-        </a:p>
-      </dgm:t>
-    </dgm:pt>
-    <dgm:pt modelId="{8500F72A-2C6D-4FDF-9C1D-CA691380EB0B}" type="sibTrans" cxnId="{C4CCE57E-E871-46D6-BAD5-880252C95D22}">
-      <dgm:prSet/>
-      <dgm:spPr/>
-      <dgm:t>
-        <a:bodyPr rtlCol="0"/>
-        <a:lstStyle/>
-        <a:p>
-          <a:pPr rtl="0"/>
-          <a:endParaRPr lang="en-US">
-            <a:latin typeface="Microsoft JhengHei UI" panose="020B0604030504040204" pitchFamily="34" charset="-120"/>
-            <a:ea typeface="Microsoft JhengHei UI" panose="020B0604030504040204" pitchFamily="34" charset="-120"/>
-          </a:endParaRPr>
-        </a:p>
-      </dgm:t>
-    </dgm:pt>
-    <dgm:pt modelId="{50B3CE7C-E10B-4E23-BD93-03664997C932}" type="pres">
-      <dgm:prSet presAssocID="{01A66772-F185-4D58-B8BB-E9370D7A7A2B}" presName="root" presStyleCnt="0">
-        <dgm:presLayoutVars>
-          <dgm:dir/>
-          <dgm:resizeHandles val="exact"/>
-        </dgm:presLayoutVars>
-      </dgm:prSet>
-      <dgm:spPr/>
-    </dgm:pt>
-    <dgm:pt modelId="{DE9CE479-E4AE-4283-AEF1-10C1535B4324}" type="pres">
-      <dgm:prSet presAssocID="{40FC4FFE-8987-4A26-B7F4-8A516F18ADAE}" presName="compNode" presStyleCnt="0"/>
-      <dgm:spPr/>
-    </dgm:pt>
-    <dgm:pt modelId="{B59FCF02-CAD2-4D6F-9542-AD86711168CA}" type="pres">
-      <dgm:prSet presAssocID="{40FC4FFE-8987-4A26-B7F4-8A516F18ADAE}" presName="iconBgRect" presStyleLbl="bgShp" presStyleIdx="0" presStyleCnt="3"/>
-      <dgm:spPr/>
-    </dgm:pt>
-    <dgm:pt modelId="{7C175B98-93F4-4D7C-BB95-1514AB879CD5}" type="pres">
-      <dgm:prSet presAssocID="{40FC4FFE-8987-4A26-B7F4-8A516F18ADAE}" presName="iconRect" presStyleLbl="node1" presStyleIdx="0" presStyleCnt="3"/>
-      <dgm:spPr>
-        <a:blipFill>
-          <a:blip xmlns:r="http://schemas.openxmlformats.org/officeDocument/2006/relationships" r:embed="rId1" cstate="hqprint">
-            <a:extLst>
-              <a:ext uri="{28A0092B-C50C-407E-A947-70E740481C1C}">
-                <a14:useLocalDpi xmlns:a14="http://schemas.microsoft.com/office/drawing/2010/main" val="0"/>
-              </a:ext>
-              <a:ext uri="{96DAC541-7B7A-43D3-8B79-37D633B846F1}">
-                <asvg:svgBlip xmlns:asvg="http://schemas.microsoft.com/office/drawing/2016/SVG/main" r:embed="rId2"/>
-              </a:ext>
-            </a:extLst>
-          </a:blip>
-          <a:srcRect/>
-          <a:stretch>
-            <a:fillRect/>
-          </a:stretch>
-        </a:blipFill>
-        <a:ln>
-          <a:noFill/>
-        </a:ln>
-      </dgm:spPr>
-      <dgm:extLst>
-        <a:ext uri="{E40237B7-FDA0-4F09-8148-C483321AD2D9}">
-          <dgm14:cNvPr xmlns:dgm14="http://schemas.microsoft.com/office/drawing/2010/diagram" id="0" name="" descr="Bar graph with downward trend"/>
-        </a:ext>
-      </dgm:extLst>
-    </dgm:pt>
-    <dgm:pt modelId="{677A3090-5F01-43FD-9FA6-C0420AD80FD6}" type="pres">
-      <dgm:prSet presAssocID="{40FC4FFE-8987-4A26-B7F4-8A516F18ADAE}" presName="spaceRect" presStyleCnt="0"/>
-      <dgm:spPr/>
-    </dgm:pt>
-    <dgm:pt modelId="{127117FB-F8A7-4A20-A8A7-EC686DDC76D0}" type="pres">
-      <dgm:prSet presAssocID="{40FC4FFE-8987-4A26-B7F4-8A516F18ADAE}" presName="textRect" presStyleLbl="revTx" presStyleIdx="0" presStyleCnt="3">
-        <dgm:presLayoutVars>
-          <dgm:chMax val="1"/>
-          <dgm:chPref val="1"/>
-        </dgm:presLayoutVars>
-      </dgm:prSet>
-      <dgm:spPr/>
-    </dgm:pt>
-    <dgm:pt modelId="{FD1EED9C-83D3-41AD-A09B-D3B36354168F}" type="pres">
-      <dgm:prSet presAssocID="{5B62599A-5C9B-48E7-896E-EA782AC60C8B}" presName="sibTrans" presStyleCnt="0"/>
-      <dgm:spPr/>
-    </dgm:pt>
-    <dgm:pt modelId="{C998AB0A-577D-44AA-A068-F634DDE7BD47}" type="pres">
-      <dgm:prSet presAssocID="{49225C73-1633-42F1-AB3B-7CB183E5F8B8}" presName="compNode" presStyleCnt="0"/>
-      <dgm:spPr/>
-    </dgm:pt>
-    <dgm:pt modelId="{BCD8CDD9-0C56-4401-ADB1-8B48DAB2C96F}" type="pres">
-      <dgm:prSet presAssocID="{49225C73-1633-42F1-AB3B-7CB183E5F8B8}" presName="iconBgRect" presStyleLbl="bgShp" presStyleIdx="1" presStyleCnt="3"/>
-      <dgm:spPr/>
-    </dgm:pt>
-    <dgm:pt modelId="{DB4CA7C4-FCA1-4127-B20A-2A5C031A3CF4}" type="pres">
-      <dgm:prSet presAssocID="{49225C73-1633-42F1-AB3B-7CB183E5F8B8}" presName="iconRect" presStyleLbl="node1" presStyleIdx="1" presStyleCnt="3"/>
-      <dgm:spPr>
-        <a:blipFill>
-          <a:blip xmlns:r="http://schemas.openxmlformats.org/officeDocument/2006/relationships" r:embed="rId3">
-            <a:extLst>
-              <a:ext uri="{28A0092B-C50C-407E-A947-70E740481C1C}">
-                <a14:useLocalDpi xmlns:a14="http://schemas.microsoft.com/office/drawing/2010/main" val="0"/>
-              </a:ext>
-              <a:ext uri="{96DAC541-7B7A-43D3-8B79-37D633B846F1}">
-                <asvg:svgBlip xmlns:asvg="http://schemas.microsoft.com/office/drawing/2016/SVG/main" r:embed="rId4"/>
-              </a:ext>
-            </a:extLst>
-          </a:blip>
-          <a:srcRect/>
-          <a:stretch>
-            <a:fillRect/>
-          </a:stretch>
-        </a:blipFill>
-        <a:ln>
-          <a:noFill/>
-        </a:ln>
-      </dgm:spPr>
-      <dgm:extLst>
-        <a:ext uri="{E40237B7-FDA0-4F09-8148-C483321AD2D9}">
-          <dgm14:cNvPr xmlns:dgm14="http://schemas.microsoft.com/office/drawing/2010/diagram" id="0" name="" descr="Presentation with bar chart"/>
-        </a:ext>
-      </dgm:extLst>
-    </dgm:pt>
-    <dgm:pt modelId="{9B0C8FBF-0BDD-48A5-967E-F3FE71659F6A}" type="pres">
-      <dgm:prSet presAssocID="{49225C73-1633-42F1-AB3B-7CB183E5F8B8}" presName="spaceRect" presStyleCnt="0"/>
-      <dgm:spPr/>
-    </dgm:pt>
-    <dgm:pt modelId="{7E6FE37A-5DB0-4899-9FCB-0CE39BC185F8}" type="pres">
-      <dgm:prSet presAssocID="{49225C73-1633-42F1-AB3B-7CB183E5F8B8}" presName="textRect" presStyleLbl="revTx" presStyleIdx="1" presStyleCnt="3">
-        <dgm:presLayoutVars>
-          <dgm:chMax val="1"/>
-          <dgm:chPref val="1"/>
-        </dgm:presLayoutVars>
-      </dgm:prSet>
-      <dgm:spPr/>
-    </dgm:pt>
-    <dgm:pt modelId="{5A266296-0042-402F-92EF-D59AB148E92E}" type="pres">
-      <dgm:prSet presAssocID="{9646853A-8964-4519-A5B1-0B7D18B2983D}" presName="sibTrans" presStyleCnt="0"/>
-      <dgm:spPr/>
-    </dgm:pt>
-    <dgm:pt modelId="{ECFA770B-DE2C-4683-A038-58D0FE44BC27}" type="pres">
-      <dgm:prSet presAssocID="{1C383F32-22E8-4F62-A3E0-BDC3D5F48992}" presName="compNode" presStyleCnt="0"/>
-      <dgm:spPr/>
-    </dgm:pt>
-    <dgm:pt modelId="{FF93E135-77D6-48A0-8871-9BC93D705D06}" type="pres">
-      <dgm:prSet presAssocID="{1C383F32-22E8-4F62-A3E0-BDC3D5F48992}" presName="iconBgRect" presStyleLbl="bgShp" presStyleIdx="2" presStyleCnt="3"/>
-      <dgm:spPr/>
-    </dgm:pt>
-    <dgm:pt modelId="{39509775-983E-4110-B989-EE2CD6514BE0}" type="pres">
-      <dgm:prSet presAssocID="{1C383F32-22E8-4F62-A3E0-BDC3D5F48992}" presName="iconRect" presStyleLbl="node1" presStyleIdx="2" presStyleCnt="3"/>
-      <dgm:spPr>
-        <a:blipFill>
-          <a:blip xmlns:r="http://schemas.openxmlformats.org/officeDocument/2006/relationships" r:embed="rId5">
-            <a:extLst>
-              <a:ext uri="{28A0092B-C50C-407E-A947-70E740481C1C}">
-                <a14:useLocalDpi xmlns:a14="http://schemas.microsoft.com/office/drawing/2010/main" val="0"/>
-              </a:ext>
-              <a:ext uri="{96DAC541-7B7A-43D3-8B79-37D633B846F1}">
-                <asvg:svgBlip xmlns:asvg="http://schemas.microsoft.com/office/drawing/2016/SVG/main" r:embed="rId6"/>
-              </a:ext>
-            </a:extLst>
-          </a:blip>
-          <a:srcRect/>
-          <a:stretch>
-            <a:fillRect/>
-          </a:stretch>
-        </a:blipFill>
-        <a:ln>
-          <a:noFill/>
-        </a:ln>
-      </dgm:spPr>
-      <dgm:extLst>
-        <a:ext uri="{E40237B7-FDA0-4F09-8148-C483321AD2D9}">
-          <dgm14:cNvPr xmlns:dgm14="http://schemas.microsoft.com/office/drawing/2010/diagram" id="0" name="" descr="Stopwatch"/>
-        </a:ext>
-      </dgm:extLst>
-    </dgm:pt>
-    <dgm:pt modelId="{493B43B2-705C-4AE5-8A77-D8DEEDA1B5CF}" type="pres">
-      <dgm:prSet presAssocID="{1C383F32-22E8-4F62-A3E0-BDC3D5F48992}" presName="spaceRect" presStyleCnt="0"/>
-      <dgm:spPr/>
-    </dgm:pt>
-    <dgm:pt modelId="{1AEDC777-00B3-41D7-9AE1-23D741E941C3}" type="pres">
-      <dgm:prSet presAssocID="{1C383F32-22E8-4F62-A3E0-BDC3D5F48992}" presName="textRect" presStyleLbl="revTx" presStyleIdx="2" presStyleCnt="3">
-        <dgm:presLayoutVars>
-          <dgm:chMax val="1"/>
-          <dgm:chPref val="1"/>
-        </dgm:presLayoutVars>
-      </dgm:prSet>
-      <dgm:spPr/>
-    </dgm:pt>
-  </dgm:ptLst>
-  <dgm:cxnLst>
-    <dgm:cxn modelId="{A9154303-8225-4248-91DC-1B0156A35F07}" srcId="{01A66772-F185-4D58-B8BB-E9370D7A7A2B}" destId="{49225C73-1633-42F1-AB3B-7CB183E5F8B8}" srcOrd="1" destOrd="0" parTransId="{1A0E2090-1D4F-438A-8766-B6030CE01ADD}" sibTransId="{9646853A-8964-4519-A5B1-0B7D18B2983D}"/>
-    <dgm:cxn modelId="{7A710F69-5154-4855-ACF5-BC7C1BF85A80}" type="presOf" srcId="{49225C73-1633-42F1-AB3B-7CB183E5F8B8}" destId="{7E6FE37A-5DB0-4899-9FCB-0CE39BC185F8}" srcOrd="0" destOrd="0" presId="urn:microsoft.com/office/officeart/2018/5/layout/IconCircleLabelList"/>
-    <dgm:cxn modelId="{C7AD8469-3C68-4AF9-AB82-79B0043AA120}" srcId="{01A66772-F185-4D58-B8BB-E9370D7A7A2B}" destId="{40FC4FFE-8987-4A26-B7F4-8A516F18ADAE}" srcOrd="0" destOrd="0" parTransId="{CAD7EF86-FB23-41F6-BF42-040B36DEFDB1}" sibTransId="{5B62599A-5C9B-48E7-896E-EA782AC60C8B}"/>
-    <dgm:cxn modelId="{676D3A6A-6EA7-4483-BB12-0BD4A7D7AF9D}" type="presOf" srcId="{01A66772-F185-4D58-B8BB-E9370D7A7A2B}" destId="{50B3CE7C-E10B-4E23-BD93-03664997C932}" srcOrd="0" destOrd="0" presId="urn:microsoft.com/office/officeart/2018/5/layout/IconCircleLabelList"/>
-    <dgm:cxn modelId="{1496FC70-DB8B-48D4-98DE-DD2856E389EE}" type="presOf" srcId="{1C383F32-22E8-4F62-A3E0-BDC3D5F48992}" destId="{1AEDC777-00B3-41D7-9AE1-23D741E941C3}" srcOrd="0" destOrd="0" presId="urn:microsoft.com/office/officeart/2018/5/layout/IconCircleLabelList"/>
-    <dgm:cxn modelId="{C4CCE57E-E871-46D6-BAD5-880252C95D22}" srcId="{01A66772-F185-4D58-B8BB-E9370D7A7A2B}" destId="{1C383F32-22E8-4F62-A3E0-BDC3D5F48992}" srcOrd="2" destOrd="0" parTransId="{A7920A2F-3244-4159-AF04-6A1D38B7B317}" sibTransId="{8500F72A-2C6D-4FDF-9C1D-CA691380EB0B}"/>
-    <dgm:cxn modelId="{355227E3-55E0-4343-BC8D-FC0EB1694F48}" type="presOf" srcId="{40FC4FFE-8987-4A26-B7F4-8A516F18ADAE}" destId="{127117FB-F8A7-4A20-A8A7-EC686DDC76D0}" srcOrd="0" destOrd="0" presId="urn:microsoft.com/office/officeart/2018/5/layout/IconCircleLabelList"/>
-    <dgm:cxn modelId="{555498CB-3ED1-404E-A25F-EB243EFC5FB1}" type="presParOf" srcId="{50B3CE7C-E10B-4E23-BD93-03664997C932}" destId="{DE9CE479-E4AE-4283-AEF1-10C1535B4324}" srcOrd="0" destOrd="0" presId="urn:microsoft.com/office/officeart/2018/5/layout/IconCircleLabelList"/>
-    <dgm:cxn modelId="{11F12D49-CD08-4D50-BD13-3ECBC3A476A4}" type="presParOf" srcId="{DE9CE479-E4AE-4283-AEF1-10C1535B4324}" destId="{B59FCF02-CAD2-4D6F-9542-AD86711168CA}" srcOrd="0" destOrd="0" presId="urn:microsoft.com/office/officeart/2018/5/layout/IconCircleLabelList"/>
-    <dgm:cxn modelId="{F443A659-540B-487B-97F9-49219CF60D6B}" type="presParOf" srcId="{DE9CE479-E4AE-4283-AEF1-10C1535B4324}" destId="{7C175B98-93F4-4D7C-BB95-1514AB879CD5}" srcOrd="1" destOrd="0" presId="urn:microsoft.com/office/officeart/2018/5/layout/IconCircleLabelList"/>
-    <dgm:cxn modelId="{A503D7AB-7D64-4163-93B5-1CEEDAE81823}" type="presParOf" srcId="{DE9CE479-E4AE-4283-AEF1-10C1535B4324}" destId="{677A3090-5F01-43FD-9FA6-C0420AD80FD6}" srcOrd="2" destOrd="0" presId="urn:microsoft.com/office/officeart/2018/5/layout/IconCircleLabelList"/>
-    <dgm:cxn modelId="{780188ED-7DCE-45BB-B6AF-91BE48969612}" type="presParOf" srcId="{DE9CE479-E4AE-4283-AEF1-10C1535B4324}" destId="{127117FB-F8A7-4A20-A8A7-EC686DDC76D0}" srcOrd="3" destOrd="0" presId="urn:microsoft.com/office/officeart/2018/5/layout/IconCircleLabelList"/>
-    <dgm:cxn modelId="{155719F8-A89B-4E96-BC49-C48BC717F480}" type="presParOf" srcId="{50B3CE7C-E10B-4E23-BD93-03664997C932}" destId="{FD1EED9C-83D3-41AD-A09B-D3B36354168F}" srcOrd="1" destOrd="0" presId="urn:microsoft.com/office/officeart/2018/5/layout/IconCircleLabelList"/>
-    <dgm:cxn modelId="{2772E199-56B0-4310-A55E-67D00CA3E59E}" type="presParOf" srcId="{50B3CE7C-E10B-4E23-BD93-03664997C932}" destId="{C998AB0A-577D-44AA-A068-F634DDE7BD47}" srcOrd="2" destOrd="0" presId="urn:microsoft.com/office/officeart/2018/5/layout/IconCircleLabelList"/>
-    <dgm:cxn modelId="{4E351D18-D97F-4B92-A608-2E9600B91C28}" type="presParOf" srcId="{C998AB0A-577D-44AA-A068-F634DDE7BD47}" destId="{BCD8CDD9-0C56-4401-ADB1-8B48DAB2C96F}" srcOrd="0" destOrd="0" presId="urn:microsoft.com/office/officeart/2018/5/layout/IconCircleLabelList"/>
-    <dgm:cxn modelId="{B3DC724C-4569-4E9D-BD5A-49E4CD991FD0}" type="presParOf" srcId="{C998AB0A-577D-44AA-A068-F634DDE7BD47}" destId="{DB4CA7C4-FCA1-4127-B20A-2A5C031A3CF4}" srcOrd="1" destOrd="0" presId="urn:microsoft.com/office/officeart/2018/5/layout/IconCircleLabelList"/>
-    <dgm:cxn modelId="{AD1AB552-CCE0-4911-BB9E-5D4A60B21F4F}" type="presParOf" srcId="{C998AB0A-577D-44AA-A068-F634DDE7BD47}" destId="{9B0C8FBF-0BDD-48A5-967E-F3FE71659F6A}" srcOrd="2" destOrd="0" presId="urn:microsoft.com/office/officeart/2018/5/layout/IconCircleLabelList"/>
-    <dgm:cxn modelId="{8558F796-2D01-40FE-A21A-7530EEBC3BC3}" type="presParOf" srcId="{C998AB0A-577D-44AA-A068-F634DDE7BD47}" destId="{7E6FE37A-5DB0-4899-9FCB-0CE39BC185F8}" srcOrd="3" destOrd="0" presId="urn:microsoft.com/office/officeart/2018/5/layout/IconCircleLabelList"/>
-    <dgm:cxn modelId="{1532E2BE-82E9-40A4-A6F7-40B60FC879AE}" type="presParOf" srcId="{50B3CE7C-E10B-4E23-BD93-03664997C932}" destId="{5A266296-0042-402F-92EF-D59AB148E92E}" srcOrd="3" destOrd="0" presId="urn:microsoft.com/office/officeart/2018/5/layout/IconCircleLabelList"/>
-    <dgm:cxn modelId="{3A7F4DB9-1469-4F58-B633-24B7EEE084D1}" type="presParOf" srcId="{50B3CE7C-E10B-4E23-BD93-03664997C932}" destId="{ECFA770B-DE2C-4683-A038-58D0FE44BC27}" srcOrd="4" destOrd="0" presId="urn:microsoft.com/office/officeart/2018/5/layout/IconCircleLabelList"/>
-    <dgm:cxn modelId="{91311827-CDAC-4BA8-B4A3-117AFD1CEE2D}" type="presParOf" srcId="{ECFA770B-DE2C-4683-A038-58D0FE44BC27}" destId="{FF93E135-77D6-48A0-8871-9BC93D705D06}" srcOrd="0" destOrd="0" presId="urn:microsoft.com/office/officeart/2018/5/layout/IconCircleLabelList"/>
-    <dgm:cxn modelId="{83B7CA40-11B7-4507-8422-A40F02D469B2}" type="presParOf" srcId="{ECFA770B-DE2C-4683-A038-58D0FE44BC27}" destId="{39509775-983E-4110-B989-EE2CD6514BE0}" srcOrd="1" destOrd="0" presId="urn:microsoft.com/office/officeart/2018/5/layout/IconCircleLabelList"/>
-    <dgm:cxn modelId="{A44BB251-01EB-4DEF-A28C-6D495183E4DC}" type="presParOf" srcId="{ECFA770B-DE2C-4683-A038-58D0FE44BC27}" destId="{493B43B2-705C-4AE5-8A77-D8DEEDA1B5CF}" srcOrd="2" destOrd="0" presId="urn:microsoft.com/office/officeart/2018/5/layout/IconCircleLabelList"/>
-    <dgm:cxn modelId="{1EFA52DF-3C80-4DAA-BED6-AFE2F81796B2}" type="presParOf" srcId="{ECFA770B-DE2C-4683-A038-58D0FE44BC27}" destId="{1AEDC777-00B3-41D7-9AE1-23D741E941C3}" srcOrd="3" destOrd="0" presId="urn:microsoft.com/office/officeart/2018/5/layout/IconCircleLabelList"/>
-  </dgm:cxnLst>
-  <dgm:bg/>
-  <dgm:whole/>
-  <dgm:extLst>
-    <a:ext uri="http://schemas.microsoft.com/office/drawing/2008/diagram">
-      <dsp:dataModelExt xmlns:dsp="http://schemas.microsoft.com/office/drawing/2008/diagram" relId="rId6" minVer="http://schemas.openxmlformats.org/drawingml/2006/diagram"/>
-    </a:ext>
-  </dgm:extLst>
-</dgm:dataModel>
-</file>
-
-<file path=ppt/diagrams/drawing1.xml><?xml version="1.0" encoding="utf-8"?>
-<dsp:drawing xmlns:dgm="http://schemas.openxmlformats.org/drawingml/2006/diagram" xmlns:dsp="http://schemas.microsoft.com/office/drawing/2008/diagram" xmlns:a="http://schemas.openxmlformats.org/drawingml/2006/main">
-  <dsp:spTree>
-    <dsp:nvGrpSpPr>
-      <dsp:cNvPr id="0" name=""/>
-      <dsp:cNvGrpSpPr/>
-    </dsp:nvGrpSpPr>
-    <dsp:grpSpPr/>
-    <dsp:sp modelId="{B59FCF02-CAD2-4D6F-9542-AD86711168CA}">
-      <dsp:nvSpPr>
-        <dsp:cNvPr id="0" name=""/>
-        <dsp:cNvSpPr/>
-      </dsp:nvSpPr>
-      <dsp:spPr>
-        <a:xfrm>
-          <a:off x="616949" y="310305"/>
-          <a:ext cx="1818562" cy="1818562"/>
-        </a:xfrm>
-        <a:prstGeom prst="ellipse">
-          <a:avLst/>
-        </a:prstGeom>
-        <a:solidFill>
-          <a:schemeClr val="accent2">
-            <a:hueOff val="0"/>
-            <a:satOff val="0"/>
-            <a:lumOff val="0"/>
-            <a:alphaOff val="0"/>
-          </a:schemeClr>
-        </a:solidFill>
-        <a:ln>
-          <a:noFill/>
-        </a:ln>
-        <a:effectLst/>
-      </dsp:spPr>
-      <dsp:style>
-        <a:lnRef idx="0">
-          <a:scrgbClr r="0" g="0" b="0"/>
-        </a:lnRef>
-        <a:fillRef idx="1">
-          <a:scrgbClr r="0" g="0" b="0"/>
-        </a:fillRef>
-        <a:effectRef idx="0">
-          <a:scrgbClr r="0" g="0" b="0"/>
-        </a:effectRef>
-        <a:fontRef idx="minor"/>
-      </dsp:style>
-    </dsp:sp>
-    <dsp:sp modelId="{7C175B98-93F4-4D7C-BB95-1514AB879CD5}">
-      <dsp:nvSpPr>
-        <dsp:cNvPr id="0" name=""/>
-        <dsp:cNvSpPr/>
-      </dsp:nvSpPr>
-      <dsp:spPr>
-        <a:xfrm>
-          <a:off x="1004512" y="697868"/>
-          <a:ext cx="1043437" cy="1043437"/>
-        </a:xfrm>
-        <a:prstGeom prst="rect">
-          <a:avLst/>
-        </a:prstGeom>
-        <a:blipFill>
-          <a:blip xmlns:r="http://schemas.openxmlformats.org/officeDocument/2006/relationships" r:embed="rId1" cstate="hqprint">
-            <a:extLst>
-              <a:ext uri="{28A0092B-C50C-407E-A947-70E740481C1C}">
-                <a14:useLocalDpi xmlns:a14="http://schemas.microsoft.com/office/drawing/2010/main" val="0"/>
-              </a:ext>
-              <a:ext uri="{96DAC541-7B7A-43D3-8B79-37D633B846F1}">
-                <asvg:svgBlip xmlns:asvg="http://schemas.microsoft.com/office/drawing/2016/SVG/main" r:embed="rId2"/>
-              </a:ext>
-            </a:extLst>
-          </a:blip>
-          <a:srcRect/>
-          <a:stretch>
-            <a:fillRect/>
-          </a:stretch>
-        </a:blipFill>
-        <a:ln w="12700" cap="flat" cmpd="sng" algn="ctr">
-          <a:noFill/>
-          <a:prstDash val="solid"/>
-        </a:ln>
-        <a:effectLst/>
-      </dsp:spPr>
-      <dsp:style>
-        <a:lnRef idx="2">
-          <a:scrgbClr r="0" g="0" b="0"/>
-        </a:lnRef>
-        <a:fillRef idx="1">
-          <a:scrgbClr r="0" g="0" b="0"/>
-        </a:fillRef>
-        <a:effectRef idx="0">
-          <a:scrgbClr r="0" g="0" b="0"/>
-        </a:effectRef>
-        <a:fontRef idx="minor">
-          <a:schemeClr val="lt1"/>
-        </a:fontRef>
-      </dsp:style>
-    </dsp:sp>
-    <dsp:sp modelId="{127117FB-F8A7-4A20-A8A7-EC686DDC76D0}">
-      <dsp:nvSpPr>
-        <dsp:cNvPr id="0" name=""/>
-        <dsp:cNvSpPr/>
-      </dsp:nvSpPr>
-      <dsp:spPr>
-        <a:xfrm>
-          <a:off x="35606" y="2695306"/>
-          <a:ext cx="2981250" cy="720000"/>
-        </a:xfrm>
-        <a:prstGeom prst="rect">
-          <a:avLst/>
-        </a:prstGeom>
-        <a:noFill/>
-        <a:ln>
-          <a:noFill/>
-        </a:ln>
-        <a:effectLst/>
-      </dsp:spPr>
-      <dsp:style>
-        <a:lnRef idx="0">
-          <a:scrgbClr r="0" g="0" b="0"/>
-        </a:lnRef>
-        <a:fillRef idx="0">
-          <a:scrgbClr r="0" g="0" b="0"/>
-        </a:fillRef>
-        <a:effectRef idx="0">
-          <a:scrgbClr r="0" g="0" b="0"/>
-        </a:effectRef>
-        <a:fontRef idx="minor"/>
-      </dsp:style>
-      <dsp:txBody>
-        <a:bodyPr spcFirstLastPara="0" vert="horz" wrap="square" lIns="0" tIns="0" rIns="0" bIns="0" numCol="1" spcCol="1270" rtlCol="0" anchor="t" anchorCtr="0">
-          <a:noAutofit/>
-        </a:bodyPr>
-        <a:lstStyle/>
-        <a:p>
-          <a:pPr marL="0" lvl="0" indent="0" algn="ctr" defTabSz="577850">
-            <a:lnSpc>
-              <a:spcPct val="100000"/>
-            </a:lnSpc>
-            <a:spcBef>
-              <a:spcPct val="0"/>
-            </a:spcBef>
-            <a:spcAft>
-              <a:spcPct val="35000"/>
-            </a:spcAft>
-            <a:buNone/>
-            <a:defRPr cap="all"/>
-          </a:pPr>
-          <a:r>
-            <a:rPr lang="zh-tw" sz="1300" kern="1200" dirty="0">
-              <a:latin typeface="Microsoft JhengHei UI" panose="020B0604030504040204" pitchFamily="34" charset="-120"/>
-              <a:ea typeface="Microsoft JhengHei UI" panose="020B0604030504040204" pitchFamily="34" charset="-120"/>
-            </a:rPr>
-            <a:t>Lorem ipsum dolor sit amet, consectetuer adipiscing elit. </a:t>
-          </a:r>
-        </a:p>
-      </dsp:txBody>
-      <dsp:txXfrm>
-        <a:off x="35606" y="2695306"/>
-        <a:ext cx="2981250" cy="720000"/>
-      </dsp:txXfrm>
-    </dsp:sp>
-    <dsp:sp modelId="{BCD8CDD9-0C56-4401-ADB1-8B48DAB2C96F}">
-      <dsp:nvSpPr>
-        <dsp:cNvPr id="0" name=""/>
-        <dsp:cNvSpPr/>
-      </dsp:nvSpPr>
-      <dsp:spPr>
-        <a:xfrm>
-          <a:off x="4119918" y="310305"/>
-          <a:ext cx="1818562" cy="1818562"/>
-        </a:xfrm>
-        <a:prstGeom prst="ellipse">
-          <a:avLst/>
-        </a:prstGeom>
-        <a:solidFill>
-          <a:schemeClr val="accent3">
-            <a:hueOff val="0"/>
-            <a:satOff val="0"/>
-            <a:lumOff val="0"/>
-            <a:alphaOff val="0"/>
-          </a:schemeClr>
-        </a:solidFill>
-        <a:ln>
-          <a:noFill/>
-        </a:ln>
-        <a:effectLst/>
-      </dsp:spPr>
-      <dsp:style>
-        <a:lnRef idx="0">
-          <a:scrgbClr r="0" g="0" b="0"/>
-        </a:lnRef>
-        <a:fillRef idx="1">
-          <a:scrgbClr r="0" g="0" b="0"/>
-        </a:fillRef>
-        <a:effectRef idx="0">
-          <a:scrgbClr r="0" g="0" b="0"/>
-        </a:effectRef>
-        <a:fontRef idx="minor"/>
-      </dsp:style>
-    </dsp:sp>
-    <dsp:sp modelId="{DB4CA7C4-FCA1-4127-B20A-2A5C031A3CF4}">
-      <dsp:nvSpPr>
-        <dsp:cNvPr id="0" name=""/>
-        <dsp:cNvSpPr/>
-      </dsp:nvSpPr>
-      <dsp:spPr>
-        <a:xfrm>
-          <a:off x="4507481" y="697868"/>
-          <a:ext cx="1043437" cy="1043437"/>
-        </a:xfrm>
-        <a:prstGeom prst="rect">
-          <a:avLst/>
-        </a:prstGeom>
-        <a:blipFill>
-          <a:blip xmlns:r="http://schemas.openxmlformats.org/officeDocument/2006/relationships" r:embed="rId3">
-            <a:extLst>
-              <a:ext uri="{28A0092B-C50C-407E-A947-70E740481C1C}">
-                <a14:useLocalDpi xmlns:a14="http://schemas.microsoft.com/office/drawing/2010/main" val="0"/>
-              </a:ext>
-              <a:ext uri="{96DAC541-7B7A-43D3-8B79-37D633B846F1}">
-                <asvg:svgBlip xmlns:asvg="http://schemas.microsoft.com/office/drawing/2016/SVG/main" r:embed="rId4"/>
-              </a:ext>
-            </a:extLst>
-          </a:blip>
-          <a:srcRect/>
-          <a:stretch>
-            <a:fillRect/>
-          </a:stretch>
-        </a:blipFill>
-        <a:ln w="12700" cap="flat" cmpd="sng" algn="ctr">
-          <a:noFill/>
-          <a:prstDash val="solid"/>
-        </a:ln>
-        <a:effectLst/>
-      </dsp:spPr>
-      <dsp:style>
-        <a:lnRef idx="2">
-          <a:scrgbClr r="0" g="0" b="0"/>
-        </a:lnRef>
-        <a:fillRef idx="1">
-          <a:scrgbClr r="0" g="0" b="0"/>
-        </a:fillRef>
-        <a:effectRef idx="0">
-          <a:scrgbClr r="0" g="0" b="0"/>
-        </a:effectRef>
-        <a:fontRef idx="minor">
-          <a:schemeClr val="lt1"/>
-        </a:fontRef>
-      </dsp:style>
-    </dsp:sp>
-    <dsp:sp modelId="{7E6FE37A-5DB0-4899-9FCB-0CE39BC185F8}">
-      <dsp:nvSpPr>
-        <dsp:cNvPr id="0" name=""/>
-        <dsp:cNvSpPr/>
-      </dsp:nvSpPr>
-      <dsp:spPr>
-        <a:xfrm>
-          <a:off x="3538574" y="2695306"/>
-          <a:ext cx="2981250" cy="720000"/>
-        </a:xfrm>
-        <a:prstGeom prst="rect">
-          <a:avLst/>
-        </a:prstGeom>
-        <a:noFill/>
-        <a:ln>
-          <a:noFill/>
-        </a:ln>
-        <a:effectLst/>
-      </dsp:spPr>
-      <dsp:style>
-        <a:lnRef idx="0">
-          <a:scrgbClr r="0" g="0" b="0"/>
-        </a:lnRef>
-        <a:fillRef idx="0">
-          <a:scrgbClr r="0" g="0" b="0"/>
-        </a:fillRef>
-        <a:effectRef idx="0">
-          <a:scrgbClr r="0" g="0" b="0"/>
-        </a:effectRef>
-        <a:fontRef idx="minor"/>
-      </dsp:style>
-      <dsp:txBody>
-        <a:bodyPr spcFirstLastPara="0" vert="horz" wrap="square" lIns="0" tIns="0" rIns="0" bIns="0" numCol="1" spcCol="1270" rtlCol="0" anchor="t" anchorCtr="0">
-          <a:noAutofit/>
-        </a:bodyPr>
-        <a:lstStyle/>
-        <a:p>
-          <a:pPr marL="0" lvl="0" indent="0" algn="ctr" defTabSz="577850">
-            <a:lnSpc>
-              <a:spcPct val="100000"/>
-            </a:lnSpc>
-            <a:spcBef>
-              <a:spcPct val="0"/>
-            </a:spcBef>
-            <a:spcAft>
-              <a:spcPct val="35000"/>
-            </a:spcAft>
-            <a:buNone/>
-            <a:defRPr cap="all"/>
-          </a:pPr>
-          <a:r>
-            <a:rPr lang="zh-tw" sz="1300" kern="1200">
-              <a:latin typeface="Microsoft JhengHei UI" panose="020B0604030504040204" pitchFamily="34" charset="-120"/>
-              <a:ea typeface="Microsoft JhengHei UI" panose="020B0604030504040204" pitchFamily="34" charset="-120"/>
-            </a:rPr>
-            <a:t>Nunc viverra imperdiet enim.Fusce est.Vivamus a tellus.</a:t>
-          </a:r>
-        </a:p>
-      </dsp:txBody>
-      <dsp:txXfrm>
-        <a:off x="3538574" y="2695306"/>
-        <a:ext cx="2981250" cy="720000"/>
-      </dsp:txXfrm>
-    </dsp:sp>
-    <dsp:sp modelId="{FF93E135-77D6-48A0-8871-9BC93D705D06}">
-      <dsp:nvSpPr>
-        <dsp:cNvPr id="0" name=""/>
-        <dsp:cNvSpPr/>
-      </dsp:nvSpPr>
-      <dsp:spPr>
-        <a:xfrm>
-          <a:off x="7622887" y="310305"/>
-          <a:ext cx="1818562" cy="1818562"/>
-        </a:xfrm>
-        <a:prstGeom prst="ellipse">
-          <a:avLst/>
-        </a:prstGeom>
-        <a:solidFill>
-          <a:schemeClr val="accent4">
-            <a:hueOff val="0"/>
-            <a:satOff val="0"/>
-            <a:lumOff val="0"/>
-            <a:alphaOff val="0"/>
-          </a:schemeClr>
-        </a:solidFill>
-        <a:ln>
-          <a:noFill/>
-        </a:ln>
-        <a:effectLst/>
-      </dsp:spPr>
-      <dsp:style>
-        <a:lnRef idx="0">
-          <a:scrgbClr r="0" g="0" b="0"/>
-        </a:lnRef>
-        <a:fillRef idx="1">
-          <a:scrgbClr r="0" g="0" b="0"/>
-        </a:fillRef>
-        <a:effectRef idx="0">
-          <a:scrgbClr r="0" g="0" b="0"/>
-        </a:effectRef>
-        <a:fontRef idx="minor"/>
-      </dsp:style>
-    </dsp:sp>
-    <dsp:sp modelId="{39509775-983E-4110-B989-EE2CD6514BE0}">
-      <dsp:nvSpPr>
-        <dsp:cNvPr id="0" name=""/>
-        <dsp:cNvSpPr/>
-      </dsp:nvSpPr>
-      <dsp:spPr>
-        <a:xfrm>
-          <a:off x="8010450" y="697868"/>
-          <a:ext cx="1043437" cy="1043437"/>
-        </a:xfrm>
-        <a:prstGeom prst="rect">
-          <a:avLst/>
-        </a:prstGeom>
-        <a:blipFill>
-          <a:blip xmlns:r="http://schemas.openxmlformats.org/officeDocument/2006/relationships" r:embed="rId5">
-            <a:extLst>
-              <a:ext uri="{28A0092B-C50C-407E-A947-70E740481C1C}">
-                <a14:useLocalDpi xmlns:a14="http://schemas.microsoft.com/office/drawing/2010/main" val="0"/>
-              </a:ext>
-              <a:ext uri="{96DAC541-7B7A-43D3-8B79-37D633B846F1}">
-                <asvg:svgBlip xmlns:asvg="http://schemas.microsoft.com/office/drawing/2016/SVG/main" r:embed="rId6"/>
-              </a:ext>
-            </a:extLst>
-          </a:blip>
-          <a:srcRect/>
-          <a:stretch>
-            <a:fillRect/>
-          </a:stretch>
-        </a:blipFill>
-        <a:ln w="12700" cap="flat" cmpd="sng" algn="ctr">
-          <a:noFill/>
-          <a:prstDash val="solid"/>
-        </a:ln>
-        <a:effectLst/>
-      </dsp:spPr>
-      <dsp:style>
-        <a:lnRef idx="2">
-          <a:scrgbClr r="0" g="0" b="0"/>
-        </a:lnRef>
-        <a:fillRef idx="1">
-          <a:scrgbClr r="0" g="0" b="0"/>
-        </a:fillRef>
-        <a:effectRef idx="0">
-          <a:scrgbClr r="0" g="0" b="0"/>
-        </a:effectRef>
-        <a:fontRef idx="minor">
-          <a:schemeClr val="lt1"/>
-        </a:fontRef>
-      </dsp:style>
-    </dsp:sp>
-    <dsp:sp modelId="{1AEDC777-00B3-41D7-9AE1-23D741E941C3}">
-      <dsp:nvSpPr>
-        <dsp:cNvPr id="0" name=""/>
-        <dsp:cNvSpPr/>
-      </dsp:nvSpPr>
-      <dsp:spPr>
-        <a:xfrm>
-          <a:off x="7041543" y="2695306"/>
-          <a:ext cx="2981250" cy="720000"/>
-        </a:xfrm>
-        <a:prstGeom prst="rect">
-          <a:avLst/>
-        </a:prstGeom>
-        <a:noFill/>
-        <a:ln>
-          <a:noFill/>
-        </a:ln>
-        <a:effectLst/>
-      </dsp:spPr>
-      <dsp:style>
-        <a:lnRef idx="0">
-          <a:scrgbClr r="0" g="0" b="0"/>
-        </a:lnRef>
-        <a:fillRef idx="0">
-          <a:scrgbClr r="0" g="0" b="0"/>
-        </a:fillRef>
-        <a:effectRef idx="0">
-          <a:scrgbClr r="0" g="0" b="0"/>
-        </a:effectRef>
-        <a:fontRef idx="minor"/>
-      </dsp:style>
-      <dsp:txBody>
-        <a:bodyPr spcFirstLastPara="0" vert="horz" wrap="square" lIns="0" tIns="0" rIns="0" bIns="0" numCol="1" spcCol="1270" rtlCol="0" anchor="t" anchorCtr="0">
-          <a:noAutofit/>
-        </a:bodyPr>
-        <a:lstStyle/>
-        <a:p>
-          <a:pPr marL="0" lvl="0" indent="0" algn="ctr" defTabSz="577850">
-            <a:lnSpc>
-              <a:spcPct val="100000"/>
-            </a:lnSpc>
-            <a:spcBef>
-              <a:spcPct val="0"/>
-            </a:spcBef>
-            <a:spcAft>
-              <a:spcPct val="35000"/>
-            </a:spcAft>
-            <a:buNone/>
-            <a:defRPr cap="all"/>
-          </a:pPr>
-          <a:r>
-            <a:rPr lang="zh-tw" sz="1300" kern="1200">
-              <a:latin typeface="Microsoft JhengHei UI" panose="020B0604030504040204" pitchFamily="34" charset="-120"/>
-              <a:ea typeface="Microsoft JhengHei UI" panose="020B0604030504040204" pitchFamily="34" charset="-120"/>
-            </a:rPr>
-            <a:t>Pellentesque habitant morbi tristique senectus et netus.</a:t>
-          </a:r>
-        </a:p>
-      </dsp:txBody>
-      <dsp:txXfrm>
-        <a:off x="7041543" y="2695306"/>
-        <a:ext cx="2981250" cy="720000"/>
-      </dsp:txXfrm>
-    </dsp:sp>
-  </dsp:spTree>
-</dsp:drawing>
-</file>
-
-<file path=ppt/diagrams/layout1.xml><?xml version="1.0" encoding="utf-8"?>
-<dgm:layoutDef xmlns:dgm="http://schemas.openxmlformats.org/drawingml/2006/diagram" xmlns:a="http://schemas.openxmlformats.org/drawingml/2006/main" uniqueId="urn:microsoft.com/office/officeart/2018/5/layout/IconCircleLabelList">
-  <dgm:title val="Icon Circle Label List"/>
-  <dgm:desc val="Use to show non-sequential or grouped chunks of information accompanied by a related visuals. Works best with icons or small pictures with short text captions."/>
-  <dgm:catLst>
-    <dgm:cat type="icon" pri="500"/>
-  </dgm:catLst>
-  <dgm:sampData useDef="1">
-    <dgm:dataModel>
-      <dgm:ptLst/>
-      <dgm:bg/>
-      <dgm:whole/>
-    </dgm:dataModel>
-  </dgm:sampData>
-  <dgm:styleData useDef="1">
-    <dgm:dataModel>
-      <dgm:ptLst/>
-      <dgm:bg/>
-      <dgm:whole/>
-    </dgm:dataModel>
-  </dgm:styleData>
-  <dgm:clrData useDef="1">
-    <dgm:dataModel>
-      <dgm:ptLst/>
-      <dgm:bg/>
-      <dgm:whole/>
-    </dgm:dataModel>
-  </dgm:clrData>
-  <dgm:layoutNode name="root">
-    <dgm:varLst>
-      <dgm:dir/>
-      <dgm:resizeHandles val="exact"/>
-    </dgm:varLst>
-    <dgm:choose name="Name0">
-      <dgm:if name="Name1" axis="self" func="var" arg="dir" op="equ" val="norm">
-        <dgm:alg type="snake">
-          <dgm:param type="grDir" val="tL"/>
-          <dgm:param type="flowDir" val="row"/>
-          <dgm:param type="contDir" val="sameDir"/>
-          <dgm:param type="off" val="ctr"/>
-          <dgm:param type="vertAlign" val="mid"/>
-          <dgm:param type="horzAlign" val="ctr"/>
-        </dgm:alg>
-      </dgm:if>
-      <dgm:else name="Name2">
-        <dgm:alg type="snake">
-          <dgm:param type="grDir" val="tR"/>
-          <dgm:param type="flowDir" val="row"/>
-          <dgm:param type="contDir" val="sameDir"/>
-          <dgm:param type="off" val="ctr"/>
-          <dgm:param type="vertAlign" val="mid"/>
-          <dgm:param type="horzAlign" val="ctr"/>
-        </dgm:alg>
-      </dgm:else>
-    </dgm:choose>
-    <dgm:shape xmlns:r="http://schemas.openxmlformats.org/officeDocument/2006/relationships" r:blip="">
-      <dgm:adjLst/>
-    </dgm:shape>
-    <dgm:presOf/>
-    <dgm:choose name="Name3">
-      <dgm:if name="Name4" axis="ch" ptType="node" func="cnt" op="lte" val="2">
-        <dgm:constrLst>
-          <dgm:constr type="h" for="ch" forName="compNode" refType="h" fact="0.4"/>
-          <dgm:constr type="w" for="ch" forName="compNode" val="100"/>
-          <dgm:constr type="w" for="ch" forName="sibTrans" refType="w" refFor="ch" refForName="compNode" fact="0.175"/>
-          <dgm:constr type="sp" refType="w" refFor="ch" refForName="compNode" op="equ" fact="0.25"/>
-          <dgm:constr type="primFontSz" for="des" ptType="node" op="equ" val="44"/>
-          <dgm:constr type="h" for="des" forName="compNode" op="equ"/>
-          <dgm:constr type="h" for="des" forName="textRect" op="equ"/>
-        </dgm:constrLst>
-      </dgm:if>
-      <dgm:if name="Name5" axis="ch" ptType="node" func="cnt" op="lte" val="3">
-        <dgm:constrLst>
-          <dgm:constr type="h" for="ch" forName="compNode" refType="h" fact="0.4"/>
-          <dgm:constr type="w" for="ch" forName="compNode" val="100"/>
-          <dgm:constr type="w" for="ch" forName="sibTrans" refType="w" refFor="ch" refForName="compNode" fact="0.175"/>
-          <dgm:constr type="sp" refType="w" refFor="ch" refForName="compNode" op="equ" fact="0.25"/>
-          <dgm:constr type="primFontSz" for="des" ptType="node" op="equ" val="40"/>
-          <dgm:constr type="h" for="des" forName="compNode" op="equ"/>
-          <dgm:constr type="h" for="des" forName="textRect" op="equ"/>
-        </dgm:constrLst>
-      </dgm:if>
-      <dgm:if name="Name6" axis="ch" ptType="node" func="cnt" op="lte" val="4">
-        <dgm:constrLst>
-          <dgm:constr type="h" for="ch" forName="compNode" refType="h" fact="0.4"/>
-          <dgm:constr type="w" for="ch" forName="compNode" refType="w"/>
-          <dgm:constr type="w" for="ch" forName="sibTrans" refType="w" refFor="ch" refForName="compNode" fact="0.175"/>
-          <dgm:constr type="sp" refType="w" refFor="ch" refForName="compNode" op="equ" fact="0.25"/>
-          <dgm:constr type="primFontSz" for="des" ptType="node" op="equ" val="32"/>
-          <dgm:constr type="h" for="des" forName="compNode" op="equ"/>
-          <dgm:constr type="h" for="des" forName="textRect" op="equ"/>
-        </dgm:constrLst>
-      </dgm:if>
-      <dgm:else name="Name7">
-        <dgm:constrLst>
-          <dgm:constr type="h" for="ch" forName="compNode" refType="h" fact="0.4"/>
-          <dgm:constr type="w" for="ch" forName="compNode" refType="w"/>
-          <dgm:constr type="w" for="ch" forName="sibTrans" refType="w" refFor="ch" refForName="compNode" fact="0.175"/>
-          <dgm:constr type="sp" refType="w" refFor="ch" refForName="compNode" op="equ" fact="0.25"/>
-          <dgm:constr type="primFontSz" for="des" ptType="node" op="equ" val="24"/>
-          <dgm:constr type="h" for="des" forName="compNode" op="equ"/>
-          <dgm:constr type="h" for="des" forName="textRect" op="equ"/>
-        </dgm:constrLst>
-      </dgm:else>
-    </dgm:choose>
-    <dgm:ruleLst>
-      <dgm:rule type="w" for="ch" forName="compNode" val="50" fact="NaN" max="NaN"/>
-    </dgm:ruleLst>
-    <dgm:forEach name="Name8" axis="ch" ptType="node">
-      <dgm:layoutNode name="compNode">
-        <dgm:alg type="composite"/>
-        <dgm:shape xmlns:r="http://schemas.openxmlformats.org/officeDocument/2006/relationships" r:blip="">
-          <dgm:adjLst/>
-        </dgm:shape>
-        <dgm:presOf axis="self"/>
-        <dgm:constrLst>
-          <dgm:constr type="w" for="ch" forName="iconBgRect" refType="w" fact="0.61"/>
-          <dgm:constr type="h" for="ch" forName="iconBgRect" refType="w" refFor="ch" refForName="iconBgRect"/>
-          <dgm:constr type="t" for="ch" forName="iconBgRect"/>
-          <dgm:constr type="ctrX" for="ch" forName="iconBgRect" refType="w" fact="0.5"/>
-          <dgm:constr type="w" for="ch" forName="iconRect" refType="w" fact="0.35"/>
-          <dgm:constr type="h" for="ch" forName="iconRect" refType="w" refFor="ch" refForName="iconRect"/>
-          <dgm:constr type="ctrX" for="ch" forName="iconRect" refType="ctrX" refFor="ch" refForName="iconBgRect"/>
-          <dgm:constr type="ctrY" for="ch" forName="iconRect" refType="ctrY" refFor="ch" refForName="iconBgRect"/>
-          <dgm:constr type="h" for="ch" forName="spaceRect" refType="w" fact="0.19"/>
-          <dgm:constr type="w" for="ch" forName="spaceRect" refType="w"/>
-          <dgm:constr type="l" for="ch" forName="spaceRect"/>
-          <dgm:constr type="t" for="ch" forName="spaceRect" refType="b" refFor="ch" refForName="iconBgRect"/>
-          <dgm:constr type="h" for="ch" forName="textRect" val="20"/>
-          <dgm:constr type="w" for="ch" forName="textRect" refType="w"/>
-          <dgm:constr type="l" for="ch" forName="textRect"/>
-          <dgm:constr type="t" for="ch" forName="textRect" refType="b" refFor="ch" refForName="spaceRect"/>
-        </dgm:constrLst>
-        <dgm:ruleLst>
-          <dgm:rule type="h" val="INF" fact="NaN" max="NaN"/>
-        </dgm:ruleLst>
-        <dgm:layoutNode name="iconBgRect" styleLbl="bgShp">
-          <dgm:alg type="sp"/>
-          <dgm:shape xmlns:r="http://schemas.openxmlformats.org/officeDocument/2006/relationships" type="ellipse" r:blip="">
-            <dgm:adjLst/>
-          </dgm:shape>
-          <dgm:presOf/>
-          <dgm:constrLst/>
-          <dgm:ruleLst/>
-        </dgm:layoutNode>
-        <dgm:layoutNode name="iconRect" styleLbl="node1">
-          <dgm:alg type="sp"/>
-          <dgm:shape xmlns:r="http://schemas.openxmlformats.org/officeDocument/2006/relationships" type="rect" r:blip="" blipPhldr="1">
-            <dgm:adjLst/>
-          </dgm:shape>
-          <dgm:presOf/>
-          <dgm:constrLst/>
-          <dgm:ruleLst/>
-        </dgm:layoutNode>
-        <dgm:layoutNode name="spaceRect">
-          <dgm:alg type="sp"/>
-          <dgm:shape xmlns:r="http://schemas.openxmlformats.org/officeDocument/2006/relationships" r:blip="">
-            <dgm:adjLst/>
-          </dgm:shape>
-          <dgm:presOf/>
-          <dgm:constrLst/>
-          <dgm:ruleLst/>
-        </dgm:layoutNode>
-        <dgm:layoutNode name="textRect" styleLbl="revTx">
-          <dgm:varLst>
-            <dgm:chMax val="1"/>
-            <dgm:chPref val="1"/>
-          </dgm:varLst>
-          <dgm:alg type="tx">
-            <dgm:param type="txAnchorVert" val="t"/>
-          </dgm:alg>
-          <dgm:shape xmlns:r="http://schemas.openxmlformats.org/officeDocument/2006/relationships" type="rect" r:blip="">
-            <dgm:adjLst/>
-          </dgm:shape>
-          <dgm:presOf axis="self" ptType="node"/>
-          <dgm:constrLst>
-            <dgm:constr type="lMarg"/>
-            <dgm:constr type="rMarg"/>
-            <dgm:constr type="tMarg"/>
-            <dgm:constr type="bMarg"/>
-          </dgm:constrLst>
-          <dgm:ruleLst>
-            <dgm:rule type="primFontSz" val="11" fact="NaN" max="NaN"/>
-            <dgm:rule type="h" val="INF" fact="NaN" max="NaN"/>
-          </dgm:ruleLst>
-        </dgm:layoutNode>
-      </dgm:layoutNode>
-      <dgm:forEach name="Name9" axis="followSib" ptType="sibTrans" cnt="1">
-        <dgm:layoutNode name="sibTrans">
-          <dgm:alg type="sp"/>
-          <dgm:shape xmlns:r="http://schemas.openxmlformats.org/officeDocument/2006/relationships" r:blip="">
-            <dgm:adjLst/>
-          </dgm:shape>
-          <dgm:presOf axis="self"/>
-          <dgm:constrLst/>
-          <dgm:ruleLst/>
-        </dgm:layoutNode>
-      </dgm:forEach>
-    </dgm:forEach>
-  </dgm:layoutNode>
-  <dgm:extLst>
-    <a:ext uri="{68A01E43-0DF5-4B5B-8FA6-DAF915123BFB}">
-      <dgm1612:lstStyle xmlns:dgm1612="http://schemas.microsoft.com/office/drawing/2016/12/diagram">
-        <a:lvl1pPr>
-          <a:lnSpc>
-            <a:spcPct val="100000"/>
-          </a:lnSpc>
-          <a:defRPr cap="all"/>
-        </a:lvl1pPr>
-      </dgm1612:lstStyle>
-    </a:ext>
-  </dgm:extLst>
-</dgm:layoutDef>
-</file>
-
-<file path=ppt/diagrams/quickStyle1.xml><?xml version="1.0" encoding="utf-8"?>
-<dgm:styleDef xmlns:dgm="http://schemas.openxmlformats.org/drawingml/2006/diagram" xmlns:a="http://schemas.openxmlformats.org/drawingml/2006/main" uniqueId="urn:microsoft.com/office/officeart/2005/8/quickstyle/simple1">
-  <dgm:title val=""/>
-  <dgm:desc val=""/>
-  <dgm:catLst>
-    <dgm:cat type="simple" pri="10100"/>
-  </dgm:catLst>
-  <dgm:scene3d>
-    <a:camera prst="orthographicFront"/>
-    <a:lightRig rig="threePt" dir="t"/>
-  </dgm:scene3d>
-  <dgm:styleLbl name="node0">
-    <dgm:scene3d>
-      <a:camera prst="orthographicFront"/>
-      <a:lightRig rig="threePt" dir="t"/>
-    </dgm:scene3d>
-    <dgm:sp3d/>
-    <dgm:txPr/>
-    <dgm:style>
-      <a:lnRef idx="2">
-        <a:scrgbClr r="0" g="0" b="0"/>
-      </a:lnRef>
-      <a:fillRef idx="1">
-        <a:scrgbClr r="0" g="0" b="0"/>
-      </a:fillRef>
-      <a:effectRef idx="0">
-        <a:scrgbClr r="0" g="0" b="0"/>
-      </a:effectRef>
-      <a:fontRef idx="minor">
-        <a:schemeClr val="lt1"/>
-      </a:fontRef>
-    </dgm:style>
-  </dgm:styleLbl>
-  <dgm:styleLbl name="lnNode1">
-    <dgm:scene3d>
-      <a:camera prst="orthographicFront"/>
-      <a:lightRig rig="threePt" dir="t"/>
-    </dgm:scene3d>
-    <dgm:sp3d/>
-    <dgm:txPr/>
-    <dgm:style>
-      <a:lnRef idx="2">
-        <a:scrgbClr r="0" g="0" b="0"/>
-      </a:lnRef>
-      <a:fillRef idx="1">
-        <a:scrgbClr r="0" g="0" b="0"/>
-      </a:fillRef>
-      <a:effectRef idx="0">
-        <a:scrgbClr r="0" g="0" b="0"/>
-      </a:effectRef>
-      <a:fontRef idx="minor">
-        <a:schemeClr val="lt1"/>
-      </a:fontRef>
-    </dgm:style>
-  </dgm:styleLbl>
-  <dgm:styleLbl name="vennNode1">
-    <dgm:scene3d>
-      <a:camera prst="orthographicFront"/>
-      <a:lightRig rig="threePt" dir="t"/>
-    </dgm:scene3d>
-    <dgm:sp3d/>
-    <dgm:txPr/>
-    <dgm:style>
-      <a:lnRef idx="2">
-        <a:scrgbClr r="0" g="0" b="0"/>
-      </a:lnRef>
-      <a:fillRef idx="1">
-        <a:scrgbClr r="0" g="0" b="0"/>
-      </a:fillRef>
-      <a:effectRef idx="0">
-        <a:scrgbClr r="0" g="0" b="0"/>
-      </a:effectRef>
-      <a:fontRef idx="minor">
-        <a:schemeClr val="tx1"/>
-      </a:fontRef>
-    </dgm:style>
-  </dgm:styleLbl>
-  <dgm:styleLbl name="alignNode1">
-    <dgm:scene3d>
-      <a:camera prst="orthographicFront"/>
-      <a:lightRig rig="threePt" dir="t"/>
-    </dgm:scene3d>
-    <dgm:sp3d/>
-    <dgm:txPr/>
-    <dgm:style>
-      <a:lnRef idx="2">
-        <a:scrgbClr r="0" g="0" b="0"/>
-      </a:lnRef>
-      <a:fillRef idx="1">
-        <a:scrgbClr r="0" g="0" b="0"/>
-      </a:fillRef>
-      <a:effectRef idx="0">
-        <a:scrgbClr r="0" g="0" b="0"/>
-      </a:effectRef>
-      <a:fontRef idx="minor">
-        <a:schemeClr val="lt1"/>
-      </a:fontRef>
-    </dgm:style>
-  </dgm:styleLbl>
-  <dgm:styleLbl name="node1">
-    <dgm:scene3d>
-      <a:camera prst="orthographicFront"/>
-      <a:lightRig rig="threePt" dir="t"/>
-    </dgm:scene3d>
-    <dgm:sp3d/>
-    <dgm:txPr/>
-    <dgm:style>
-      <a:lnRef idx="2">
-        <a:scrgbClr r="0" g="0" b="0"/>
-      </a:lnRef>
-      <a:fillRef idx="1">
-        <a:scrgbClr r="0" g="0" b="0"/>
-      </a:fillRef>
-      <a:effectRef idx="0">
-        <a:scrgbClr r="0" g="0" b="0"/>
-      </a:effectRef>
-      <a:fontRef idx="minor">
-        <a:schemeClr val="lt1"/>
-      </a:fontRef>
-    </dgm:style>
-  </dgm:styleLbl>
-  <dgm:styleLbl name="node2">
-    <dgm:scene3d>
-      <a:camera prst="orthographicFront"/>
-      <a:lightRig rig="threePt" dir="t"/>
-    </dgm:scene3d>
-    <dgm:sp3d/>
-    <dgm:txPr/>
-    <dgm:style>
-      <a:lnRef idx="2">
-        <a:scrgbClr r="0" g="0" b="0"/>
-      </a:lnRef>
-      <a:fillRef idx="1">
-        <a:scrgbClr r="0" g="0" b="0"/>
-      </a:fillRef>
-      <a:effectRef idx="0">
-        <a:scrgbClr r="0" g="0" b="0"/>
-      </a:effectRef>
-      <a:fontRef idx="minor">
-        <a:schemeClr val="lt1"/>
-      </a:fontRef>
-    </dgm:style>
-  </dgm:styleLbl>
-  <dgm:styleLbl name="node3">
-    <dgm:scene3d>
-      <a:camera prst="orthographicFront"/>
-      <a:lightRig rig="threePt" dir="t"/>
-    </dgm:scene3d>
-    <dgm:sp3d/>
-    <dgm:txPr/>
-    <dgm:style>
-      <a:lnRef idx="2">
-        <a:scrgbClr r="0" g="0" b="0"/>
-      </a:lnRef>
-      <a:fillRef idx="1">
-        <a:scrgbClr r="0" g="0" b="0"/>
-      </a:fillRef>
-      <a:effectRef idx="0">
-        <a:scrgbClr r="0" g="0" b="0"/>
-      </a:effectRef>
-      <a:fontRef idx="minor">
-        <a:schemeClr val="lt1"/>
-      </a:fontRef>
-    </dgm:style>
-  </dgm:styleLbl>
-  <dgm:styleLbl name="node4">
-    <dgm:scene3d>
-      <a:camera prst="orthographicFront"/>
-      <a:lightRig rig="threePt" dir="t"/>
-    </dgm:scene3d>
-    <dgm:sp3d/>
-    <dgm:txPr/>
-    <dgm:style>
-      <a:lnRef idx="2">
-        <a:scrgbClr r="0" g="0" b="0"/>
-      </a:lnRef>
-      <a:fillRef idx="1">
-        <a:scrgbClr r="0" g="0" b="0"/>
-      </a:fillRef>
-      <a:effectRef idx="0">
-        <a:scrgbClr r="0" g="0" b="0"/>
-      </a:effectRef>
-      <a:fontRef idx="minor">
-        <a:schemeClr val="lt1"/>
-      </a:fontRef>
-    </dgm:style>
-  </dgm:styleLbl>
-  <dgm:styleLbl name="fgImgPlace1">
-    <dgm:scene3d>
-      <a:camera prst="orthographicFront"/>
-      <a:lightRig rig="threePt" dir="t"/>
-    </dgm:scene3d>
-    <dgm:sp3d/>
-    <dgm:txPr/>
-    <dgm:style>
-      <a:lnRef idx="2">
-        <a:scrgbClr r="0" g="0" b="0"/>
-      </a:lnRef>
-      <a:fillRef idx="1">
-        <a:scrgbClr r="0" g="0" b="0"/>
-      </a:fillRef>
-      <a:effectRef idx="0">
-        <a:scrgbClr r="0" g="0" b="0"/>
-      </a:effectRef>
-      <a:fontRef idx="minor"/>
-    </dgm:style>
-  </dgm:styleLbl>
-  <dgm:styleLbl name="alignImgPlace1">
-    <dgm:scene3d>
-      <a:camera prst="orthographicFront"/>
-      <a:lightRig rig="threePt" dir="t"/>
-    </dgm:scene3d>
-    <dgm:sp3d/>
-    <dgm:txPr/>
-    <dgm:style>
-      <a:lnRef idx="2">
-        <a:scrgbClr r="0" g="0" b="0"/>
-      </a:lnRef>
-      <a:fillRef idx="1">
-        <a:scrgbClr r="0" g="0" b="0"/>
-      </a:fillRef>
-      <a:effectRef idx="0">
-        <a:scrgbClr r="0" g="0" b="0"/>
-      </a:effectRef>
-      <a:fontRef idx="minor"/>
-    </dgm:style>
-  </dgm:styleLbl>
-  <dgm:styleLbl name="bgImgPlace1">
-    <dgm:scene3d>
-      <a:camera prst="orthographicFront"/>
-      <a:lightRig rig="threePt" dir="t"/>
-    </dgm:scene3d>
-    <dgm:sp3d/>
-    <dgm:txPr/>
-    <dgm:style>
-      <a:lnRef idx="2">
-        <a:scrgbClr r="0" g="0" b="0"/>
-      </a:lnRef>
-      <a:fillRef idx="1">
-        <a:scrgbClr r="0" g="0" b="0"/>
-      </a:fillRef>
-      <a:effectRef idx="0">
-        <a:scrgbClr r="0" g="0" b="0"/>
-      </a:effectRef>
-      <a:fontRef idx="minor"/>
-    </dgm:style>
-  </dgm:styleLbl>
-  <dgm:styleLbl name="sibTrans2D1">
-    <dgm:scene3d>
-      <a:camera prst="orthographicFront"/>
-      <a:lightRig rig="threePt" dir="t"/>
-    </dgm:scene3d>
-    <dgm:sp3d/>
-    <dgm:txPr/>
-    <dgm:style>
-      <a:lnRef idx="0">
-        <a:scrgbClr r="0" g="0" b="0"/>
-      </a:lnRef>
-      <a:fillRef idx="1">
-        <a:scrgbClr r="0" g="0" b="0"/>
-      </a:fillRef>
-      <a:effectRef idx="0">
-        <a:scrgbClr r="0" g="0" b="0"/>
-      </a:effectRef>
-      <a:fontRef idx="minor">
-        <a:schemeClr val="lt1"/>
-      </a:fontRef>
-    </dgm:style>
-  </dgm:styleLbl>
-  <dgm:styleLbl name="fgSibTrans2D1">
-    <dgm:scene3d>
-      <a:camera prst="orthographicFront"/>
-      <a:lightRig rig="threePt" dir="t"/>
-    </dgm:scene3d>
-    <dgm:sp3d/>
-    <dgm:txPr/>
-    <dgm:style>
-      <a:lnRef idx="0">
-        <a:scrgbClr r="0" g="0" b="0"/>
-      </a:lnRef>
-      <a:fillRef idx="1">
-        <a:scrgbClr r="0" g="0" b="0"/>
-      </a:fillRef>
-      <a:effectRef idx="0">
-        <a:scrgbClr r="0" g="0" b="0"/>
-      </a:effectRef>
-      <a:fontRef idx="minor">
-        <a:schemeClr val="lt1"/>
-      </a:fontRef>
-    </dgm:style>
-  </dgm:styleLbl>
-  <dgm:styleLbl name="bgSibTrans2D1">
-    <dgm:scene3d>
-      <a:camera prst="orthographicFront"/>
-      <a:lightRig rig="threePt" dir="t"/>
-    </dgm:scene3d>
-    <dgm:sp3d/>
-    <dgm:txPr/>
-    <dgm:style>
-      <a:lnRef idx="0">
-        <a:scrgbClr r="0" g="0" b="0"/>
-      </a:lnRef>
-      <a:fillRef idx="1">
-        <a:scrgbClr r="0" g="0" b="0"/>
-      </a:fillRef>
-      <a:effectRef idx="0">
-        <a:scrgbClr r="0" g="0" b="0"/>
-      </a:effectRef>
-      <a:fontRef idx="minor">
-        <a:schemeClr val="lt1"/>
-      </a:fontRef>
-    </dgm:style>
-  </dgm:styleLbl>
-  <dgm:styleLbl name="sibTrans1D1">
-    <dgm:scene3d>
-      <a:camera prst="orthographicFront"/>
-      <a:lightRig rig="threePt" dir="t"/>
-    </dgm:scene3d>
-    <dgm:sp3d/>
-    <dgm:txPr/>
-    <dgm:style>
-      <a:lnRef idx="1">
-        <a:scrgbClr r="0" g="0" b="0"/>
-      </a:lnRef>
-      <a:fillRef idx="0">
-        <a:scrgbClr r="0" g="0" b="0"/>
-      </a:fillRef>
-      <a:effectRef idx="0">
-        <a:scrgbClr r="0" g="0" b="0"/>
-      </a:effectRef>
-      <a:fontRef idx="minor"/>
-    </dgm:style>
-  </dgm:styleLbl>
-  <dgm:styleLbl name="callout">
-    <dgm:scene3d>
-      <a:camera prst="orthographicFront"/>
-      <a:lightRig rig="threePt" dir="t"/>
-    </dgm:scene3d>
-    <dgm:sp3d/>
-    <dgm:txPr/>
-    <dgm:style>
-      <a:lnRef idx="2">
-        <a:scrgbClr r="0" g="0" b="0"/>
-      </a:lnRef>
-      <a:fillRef idx="1">
-        <a:scrgbClr r="0" g="0" b="0"/>
-      </a:fillRef>
-      <a:effectRef idx="0">
-        <a:scrgbClr r="0" g="0" b="0"/>
-      </a:effectRef>
-      <a:fontRef idx="minor"/>
-    </dgm:style>
-  </dgm:styleLbl>
-  <dgm:styleLbl name="asst0">
-    <dgm:scene3d>
-      <a:camera prst="orthographicFront"/>
-      <a:lightRig rig="threePt" dir="t"/>
-    </dgm:scene3d>
-    <dgm:sp3d/>
-    <dgm:txPr/>
-    <dgm:style>
-      <a:lnRef idx="2">
-        <a:scrgbClr r="0" g="0" b="0"/>
-      </a:lnRef>
-      <a:fillRef idx="1">
-        <a:scrgbClr r="0" g="0" b="0"/>
-      </a:fillRef>
-      <a:effectRef idx="0">
-        <a:scrgbClr r="0" g="0" b="0"/>
-      </a:effectRef>
-      <a:fontRef idx="minor">
-        <a:schemeClr val="lt1"/>
-      </a:fontRef>
-    </dgm:style>
-  </dgm:styleLbl>
-  <dgm:styleLbl name="asst1">
-    <dgm:scene3d>
-      <a:camera prst="orthographicFront"/>
-      <a:lightRig rig="threePt" dir="t"/>
-    </dgm:scene3d>
-    <dgm:sp3d/>
-    <dgm:txPr/>
-    <dgm:style>
-      <a:lnRef idx="2">
-        <a:scrgbClr r="0" g="0" b="0"/>
-      </a:lnRef>
-      <a:fillRef idx="1">
-        <a:scrgbClr r="0" g="0" b="0"/>
-      </a:fillRef>
-      <a:effectRef idx="0">
-        <a:scrgbClr r="0" g="0" b="0"/>
-      </a:effectRef>
-      <a:fontRef idx="minor">
-        <a:schemeClr val="lt1"/>
-      </a:fontRef>
-    </dgm:style>
-  </dgm:styleLbl>
-  <dgm:styleLbl name="asst2">
-    <dgm:scene3d>
-      <a:camera prst="orthographicFront"/>
-      <a:lightRig rig="threePt" dir="t"/>
-    </dgm:scene3d>
-    <dgm:sp3d/>
-    <dgm:txPr/>
-    <dgm:style>
-      <a:lnRef idx="2">
-        <a:scrgbClr r="0" g="0" b="0"/>
-      </a:lnRef>
-      <a:fillRef idx="1">
-        <a:scrgbClr r="0" g="0" b="0"/>
-      </a:fillRef>
-      <a:effectRef idx="0">
-        <a:scrgbClr r="0" g="0" b="0"/>
-      </a:effectRef>
-      <a:fontRef idx="minor">
-        <a:schemeClr val="lt1"/>
-      </a:fontRef>
-    </dgm:style>
-  </dgm:styleLbl>
-  <dgm:styleLbl name="asst3">
-    <dgm:scene3d>
-      <a:camera prst="orthographicFront"/>
-      <a:lightRig rig="threePt" dir="t"/>
-    </dgm:scene3d>
-    <dgm:sp3d/>
-    <dgm:txPr/>
-    <dgm:style>
-      <a:lnRef idx="2">
-        <a:scrgbClr r="0" g="0" b="0"/>
-      </a:lnRef>
-      <a:fillRef idx="1">
-        <a:scrgbClr r="0" g="0" b="0"/>
-      </a:fillRef>
-      <a:effectRef idx="0">
-        <a:scrgbClr r="0" g="0" b="0"/>
-      </a:effectRef>
-      <a:fontRef idx="minor">
-        <a:schemeClr val="lt1"/>
-      </a:fontRef>
-    </dgm:style>
-  </dgm:styleLbl>
-  <dgm:styleLbl name="asst4">
-    <dgm:scene3d>
-      <a:camera prst="orthographicFront"/>
-      <a:lightRig rig="threePt" dir="t"/>
-    </dgm:scene3d>
-    <dgm:sp3d/>
-    <dgm:txPr/>
-    <dgm:style>
-      <a:lnRef idx="2">
-        <a:scrgbClr r="0" g="0" b="0"/>
-      </a:lnRef>
-      <a:fillRef idx="1">
-        <a:scrgbClr r="0" g="0" b="0"/>
-      </a:fillRef>
-      <a:effectRef idx="0">
-        <a:scrgbClr r="0" g="0" b="0"/>
-      </a:effectRef>
-      <a:fontRef idx="minor">
-        <a:schemeClr val="lt1"/>
-      </a:fontRef>
-    </dgm:style>
-  </dgm:styleLbl>
-  <dgm:styleLbl name="parChTrans2D1">
-    <dgm:scene3d>
-      <a:camera prst="orthographicFront"/>
-      <a:lightRig rig="threePt" dir="t"/>
-    </dgm:scene3d>
-    <dgm:sp3d/>
-    <dgm:txPr/>
-    <dgm:style>
-      <a:lnRef idx="2">
-        <a:scrgbClr r="0" g="0" b="0"/>
-      </a:lnRef>
-      <a:fillRef idx="1">
-        <a:scrgbClr r="0" g="0" b="0"/>
-      </a:fillRef>
-      <a:effectRef idx="0">
-        <a:scrgbClr r="0" g="0" b="0"/>
-      </a:effectRef>
-      <a:fontRef idx="minor">
-        <a:schemeClr val="lt1"/>
-      </a:fontRef>
-    </dgm:style>
-  </dgm:styleLbl>
-  <dgm:styleLbl name="parChTrans2D2">
-    <dgm:scene3d>
-      <a:camera prst="orthographicFront"/>
-      <a:lightRig rig="threePt" dir="t"/>
-    </dgm:scene3d>
-    <dgm:sp3d/>
-    <dgm:txPr/>
-    <dgm:style>
-      <a:lnRef idx="2">
-        <a:scrgbClr r="0" g="0" b="0"/>
-      </a:lnRef>
-      <a:fillRef idx="1">
-        <a:scrgbClr r="0" g="0" b="0"/>
-      </a:fillRef>
-      <a:effectRef idx="0">
-        <a:scrgbClr r="0" g="0" b="0"/>
-      </a:effectRef>
-      <a:fontRef idx="minor">
-        <a:schemeClr val="lt1"/>
-      </a:fontRef>
-    </dgm:style>
-  </dgm:styleLbl>
-  <dgm:styleLbl name="parChTrans2D3">
-    <dgm:scene3d>
-      <a:camera prst="orthographicFront"/>
-      <a:lightRig rig="threePt" dir="t"/>
-    </dgm:scene3d>
-    <dgm:sp3d/>
-    <dgm:txPr/>
-    <dgm:style>
-      <a:lnRef idx="2">
-        <a:scrgbClr r="0" g="0" b="0"/>
-      </a:lnRef>
-      <a:fillRef idx="1">
-        <a:scrgbClr r="0" g="0" b="0"/>
-      </a:fillRef>
-      <a:effectRef idx="0">
-        <a:scrgbClr r="0" g="0" b="0"/>
-      </a:effectRef>
-      <a:fontRef idx="minor">
-        <a:schemeClr val="lt1"/>
-      </a:fontRef>
-    </dgm:style>
-  </dgm:styleLbl>
-  <dgm:styleLbl name="parChTrans2D4">
-    <dgm:scene3d>
-      <a:camera prst="orthographicFront"/>
-      <a:lightRig rig="threePt" dir="t"/>
-    </dgm:scene3d>
-    <dgm:sp3d/>
-    <dgm:txPr/>
-    <dgm:style>
-      <a:lnRef idx="2">
-        <a:scrgbClr r="0" g="0" b="0"/>
-      </a:lnRef>
-      <a:fillRef idx="1">
-        <a:scrgbClr r="0" g="0" b="0"/>
-      </a:fillRef>
-      <a:effectRef idx="0">
-        <a:scrgbClr r="0" g="0" b="0"/>
-      </a:effectRef>
-      <a:fontRef idx="minor">
-        <a:schemeClr val="lt1"/>
-      </a:fontRef>
-    </dgm:style>
-  </dgm:styleLbl>
-  <dgm:styleLbl name="parChTrans1D1">
-    <dgm:scene3d>
-      <a:camera prst="orthographicFront"/>
-      <a:lightRig rig="threePt" dir="t"/>
-    </dgm:scene3d>
-    <dgm:sp3d/>
-    <dgm:txPr/>
-    <dgm:style>
-      <a:lnRef idx="2">
-        <a:scrgbClr r="0" g="0" b="0"/>
-      </a:lnRef>
-      <a:fillRef idx="0">
-        <a:scrgbClr r="0" g="0" b="0"/>
-      </a:fillRef>
-      <a:effectRef idx="0">
-        <a:scrgbClr r="0" g="0" b="0"/>
-      </a:effectRef>
-      <a:fontRef idx="minor"/>
-    </dgm:style>
-  </dgm:styleLbl>
-  <dgm:styleLbl name="parChTrans1D2">
-    <dgm:scene3d>
-      <a:camera prst="orthographicFront"/>
-      <a:lightRig rig="threePt" dir="t"/>
-    </dgm:scene3d>
-    <dgm:sp3d/>
-    <dgm:txPr/>
-    <dgm:style>
-      <a:lnRef idx="2">
-        <a:scrgbClr r="0" g="0" b="0"/>
-      </a:lnRef>
-      <a:fillRef idx="0">
-        <a:scrgbClr r="0" g="0" b="0"/>
-      </a:fillRef>
-      <a:effectRef idx="0">
-        <a:scrgbClr r="0" g="0" b="0"/>
-      </a:effectRef>
-      <a:fontRef idx="minor"/>
-    </dgm:style>
-  </dgm:styleLbl>
-  <dgm:styleLbl name="parChTrans1D3">
-    <dgm:scene3d>
-      <a:camera prst="orthographicFront"/>
-      <a:lightRig rig="threePt" dir="t"/>
-    </dgm:scene3d>
-    <dgm:sp3d/>
-    <dgm:txPr/>
-    <dgm:style>
-      <a:lnRef idx="2">
-        <a:scrgbClr r="0" g="0" b="0"/>
-      </a:lnRef>
-      <a:fillRef idx="0">
-        <a:scrgbClr r="0" g="0" b="0"/>
-      </a:fillRef>
-      <a:effectRef idx="0">
-        <a:scrgbClr r="0" g="0" b="0"/>
-      </a:effectRef>
-      <a:fontRef idx="minor"/>
-    </dgm:style>
-  </dgm:styleLbl>
-  <dgm:styleLbl name="parChTrans1D4">
-    <dgm:scene3d>
-      <a:camera prst="orthographicFront"/>
-      <a:lightRig rig="threePt" dir="t"/>
-    </dgm:scene3d>
-    <dgm:sp3d/>
-    <dgm:txPr/>
-    <dgm:style>
-      <a:lnRef idx="2">
-        <a:scrgbClr r="0" g="0" b="0"/>
-      </a:lnRef>
-      <a:fillRef idx="0">
-        <a:scrgbClr r="0" g="0" b="0"/>
-      </a:fillRef>
-      <a:effectRef idx="0">
-        <a:scrgbClr r="0" g="0" b="0"/>
-      </a:effectRef>
-      <a:fontRef idx="minor"/>
-    </dgm:style>
-  </dgm:styleLbl>
-  <dgm:styleLbl name="fgAcc1">
-    <dgm:scene3d>
-      <a:camera prst="orthographicFront"/>
-      <a:lightRig rig="threePt" dir="t"/>
-    </dgm:scene3d>
-    <dgm:sp3d/>
-    <dgm:txPr/>
-    <dgm:style>
-      <a:lnRef idx="2">
-        <a:scrgbClr r="0" g="0" b="0"/>
-      </a:lnRef>
-      <a:fillRef idx="1">
-        <a:scrgbClr r="0" g="0" b="0"/>
-      </a:fillRef>
-      <a:effectRef idx="0">
-        <a:scrgbClr r="0" g="0" b="0"/>
-      </a:effectRef>
-      <a:fontRef idx="minor"/>
-    </dgm:style>
-  </dgm:styleLbl>
-  <dgm:styleLbl name="conFgAcc1">
-    <dgm:scene3d>
-      <a:camera prst="orthographicFront"/>
-      <a:lightRig rig="threePt" dir="t"/>
-    </dgm:scene3d>
-    <dgm:sp3d/>
-    <dgm:txPr/>
-    <dgm:style>
-      <a:lnRef idx="2">
-        <a:scrgbClr r="0" g="0" b="0"/>
-      </a:lnRef>
-      <a:fillRef idx="1">
-        <a:scrgbClr r="0" g="0" b="0"/>
-      </a:fillRef>
-      <a:effectRef idx="0">
-        <a:scrgbClr r="0" g="0" b="0"/>
-      </a:effectRef>
-      <a:fontRef idx="minor"/>
-    </dgm:style>
-  </dgm:styleLbl>
-  <dgm:styleLbl name="alignAcc1">
-    <dgm:scene3d>
-      <a:camera prst="orthographicFront"/>
-      <a:lightRig rig="threePt" dir="t"/>
-    </dgm:scene3d>
-    <dgm:sp3d/>
-    <dgm:txPr/>
-    <dgm:style>
-      <a:lnRef idx="2">
-        <a:scrgbClr r="0" g="0" b="0"/>
-      </a:lnRef>
-      <a:fillRef idx="1">
-        <a:scrgbClr r="0" g="0" b="0"/>
-      </a:fillRef>
-      <a:effectRef idx="0">
-        <a:scrgbClr r="0" g="0" b="0"/>
-      </a:effectRef>
-      <a:fontRef idx="minor"/>
-    </dgm:style>
-  </dgm:styleLbl>
-  <dgm:styleLbl name="trAlignAcc1">
-    <dgm:scene3d>
-      <a:camera prst="orthographicFront"/>
-      <a:lightRig rig="threePt" dir="t"/>
-    </dgm:scene3d>
-    <dgm:sp3d/>
-    <dgm:txPr/>
-    <dgm:style>
-      <a:lnRef idx="1">
-        <a:scrgbClr r="0" g="0" b="0"/>
-      </a:lnRef>
-      <a:fillRef idx="1">
-        <a:scrgbClr r="0" g="0" b="0"/>
-      </a:fillRef>
-      <a:effectRef idx="0">
-        <a:scrgbClr r="0" g="0" b="0"/>
-      </a:effectRef>
-      <a:fontRef idx="minor"/>
-    </dgm:style>
-  </dgm:styleLbl>
-  <dgm:styleLbl name="bgAcc1">
-    <dgm:scene3d>
-      <a:camera prst="orthographicFront"/>
-      <a:lightRig rig="threePt" dir="t"/>
-    </dgm:scene3d>
-    <dgm:sp3d/>
-    <dgm:txPr/>
-    <dgm:style>
-      <a:lnRef idx="2">
-        <a:scrgbClr r="0" g="0" b="0"/>
-      </a:lnRef>
-      <a:fillRef idx="1">
-        <a:scrgbClr r="0" g="0" b="0"/>
-      </a:fillRef>
-      <a:effectRef idx="0">
-        <a:scrgbClr r="0" g="0" b="0"/>
-      </a:effectRef>
-      <a:fontRef idx="minor"/>
-    </dgm:style>
-  </dgm:styleLbl>
-  <dgm:styleLbl name="solidFgAcc1">
-    <dgm:scene3d>
-      <a:camera prst="orthographicFront"/>
-      <a:lightRig rig="threePt" dir="t"/>
-    </dgm:scene3d>
-    <dgm:sp3d/>
-    <dgm:txPr/>
-    <dgm:style>
-      <a:lnRef idx="2">
-        <a:scrgbClr r="0" g="0" b="0"/>
-      </a:lnRef>
-      <a:fillRef idx="1">
-        <a:scrgbClr r="0" g="0" b="0"/>
-      </a:fillRef>
-      <a:effectRef idx="0">
-        <a:scrgbClr r="0" g="0" b="0"/>
-      </a:effectRef>
-      <a:fontRef idx="minor"/>
-    </dgm:style>
-  </dgm:styleLbl>
-  <dgm:styleLbl name="solidAlignAcc1">
-    <dgm:scene3d>
-      <a:camera prst="orthographicFront"/>
-      <a:lightRig rig="threePt" dir="t"/>
-    </dgm:scene3d>
-    <dgm:sp3d/>
-    <dgm:txPr/>
-    <dgm:style>
-      <a:lnRef idx="2">
-        <a:scrgbClr r="0" g="0" b="0"/>
-      </a:lnRef>
-      <a:fillRef idx="1">
-        <a:scrgbClr r="0" g="0" b="0"/>
-      </a:fillRef>
-      <a:effectRef idx="0">
-        <a:scrgbClr r="0" g="0" b="0"/>
-      </a:effectRef>
-      <a:fontRef idx="minor"/>
-    </dgm:style>
-  </dgm:styleLbl>
-  <dgm:styleLbl name="solidBgAcc1">
-    <dgm:scene3d>
-      <a:camera prst="orthographicFront"/>
-      <a:lightRig rig="threePt" dir="t"/>
-    </dgm:scene3d>
-    <dgm:sp3d/>
-    <dgm:txPr/>
-    <dgm:style>
-      <a:lnRef idx="2">
-        <a:scrgbClr r="0" g="0" b="0"/>
-      </a:lnRef>
-      <a:fillRef idx="1">
-        <a:scrgbClr r="0" g="0" b="0"/>
-      </a:fillRef>
-      <a:effectRef idx="0">
-        <a:scrgbClr r="0" g="0" b="0"/>
-      </a:effectRef>
-      <a:fontRef idx="minor"/>
-    </dgm:style>
-  </dgm:styleLbl>
-  <dgm:styleLbl name="fgAccFollowNode1">
-    <dgm:scene3d>
-      <a:camera prst="orthographicFront"/>
-      <a:lightRig rig="threePt" dir="t"/>
-    </dgm:scene3d>
-    <dgm:sp3d/>
-    <dgm:txPr/>
-    <dgm:style>
-      <a:lnRef idx="2">
-        <a:scrgbClr r="0" g="0" b="0"/>
-      </a:lnRef>
-      <a:fillRef idx="1">
-        <a:scrgbClr r="0" g="0" b="0"/>
-      </a:fillRef>
-      <a:effectRef idx="0">
-        <a:scrgbClr r="0" g="0" b="0"/>
-      </a:effectRef>
-      <a:fontRef idx="minor"/>
-    </dgm:style>
-  </dgm:styleLbl>
-  <dgm:styleLbl name="alignAccFollowNode1">
-    <dgm:scene3d>
-      <a:camera prst="orthographicFront"/>
-      <a:lightRig rig="threePt" dir="t"/>
-    </dgm:scene3d>
-    <dgm:sp3d/>
-    <dgm:txPr/>
-    <dgm:style>
-      <a:lnRef idx="2">
-        <a:scrgbClr r="0" g="0" b="0"/>
-      </a:lnRef>
-      <a:fillRef idx="1">
-        <a:scrgbClr r="0" g="0" b="0"/>
-      </a:fillRef>
-      <a:effectRef idx="0">
-        <a:scrgbClr r="0" g="0" b="0"/>
-      </a:effectRef>
-      <a:fontRef idx="minor"/>
-    </dgm:style>
-  </dgm:styleLbl>
-  <dgm:styleLbl name="bgAccFollowNode1">
-    <dgm:scene3d>
-      <a:camera prst="orthographicFront"/>
-      <a:lightRig rig="threePt" dir="t"/>
-    </dgm:scene3d>
-    <dgm:sp3d/>
-    <dgm:txPr/>
-    <dgm:style>
-      <a:lnRef idx="2">
-        <a:scrgbClr r="0" g="0" b="0"/>
-      </a:lnRef>
-      <a:fillRef idx="1">
-        <a:scrgbClr r="0" g="0" b="0"/>
-      </a:fillRef>
-      <a:effectRef idx="0">
-        <a:scrgbClr r="0" g="0" b="0"/>
-      </a:effectRef>
-      <a:fontRef idx="minor"/>
-    </dgm:style>
-  </dgm:styleLbl>
-  <dgm:styleLbl name="fgAcc0">
-    <dgm:scene3d>
-      <a:camera prst="orthographicFront"/>
-      <a:lightRig rig="threePt" dir="t"/>
-    </dgm:scene3d>
-    <dgm:sp3d/>
-    <dgm:txPr/>
-    <dgm:style>
-      <a:lnRef idx="2">
-        <a:scrgbClr r="0" g="0" b="0"/>
-      </a:lnRef>
-      <a:fillRef idx="1">
-        <a:scrgbClr r="0" g="0" b="0"/>
-      </a:fillRef>
-      <a:effectRef idx="0">
-        <a:scrgbClr r="0" g="0" b="0"/>
-      </a:effectRef>
-      <a:fontRef idx="minor"/>
-    </dgm:style>
-  </dgm:styleLbl>
-  <dgm:styleLbl name="fgAcc2">
-    <dgm:scene3d>
-      <a:camera prst="orthographicFront"/>
-      <a:lightRig rig="threePt" dir="t"/>
-    </dgm:scene3d>
-    <dgm:sp3d/>
-    <dgm:txPr/>
-    <dgm:style>
-      <a:lnRef idx="2">
-        <a:scrgbClr r="0" g="0" b="0"/>
-      </a:lnRef>
-      <a:fillRef idx="1">
-        <a:scrgbClr r="0" g="0" b="0"/>
-      </a:fillRef>
-      <a:effectRef idx="0">
-        <a:scrgbClr r="0" g="0" b="0"/>
-      </a:effectRef>
-      <a:fontRef idx="minor"/>
-    </dgm:style>
-  </dgm:styleLbl>
-  <dgm:styleLbl name="fgAcc3">
-    <dgm:scene3d>
-      <a:camera prst="orthographicFront"/>
-      <a:lightRig rig="threePt" dir="t"/>
-    </dgm:scene3d>
-    <dgm:sp3d/>
-    <dgm:txPr/>
-    <dgm:style>
-      <a:lnRef idx="2">
-        <a:scrgbClr r="0" g="0" b="0"/>
-      </a:lnRef>
-      <a:fillRef idx="1">
-        <a:scrgbClr r="0" g="0" b="0"/>
-      </a:fillRef>
-      <a:effectRef idx="0">
-        <a:scrgbClr r="0" g="0" b="0"/>
-      </a:effectRef>
-      <a:fontRef idx="minor"/>
-    </dgm:style>
-  </dgm:styleLbl>
-  <dgm:styleLbl name="fgAcc4">
-    <dgm:scene3d>
-      <a:camera prst="orthographicFront"/>
-      <a:lightRig rig="threePt" dir="t"/>
-    </dgm:scene3d>
-    <dgm:sp3d/>
-    <dgm:txPr/>
-    <dgm:style>
-      <a:lnRef idx="2">
-        <a:scrgbClr r="0" g="0" b="0"/>
-      </a:lnRef>
-      <a:fillRef idx="1">
-        <a:scrgbClr r="0" g="0" b="0"/>
-      </a:fillRef>
-      <a:effectRef idx="0">
-        <a:scrgbClr r="0" g="0" b="0"/>
-      </a:effectRef>
-      <a:fontRef idx="minor"/>
-    </dgm:style>
-  </dgm:styleLbl>
-  <dgm:styleLbl name="bgShp">
-    <dgm:scene3d>
-      <a:camera prst="orthographicFront"/>
-      <a:lightRig rig="threePt" dir="t"/>
-    </dgm:scene3d>
-    <dgm:sp3d/>
-    <dgm:txPr/>
-    <dgm:style>
-      <a:lnRef idx="0">
-        <a:scrgbClr r="0" g="0" b="0"/>
-      </a:lnRef>
-      <a:fillRef idx="1">
-        <a:scrgbClr r="0" g="0" b="0"/>
-      </a:fillRef>
-      <a:effectRef idx="0">
-        <a:scrgbClr r="0" g="0" b="0"/>
-      </a:effectRef>
-      <a:fontRef idx="minor"/>
-    </dgm:style>
-  </dgm:styleLbl>
-  <dgm:styleLbl name="dkBgShp">
-    <dgm:scene3d>
-      <a:camera prst="orthographicFront"/>
-      <a:lightRig rig="threePt" dir="t"/>
-    </dgm:scene3d>
-    <dgm:sp3d/>
-    <dgm:txPr/>
-    <dgm:style>
-      <a:lnRef idx="0">
-        <a:scrgbClr r="0" g="0" b="0"/>
-      </a:lnRef>
-      <a:fillRef idx="1">
-        <a:scrgbClr r="0" g="0" b="0"/>
-      </a:fillRef>
-      <a:effectRef idx="0">
-        <a:scrgbClr r="0" g="0" b="0"/>
-      </a:effectRef>
-      <a:fontRef idx="minor"/>
-    </dgm:style>
-  </dgm:styleLbl>
-  <dgm:styleLbl name="trBgShp">
-    <dgm:scene3d>
-      <a:camera prst="orthographicFront"/>
-      <a:lightRig rig="threePt" dir="t"/>
-    </dgm:scene3d>
-    <dgm:sp3d/>
-    <dgm:txPr/>
-    <dgm:style>
-      <a:lnRef idx="0">
-        <a:scrgbClr r="0" g="0" b="0"/>
-      </a:lnRef>
-      <a:fillRef idx="1">
-        <a:scrgbClr r="0" g="0" b="0"/>
-      </a:fillRef>
-      <a:effectRef idx="0">
-        <a:scrgbClr r="0" g="0" b="0"/>
-      </a:effectRef>
-      <a:fontRef idx="minor"/>
-    </dgm:style>
-  </dgm:styleLbl>
-  <dgm:styleLbl name="fgShp">
-    <dgm:scene3d>
-      <a:camera prst="orthographicFront"/>
-      <a:lightRig rig="threePt" dir="t"/>
-    </dgm:scene3d>
-    <dgm:sp3d/>
-    <dgm:txPr/>
-    <dgm:style>
-      <a:lnRef idx="2">
-        <a:scrgbClr r="0" g="0" b="0"/>
-      </a:lnRef>
-      <a:fillRef idx="1">
-        <a:scrgbClr r="0" g="0" b="0"/>
-      </a:fillRef>
-      <a:effectRef idx="0">
-        <a:scrgbClr r="0" g="0" b="0"/>
-      </a:effectRef>
-      <a:fontRef idx="minor"/>
-    </dgm:style>
-  </dgm:styleLbl>
-  <dgm:styleLbl name="revTx">
-    <dgm:scene3d>
-      <a:camera prst="orthographicFront"/>
-      <a:lightRig rig="threePt" dir="t"/>
-    </dgm:scene3d>
-    <dgm:sp3d/>
-    <dgm:txPr/>
-    <dgm:style>
-      <a:lnRef idx="0">
-        <a:scrgbClr r="0" g="0" b="0"/>
-      </a:lnRef>
-      <a:fillRef idx="0">
-        <a:scrgbClr r="0" g="0" b="0"/>
-      </a:fillRef>
-      <a:effectRef idx="0">
-        <a:scrgbClr r="0" g="0" b="0"/>
-      </a:effectRef>
-      <a:fontRef idx="minor"/>
-    </dgm:style>
-  </dgm:styleLbl>
-</dgm:styleDef>
-</file>
-
 <file path=ppt/handoutMasters/handoutMaster1.xml><?xml version="1.0" encoding="utf-8"?>
 <p:handoutMaster xmlns:a="http://schemas.openxmlformats.org/drawingml/2006/main" xmlns:r="http://schemas.openxmlformats.org/officeDocument/2006/relationships" xmlns:p="http://schemas.openxmlformats.org/presentationml/2006/main">
   <p:cSld>
@@ -3230,7 +213,7 @@
             <a:pPr rtl="0"/>
             <a:fld id="{3AA7418C-1A37-4630-8C30-B2836F55C532}" type="datetime1">
               <a:rPr lang="zh-TW" altLang="en-US" smtClean="0"/>
-              <a:t>2020/12/8</a:t>
+              <a:t>2020/12/9</a:t>
             </a:fld>
             <a:endParaRPr lang="en-US" dirty="0"/>
           </a:p>
@@ -3400,7 +383,7 @@
             <a:pPr rtl="0"/>
             <a:fld id="{AB916EA9-9B8C-4B06-BBDB-07A75F4AF607}" type="datetime1">
               <a:rPr lang="zh-TW" altLang="en-US" smtClean="0"/>
-              <a:t>2020/12/8</a:t>
+              <a:t>2020/12/9</a:t>
             </a:fld>
             <a:endParaRPr lang="en-US"/>
           </a:p>
@@ -4147,7 +1130,7 @@
           <a:p>
             <a:fld id="{4D9EAB54-90A7-4427-8D5D-1517AC1256FE}" type="datetime1">
               <a:rPr lang="zh-TW" altLang="en-US" smtClean="0"/>
-              <a:t>2020/12/8</a:t>
+              <a:t>2020/12/9</a:t>
             </a:fld>
             <a:endParaRPr lang="en-US" dirty="0"/>
           </a:p>
@@ -4356,7 +1339,7 @@
             <a:pPr rtl="0"/>
             <a:fld id="{0DE064CC-B997-463F-949D-526814740EEF}" type="datetime1">
               <a:rPr lang="zh-TW" altLang="en-US" smtClean="0"/>
-              <a:t>2020/12/8</a:t>
+              <a:t>2020/12/9</a:t>
             </a:fld>
             <a:endParaRPr lang="en-US"/>
           </a:p>
@@ -4540,7 +1523,7 @@
             <a:pPr rtl="0"/>
             <a:fld id="{22128EAF-448F-42C4-BB03-9B0CC8E0C77B}" type="datetime1">
               <a:rPr lang="zh-TW" altLang="en-US" smtClean="0"/>
-              <a:t>2020/12/8</a:t>
+              <a:t>2020/12/9</a:t>
             </a:fld>
             <a:endParaRPr lang="en-US"/>
           </a:p>
@@ -4714,7 +1697,7 @@
             <a:pPr rtl="0"/>
             <a:fld id="{CE847876-3A2B-49FA-B396-40048599C954}" type="datetime1">
               <a:rPr lang="zh-TW" altLang="en-US" smtClean="0"/>
-              <a:t>2020/12/8</a:t>
+              <a:t>2020/12/9</a:t>
             </a:fld>
             <a:endParaRPr lang="en-US"/>
           </a:p>
@@ -5318,7 +2301,7 @@
           <a:p>
             <a:fld id="{294347CA-4B58-4AEE-8DA6-4E2B096FC96F}" type="datetime1">
               <a:rPr lang="zh-TW" altLang="en-US" smtClean="0"/>
-              <a:t>2020/12/8</a:t>
+              <a:t>2020/12/9</a:t>
             </a:fld>
             <a:endParaRPr dirty="0"/>
           </a:p>
@@ -5645,7 +2628,7 @@
             <a:pPr rtl="0"/>
             <a:fld id="{23CCF91B-17D2-4072-B2E9-D16F58DFD8EB}" type="datetime1">
               <a:rPr lang="zh-TW" altLang="en-US" smtClean="0"/>
-              <a:t>2020/12/8</a:t>
+              <a:t>2020/12/9</a:t>
             </a:fld>
             <a:endParaRPr lang="en-US"/>
           </a:p>
@@ -6086,7 +3069,7 @@
             <a:pPr rtl="0"/>
             <a:fld id="{9651C41F-D9A3-457D-A3FA-0A5DBEF4266B}" type="datetime1">
               <a:rPr lang="zh-TW" altLang="en-US" smtClean="0"/>
-              <a:t>2020/12/8</a:t>
+              <a:t>2020/12/9</a:t>
             </a:fld>
             <a:endParaRPr lang="en-US" dirty="0"/>
           </a:p>
@@ -6208,7 +3191,7 @@
             <a:pPr rtl="0"/>
             <a:fld id="{A33183BB-2861-4A80-80A6-2C9B82653C78}" type="datetime1">
               <a:rPr lang="zh-TW" altLang="en-US" smtClean="0"/>
-              <a:t>2020/12/8</a:t>
+              <a:t>2020/12/9</a:t>
             </a:fld>
             <a:endParaRPr lang="en-US"/>
           </a:p>
@@ -6306,7 +3289,7 @@
             <a:pPr rtl="0"/>
             <a:fld id="{956085DB-A18D-4659-BA29-412FA9C45839}" type="datetime1">
               <a:rPr lang="zh-TW" altLang="en-US" smtClean="0"/>
-              <a:t>2020/12/8</a:t>
+              <a:t>2020/12/9</a:t>
             </a:fld>
             <a:endParaRPr lang="en-US"/>
           </a:p>
@@ -6744,7 +3727,7 @@
             <a:pPr rtl="0"/>
             <a:fld id="{453BEA6C-00E9-40EA-A338-3A3492325C3F}" type="datetime1">
               <a:rPr lang="zh-TW" altLang="en-US" smtClean="0"/>
-              <a:t>2020/12/8</a:t>
+              <a:t>2020/12/9</a:t>
             </a:fld>
             <a:endParaRPr lang="en-US" dirty="0"/>
           </a:p>
@@ -7010,7 +3993,7 @@
           <a:p>
             <a:fld id="{0827CC67-2DD7-42FE-B417-D6036783A853}" type="datetime1">
               <a:rPr lang="zh-TW" altLang="en-US" smtClean="0"/>
-              <a:t>2020/12/8</a:t>
+              <a:t>2020/12/9</a:t>
             </a:fld>
             <a:endParaRPr lang="en-US" dirty="0"/>
           </a:p>
@@ -7531,7 +4514,7 @@
           <a:p>
             <a:fld id="{46C11105-4E24-4682-A6F5-E2BADE4D0872}" type="datetime1">
               <a:rPr lang="zh-TW" altLang="en-US" smtClean="0"/>
-              <a:t>2020/12/8</a:t>
+              <a:t>2020/12/9</a:t>
             </a:fld>
             <a:endParaRPr lang="en-US" dirty="0"/>
           </a:p>
@@ -8247,14 +5230,6 @@
 <file path=ppt/slides/slide2.xml><?xml version="1.0" encoding="utf-8"?>
 <p:sld xmlns:a="http://schemas.openxmlformats.org/drawingml/2006/main" xmlns:r="http://schemas.openxmlformats.org/officeDocument/2006/relationships" xmlns:p="http://schemas.openxmlformats.org/presentationml/2006/main">
   <p:cSld>
-    <p:bg>
-      <p:bgPr>
-        <a:solidFill>
-          <a:schemeClr val="bg1"/>
-        </a:solidFill>
-        <a:effectLst/>
-      </p:bgPr>
-    </p:bg>
     <p:spTree>
       <p:nvGrpSpPr>
         <p:cNvPr id="1" name=""/>
@@ -8274,7 +5249,7 @@
           <p:cNvPr id="2" name="標題 1">
             <a:extLst>
               <a:ext uri="{FF2B5EF4-FFF2-40B4-BE49-F238E27FC236}">
-                <a16:creationId xmlns:a16="http://schemas.microsoft.com/office/drawing/2014/main" id="{7A4919D0-F177-4BBA-9A0B-DBA69E2ED764}"/>
+                <a16:creationId xmlns:a16="http://schemas.microsoft.com/office/drawing/2014/main" id="{81215089-BD8E-4EAE-82A2-5F8AB424EF4A}"/>
               </a:ext>
             </a:extLst>
           </p:cNvPr>
@@ -8285,61 +5260,85 @@
             <p:ph type="title"/>
           </p:nvPr>
         </p:nvSpPr>
-        <p:spPr>
-          <a:xfrm>
-            <a:off x="1066800" y="642594"/>
-            <a:ext cx="10058400" cy="1371600"/>
-          </a:xfrm>
-        </p:spPr>
-        <p:txBody>
-          <a:bodyPr rtlCol="0">
+        <p:spPr/>
+        <p:txBody>
+          <a:bodyPr>
             <a:normAutofit/>
           </a:bodyPr>
           <a:lstStyle/>
           <a:p>
-            <a:pPr algn="ctr" rtl="0"/>
-            <a:r>
-              <a:rPr lang="zh-tw" dirty="0"/>
-              <a:t>Title Lorem Ipsum</a:t>
-            </a:r>
-          </a:p>
-        </p:txBody>
-      </p:sp>
-      <p:graphicFrame>
-        <p:nvGraphicFramePr>
-          <p:cNvPr id="5" name="內容版面配置區 2">
+            <a:r>
+              <a:rPr lang="en-US" altLang="zh-TW" sz="3500" dirty="0">
+                <a:latin typeface="Arial" panose="020B0604020202020204" pitchFamily="34" charset="0"/>
+                <a:cs typeface="Arial" panose="020B0604020202020204" pitchFamily="34" charset="0"/>
+              </a:rPr>
+              <a:t>Bert for token classification</a:t>
+            </a:r>
+            <a:endParaRPr lang="zh-TW" altLang="en-US" sz="3500" dirty="0">
+              <a:latin typeface="Arial" panose="020B0604020202020204" pitchFamily="34" charset="0"/>
+              <a:cs typeface="Arial" panose="020B0604020202020204" pitchFamily="34" charset="0"/>
+            </a:endParaRPr>
+          </a:p>
+        </p:txBody>
+      </p:sp>
+      <p:sp>
+        <p:nvSpPr>
+          <p:cNvPr id="3" name="文字版面配置區 2">
             <a:extLst>
               <a:ext uri="{FF2B5EF4-FFF2-40B4-BE49-F238E27FC236}">
-                <a16:creationId xmlns:a16="http://schemas.microsoft.com/office/drawing/2014/main" id="{91DB1382-7276-49FA-9632-38D558F457E3}"/>
+                <a16:creationId xmlns:a16="http://schemas.microsoft.com/office/drawing/2014/main" id="{542292AC-B92D-4917-9454-B92A9D723057}"/>
               </a:ext>
             </a:extLst>
           </p:cNvPr>
-          <p:cNvGraphicFramePr>
-            <a:graphicFrameLocks noGrp="1"/>
-          </p:cNvGraphicFramePr>
-          <p:nvPr>
-            <p:ph idx="1"/>
-            <p:extLst>
-              <p:ext uri="{D42A27DB-BD31-4B8C-83A1-F6EECF244321}">
-                <p14:modId xmlns:p14="http://schemas.microsoft.com/office/powerpoint/2010/main" val="2453174868"/>
-              </p:ext>
-            </p:extLst>
-          </p:nvPr>
-        </p:nvGraphicFramePr>
-        <p:xfrm>
-          <a:off x="1066800" y="2310063"/>
-          <a:ext cx="10058400" cy="3725612"/>
-        </p:xfrm>
-        <a:graphic>
-          <a:graphicData uri="http://schemas.openxmlformats.org/drawingml/2006/diagram">
-            <dgm:relIds xmlns:dgm="http://schemas.openxmlformats.org/drawingml/2006/diagram" xmlns:r="http://schemas.openxmlformats.org/officeDocument/2006/relationships" r:dm="rId2" r:lo="rId3" r:qs="rId4" r:cs="rId5"/>
-          </a:graphicData>
-        </a:graphic>
-      </p:graphicFrame>
+          <p:cNvSpPr>
+            <a:spLocks noGrp="1"/>
+          </p:cNvSpPr>
+          <p:nvPr>
+            <p:ph type="body" idx="1"/>
+          </p:nvPr>
+        </p:nvSpPr>
+        <p:spPr/>
+        <p:txBody>
+          <a:bodyPr/>
+          <a:lstStyle/>
+          <a:p>
+            <a:endParaRPr lang="zh-TW" altLang="en-US"/>
+          </a:p>
+        </p:txBody>
+      </p:sp>
+      <p:sp>
+        <p:nvSpPr>
+          <p:cNvPr id="4" name="日期版面配置區 3">
+            <a:extLst>
+              <a:ext uri="{FF2B5EF4-FFF2-40B4-BE49-F238E27FC236}">
+                <a16:creationId xmlns:a16="http://schemas.microsoft.com/office/drawing/2014/main" id="{3B05FB02-E6AE-4498-8B6D-9B874C69A429}"/>
+              </a:ext>
+            </a:extLst>
+          </p:cNvPr>
+          <p:cNvSpPr>
+            <a:spLocks noGrp="1"/>
+          </p:cNvSpPr>
+          <p:nvPr>
+            <p:ph type="dt" sz="half" idx="10"/>
+          </p:nvPr>
+        </p:nvSpPr>
+        <p:spPr/>
+        <p:txBody>
+          <a:bodyPr/>
+          <a:lstStyle/>
+          <a:p>
+            <a:fld id="{294347CA-4B58-4AEE-8DA6-4E2B096FC96F}" type="datetime1">
+              <a:rPr lang="en-US" altLang="zh-TW" smtClean="0"/>
+              <a:t>12/9/2020</a:t>
+            </a:fld>
+            <a:endParaRPr lang="zh-TW" altLang="en-US" dirty="0"/>
+          </a:p>
+        </p:txBody>
+      </p:sp>
     </p:spTree>
     <p:extLst>
       <p:ext uri="{BB962C8B-B14F-4D97-AF65-F5344CB8AC3E}">
-        <p14:creationId xmlns:p14="http://schemas.microsoft.com/office/powerpoint/2010/main" val="183243182"/>
+        <p14:creationId xmlns:p14="http://schemas.microsoft.com/office/powerpoint/2010/main" val="4118058465"/>
       </p:ext>
     </p:extLst>
   </p:cSld>
@@ -8371,7 +5370,7 @@
           <p:cNvPr id="2" name="標題 1">
             <a:extLst>
               <a:ext uri="{FF2B5EF4-FFF2-40B4-BE49-F238E27FC236}">
-                <a16:creationId xmlns:a16="http://schemas.microsoft.com/office/drawing/2014/main" id="{81215089-BD8E-4EAE-82A2-5F8AB424EF4A}"/>
+                <a16:creationId xmlns:a16="http://schemas.microsoft.com/office/drawing/2014/main" id="{856CA55C-8FF6-4407-9628-C5D341829B5F}"/>
               </a:ext>
             </a:extLst>
           </p:cNvPr>
@@ -8382,7 +5381,46 @@
             <p:ph type="title"/>
           </p:nvPr>
         </p:nvSpPr>
-        <p:spPr/>
+        <p:spPr>
+          <a:xfrm>
+            <a:off x="1066800" y="642594"/>
+            <a:ext cx="10058400" cy="903177"/>
+          </a:xfrm>
+        </p:spPr>
+        <p:txBody>
+          <a:bodyPr/>
+          <a:lstStyle/>
+          <a:p>
+            <a:r>
+              <a:rPr lang="en-US" altLang="zh-TW" dirty="0"/>
+              <a:t>Example 1 </a:t>
+            </a:r>
+            <a:endParaRPr lang="zh-TW" altLang="en-US" dirty="0"/>
+          </a:p>
+        </p:txBody>
+      </p:sp>
+      <p:sp>
+        <p:nvSpPr>
+          <p:cNvPr id="3" name="內容版面配置區 2">
+            <a:extLst>
+              <a:ext uri="{FF2B5EF4-FFF2-40B4-BE49-F238E27FC236}">
+                <a16:creationId xmlns:a16="http://schemas.microsoft.com/office/drawing/2014/main" id="{A761A05B-659F-4960-98FF-4F54E37A4A30}"/>
+              </a:ext>
+            </a:extLst>
+          </p:cNvPr>
+          <p:cNvSpPr>
+            <a:spLocks noGrp="1"/>
+          </p:cNvSpPr>
+          <p:nvPr>
+            <p:ph idx="1"/>
+          </p:nvPr>
+        </p:nvSpPr>
+        <p:spPr>
+          <a:xfrm>
+            <a:off x="1066800" y="1545771"/>
+            <a:ext cx="10058400" cy="4406973"/>
+          </a:xfrm>
+        </p:spPr>
         <p:txBody>
           <a:bodyPr>
             <a:normAutofit/>
@@ -8390,25 +5428,65 @@
           <a:lstStyle/>
           <a:p>
             <a:r>
-              <a:rPr lang="en-US" altLang="zh-TW" sz="3500" dirty="0">
-                <a:latin typeface="Arial" panose="020B0604020202020204" pitchFamily="34" charset="0"/>
-                <a:cs typeface="Arial" panose="020B0604020202020204" pitchFamily="34" charset="0"/>
+              <a:rPr lang="en-US" altLang="zh-TW" sz="3000" dirty="0">
+                <a:solidFill>
+                  <a:srgbClr val="FF0000"/>
+                </a:solidFill>
               </a:rPr>
-              <a:t>Bert for token classification</a:t>
-            </a:r>
-            <a:endParaRPr lang="zh-TW" altLang="en-US" sz="3500" dirty="0">
-              <a:latin typeface="Arial" panose="020B0604020202020204" pitchFamily="34" charset="0"/>
-              <a:cs typeface="Arial" panose="020B0604020202020204" pitchFamily="34" charset="0"/>
-            </a:endParaRPr>
-          </a:p>
-        </p:txBody>
-      </p:sp>
-      <p:sp>
-        <p:nvSpPr>
-          <p:cNvPr id="3" name="文字版面配置區 2">
+              <a:t>Text </a:t>
+            </a:r>
+            <a:r>
+              <a:rPr lang="en-US" altLang="zh-TW" sz="3000" dirty="0"/>
+              <a:t>: </a:t>
+            </a:r>
+            <a:r>
+              <a:rPr lang="en-US" altLang="zh-TW" sz="3000" dirty="0">
+                <a:solidFill>
+                  <a:srgbClr val="FF0000"/>
+                </a:solidFill>
+              </a:rPr>
+              <a:t>The United Kingdom </a:t>
+            </a:r>
+            <a:r>
+              <a:rPr lang="en-US" altLang="zh-TW" sz="3000" dirty="0"/>
+              <a:t>has become the first Western nation to begin </a:t>
+            </a:r>
+            <a:r>
+              <a:rPr lang="en-US" altLang="zh-TW" sz="3000" dirty="0">
+                <a:solidFill>
+                  <a:srgbClr val="FF0000"/>
+                </a:solidFill>
+              </a:rPr>
+              <a:t>vaccinating</a:t>
+            </a:r>
+            <a:r>
+              <a:rPr lang="en-US" altLang="zh-TW" sz="3000" dirty="0"/>
+              <a:t> its citizens with a Covid-19 shot outside of clinical trials -- a landmark moment in the </a:t>
+            </a:r>
+            <a:r>
+              <a:rPr lang="en-US" altLang="zh-TW" sz="3000" dirty="0">
+                <a:solidFill>
+                  <a:srgbClr val="FF0000"/>
+                </a:solidFill>
+              </a:rPr>
+              <a:t>coronavirus pandemic</a:t>
+            </a:r>
+            <a:r>
+              <a:rPr lang="en-US" altLang="zh-TW" sz="3000" dirty="0"/>
+              <a:t>.</a:t>
+            </a:r>
+          </a:p>
+          <a:p>
+            <a:endParaRPr lang="zh-TW" altLang="en-US" sz="2000" dirty="0"/>
+          </a:p>
+        </p:txBody>
+      </p:sp>
+      <p:sp>
+        <p:nvSpPr>
+          <p:cNvPr id="4" name="日期版面配置區 3">
             <a:extLst>
               <a:ext uri="{FF2B5EF4-FFF2-40B4-BE49-F238E27FC236}">
-                <a16:creationId xmlns:a16="http://schemas.microsoft.com/office/drawing/2014/main" id="{542292AC-B92D-4917-9454-B92A9D723057}"/>
+                <a16:creationId xmlns:a16="http://schemas.microsoft.com/office/drawing/2014/main" id="{06F63C0C-8CD6-49C2-B9B4-8700A4380659}"/>
               </a:ext>
             </a:extLst>
           </p:cNvPr>
@@ -8416,7 +5494,7 @@
             <a:spLocks noGrp="1"/>
           </p:cNvSpPr>
           <p:nvPr>
-            <p:ph type="body" idx="1"/>
+            <p:ph type="dt" sz="half" idx="10"/>
           </p:nvPr>
         </p:nvSpPr>
         <p:spPr/>
@@ -8424,43 +5502,19 @@
           <a:bodyPr/>
           <a:lstStyle/>
           <a:p>
-            <a:endParaRPr lang="zh-TW" altLang="en-US"/>
-          </a:p>
-        </p:txBody>
-      </p:sp>
-      <p:sp>
-        <p:nvSpPr>
-          <p:cNvPr id="4" name="日期版面配置區 3">
-            <a:extLst>
-              <a:ext uri="{FF2B5EF4-FFF2-40B4-BE49-F238E27FC236}">
-                <a16:creationId xmlns:a16="http://schemas.microsoft.com/office/drawing/2014/main" id="{3B05FB02-E6AE-4498-8B6D-9B874C69A429}"/>
-              </a:ext>
-            </a:extLst>
-          </p:cNvPr>
-          <p:cNvSpPr>
-            <a:spLocks noGrp="1"/>
-          </p:cNvSpPr>
-          <p:nvPr>
-            <p:ph type="dt" sz="half" idx="10"/>
-          </p:nvPr>
-        </p:nvSpPr>
-        <p:spPr/>
-        <p:txBody>
-          <a:bodyPr/>
-          <a:lstStyle/>
-          <a:p>
-            <a:fld id="{294347CA-4B58-4AEE-8DA6-4E2B096FC96F}" type="datetime1">
-              <a:rPr lang="en-US" altLang="zh-TW" smtClean="0"/>
-              <a:t>12/8/2020</a:t>
+            <a:pPr rtl="0"/>
+            <a:fld id="{CE847876-3A2B-49FA-B396-40048599C954}" type="datetime1">
+              <a:rPr lang="zh-TW" altLang="en-US" smtClean="0"/>
+              <a:t>2020/12/9</a:t>
             </a:fld>
-            <a:endParaRPr lang="zh-TW" altLang="en-US" dirty="0"/>
+            <a:endParaRPr lang="en-US"/>
           </a:p>
         </p:txBody>
       </p:sp>
     </p:spTree>
     <p:extLst>
       <p:ext uri="{BB962C8B-B14F-4D97-AF65-F5344CB8AC3E}">
-        <p14:creationId xmlns:p14="http://schemas.microsoft.com/office/powerpoint/2010/main" val="4118058465"/>
+        <p14:creationId xmlns:p14="http://schemas.microsoft.com/office/powerpoint/2010/main" val="3179790721"/>
       </p:ext>
     </p:extLst>
   </p:cSld>
@@ -8492,182 +5546,6 @@
           <p:cNvPr id="2" name="標題 1">
             <a:extLst>
               <a:ext uri="{FF2B5EF4-FFF2-40B4-BE49-F238E27FC236}">
-                <a16:creationId xmlns:a16="http://schemas.microsoft.com/office/drawing/2014/main" id="{856CA55C-8FF6-4407-9628-C5D341829B5F}"/>
-              </a:ext>
-            </a:extLst>
-          </p:cNvPr>
-          <p:cNvSpPr>
-            <a:spLocks noGrp="1"/>
-          </p:cNvSpPr>
-          <p:nvPr>
-            <p:ph type="title"/>
-          </p:nvPr>
-        </p:nvSpPr>
-        <p:spPr>
-          <a:xfrm>
-            <a:off x="1066800" y="642594"/>
-            <a:ext cx="10058400" cy="903177"/>
-          </a:xfrm>
-        </p:spPr>
-        <p:txBody>
-          <a:bodyPr/>
-          <a:lstStyle/>
-          <a:p>
-            <a:r>
-              <a:rPr lang="en-US" altLang="zh-TW" dirty="0"/>
-              <a:t>Example 1 </a:t>
-            </a:r>
-            <a:endParaRPr lang="zh-TW" altLang="en-US" dirty="0"/>
-          </a:p>
-        </p:txBody>
-      </p:sp>
-      <p:sp>
-        <p:nvSpPr>
-          <p:cNvPr id="3" name="內容版面配置區 2">
-            <a:extLst>
-              <a:ext uri="{FF2B5EF4-FFF2-40B4-BE49-F238E27FC236}">
-                <a16:creationId xmlns:a16="http://schemas.microsoft.com/office/drawing/2014/main" id="{A761A05B-659F-4960-98FF-4F54E37A4A30}"/>
-              </a:ext>
-            </a:extLst>
-          </p:cNvPr>
-          <p:cNvSpPr>
-            <a:spLocks noGrp="1"/>
-          </p:cNvSpPr>
-          <p:nvPr>
-            <p:ph idx="1"/>
-          </p:nvPr>
-        </p:nvSpPr>
-        <p:spPr>
-          <a:xfrm>
-            <a:off x="1066800" y="1545771"/>
-            <a:ext cx="10058400" cy="4406973"/>
-          </a:xfrm>
-        </p:spPr>
-        <p:txBody>
-          <a:bodyPr>
-            <a:normAutofit/>
-          </a:bodyPr>
-          <a:lstStyle/>
-          <a:p>
-            <a:r>
-              <a:rPr lang="en-US" altLang="zh-TW" sz="3000" dirty="0">
-                <a:solidFill>
-                  <a:srgbClr val="FF0000"/>
-                </a:solidFill>
-              </a:rPr>
-              <a:t>Text </a:t>
-            </a:r>
-            <a:r>
-              <a:rPr lang="en-US" altLang="zh-TW" sz="3000" dirty="0"/>
-              <a:t>: </a:t>
-            </a:r>
-            <a:r>
-              <a:rPr lang="en-US" altLang="zh-TW" sz="3000" dirty="0">
-                <a:solidFill>
-                  <a:srgbClr val="FF0000"/>
-                </a:solidFill>
-              </a:rPr>
-              <a:t>The United Kingdom </a:t>
-            </a:r>
-            <a:r>
-              <a:rPr lang="en-US" altLang="zh-TW" sz="3000" dirty="0"/>
-              <a:t>has become the first Western nation to begin </a:t>
-            </a:r>
-            <a:r>
-              <a:rPr lang="en-US" altLang="zh-TW" sz="3000" dirty="0">
-                <a:solidFill>
-                  <a:srgbClr val="FF0000"/>
-                </a:solidFill>
-              </a:rPr>
-              <a:t>vaccinating</a:t>
-            </a:r>
-            <a:r>
-              <a:rPr lang="en-US" altLang="zh-TW" sz="3000" dirty="0"/>
-              <a:t> its citizens with a Covid-19 shot outside of clinical trials -- a landmark moment in the </a:t>
-            </a:r>
-            <a:r>
-              <a:rPr lang="en-US" altLang="zh-TW" sz="3000" dirty="0">
-                <a:solidFill>
-                  <a:srgbClr val="FF0000"/>
-                </a:solidFill>
-              </a:rPr>
-              <a:t>coronavirus pandemic</a:t>
-            </a:r>
-            <a:r>
-              <a:rPr lang="en-US" altLang="zh-TW" sz="3000" dirty="0"/>
-              <a:t>.</a:t>
-            </a:r>
-          </a:p>
-          <a:p>
-            <a:endParaRPr lang="zh-TW" altLang="en-US" sz="2000" dirty="0"/>
-          </a:p>
-        </p:txBody>
-      </p:sp>
-      <p:sp>
-        <p:nvSpPr>
-          <p:cNvPr id="4" name="日期版面配置區 3">
-            <a:extLst>
-              <a:ext uri="{FF2B5EF4-FFF2-40B4-BE49-F238E27FC236}">
-                <a16:creationId xmlns:a16="http://schemas.microsoft.com/office/drawing/2014/main" id="{06F63C0C-8CD6-49C2-B9B4-8700A4380659}"/>
-              </a:ext>
-            </a:extLst>
-          </p:cNvPr>
-          <p:cNvSpPr>
-            <a:spLocks noGrp="1"/>
-          </p:cNvSpPr>
-          <p:nvPr>
-            <p:ph type="dt" sz="half" idx="10"/>
-          </p:nvPr>
-        </p:nvSpPr>
-        <p:spPr/>
-        <p:txBody>
-          <a:bodyPr/>
-          <a:lstStyle/>
-          <a:p>
-            <a:pPr rtl="0"/>
-            <a:fld id="{CE847876-3A2B-49FA-B396-40048599C954}" type="datetime1">
-              <a:rPr lang="zh-TW" altLang="en-US" smtClean="0"/>
-              <a:t>2020/12/8</a:t>
-            </a:fld>
-            <a:endParaRPr lang="en-US"/>
-          </a:p>
-        </p:txBody>
-      </p:sp>
-    </p:spTree>
-    <p:extLst>
-      <p:ext uri="{BB962C8B-B14F-4D97-AF65-F5344CB8AC3E}">
-        <p14:creationId xmlns:p14="http://schemas.microsoft.com/office/powerpoint/2010/main" val="3179790721"/>
-      </p:ext>
-    </p:extLst>
-  </p:cSld>
-  <p:clrMapOvr>
-    <a:masterClrMapping/>
-  </p:clrMapOvr>
-</p:sld>
-</file>
-
-<file path=ppt/slides/slide5.xml><?xml version="1.0" encoding="utf-8"?>
-<p:sld xmlns:a="http://schemas.openxmlformats.org/drawingml/2006/main" xmlns:r="http://schemas.openxmlformats.org/officeDocument/2006/relationships" xmlns:p="http://schemas.openxmlformats.org/presentationml/2006/main">
-  <p:cSld>
-    <p:spTree>
-      <p:nvGrpSpPr>
-        <p:cNvPr id="1" name=""/>
-        <p:cNvGrpSpPr/>
-        <p:nvPr/>
-      </p:nvGrpSpPr>
-      <p:grpSpPr>
-        <a:xfrm>
-          <a:off x="0" y="0"/>
-          <a:ext cx="0" cy="0"/>
-          <a:chOff x="0" y="0"/>
-          <a:chExt cx="0" cy="0"/>
-        </a:xfrm>
-      </p:grpSpPr>
-      <p:sp>
-        <p:nvSpPr>
-          <p:cNvPr id="2" name="標題 1">
-            <a:extLst>
-              <a:ext uri="{FF2B5EF4-FFF2-40B4-BE49-F238E27FC236}">
                 <a16:creationId xmlns:a16="http://schemas.microsoft.com/office/drawing/2014/main" id="{62107FF7-2502-49F3-A5A3-05AE0B39DDC8}"/>
               </a:ext>
             </a:extLst>
@@ -8932,7 +5810,7 @@
             <a:pPr rtl="0"/>
             <a:fld id="{23CCF91B-17D2-4072-B2E9-D16F58DFD8EB}" type="datetime1">
               <a:rPr lang="zh-TW" altLang="en-US" smtClean="0"/>
-              <a:t>2020/12/8</a:t>
+              <a:t>2020/12/9</a:t>
             </a:fld>
             <a:endParaRPr lang="en-US"/>
           </a:p>
@@ -9592,7 +6470,7 @@
 </p:sld>
 </file>
 
-<file path=ppt/slides/slide6.xml><?xml version="1.0" encoding="utf-8"?>
+<file path=ppt/slides/slide5.xml><?xml version="1.0" encoding="utf-8"?>
 <p:sld xmlns:a="http://schemas.openxmlformats.org/drawingml/2006/main" xmlns:r="http://schemas.openxmlformats.org/officeDocument/2006/relationships" xmlns:p="http://schemas.openxmlformats.org/presentationml/2006/main">
   <p:cSld>
     <p:spTree>
@@ -9878,7 +6756,7 @@
             <a:pPr rtl="0"/>
             <a:fld id="{23CCF91B-17D2-4072-B2E9-D16F58DFD8EB}" type="datetime1">
               <a:rPr lang="zh-TW" altLang="en-US" smtClean="0"/>
-              <a:t>2020/12/8</a:t>
+              <a:t>2020/12/9</a:t>
             </a:fld>
             <a:endParaRPr lang="en-US"/>
           </a:p>
@@ -10638,7 +7516,7 @@
 </p:sld>
 </file>
 
-<file path=ppt/slides/slide7.xml><?xml version="1.0" encoding="utf-8"?>
+<file path=ppt/slides/slide6.xml><?xml version="1.0" encoding="utf-8"?>
 <p:sld xmlns:a="http://schemas.openxmlformats.org/drawingml/2006/main" xmlns:r="http://schemas.openxmlformats.org/officeDocument/2006/relationships" xmlns:p="http://schemas.openxmlformats.org/presentationml/2006/main">
   <p:cSld>
     <p:spTree>
@@ -10707,19 +7585,17 @@
           </a:bodyPr>
           <a:lstStyle/>
           <a:p>
+            <a:pPr marL="0" indent="0">
+              <a:buNone/>
+            </a:pPr>
             <a:r>
               <a:rPr lang="zh-TW" altLang="en-US" sz="2000" dirty="0"/>
-              <a:t>訓練出的</a:t>
+              <a:t>效果不好 但準確率卻很高</a:t>
             </a:r>
             <a:r>
               <a:rPr lang="en-US" altLang="zh-TW" sz="2000" dirty="0"/>
-              <a:t>model</a:t>
-            </a:r>
-            <a:r>
-              <a:rPr lang="zh-TW" altLang="en-US" sz="2000" dirty="0"/>
-              <a:t>效果很差</a:t>
-            </a:r>
-            <a:endParaRPr lang="en-US" altLang="zh-TW" sz="2000" dirty="0"/>
+              <a:t>?</a:t>
+            </a:r>
           </a:p>
           <a:p>
             <a:endParaRPr lang="zh-TW" altLang="en-US" sz="2000" dirty="0"/>
@@ -10750,7 +7626,7 @@
             <a:pPr rtl="0"/>
             <a:fld id="{CE847876-3A2B-49FA-B396-40048599C954}" type="datetime1">
               <a:rPr lang="zh-TW" altLang="en-US" smtClean="0"/>
-              <a:t>2020/12/8</a:t>
+              <a:t>2020/12/9</a:t>
             </a:fld>
             <a:endParaRPr lang="en-US"/>
           </a:p>
@@ -10790,6 +7666,495 @@
     <p:extLst>
       <p:ext uri="{BB962C8B-B14F-4D97-AF65-F5344CB8AC3E}">
         <p14:creationId xmlns:p14="http://schemas.microsoft.com/office/powerpoint/2010/main" val="3797040394"/>
+      </p:ext>
+    </p:extLst>
+  </p:cSld>
+  <p:clrMapOvr>
+    <a:masterClrMapping/>
+  </p:clrMapOvr>
+</p:sld>
+</file>
+
+<file path=ppt/slides/slide7.xml><?xml version="1.0" encoding="utf-8"?>
+<p:sld xmlns:a="http://schemas.openxmlformats.org/drawingml/2006/main" xmlns:r="http://schemas.openxmlformats.org/officeDocument/2006/relationships" xmlns:p="http://schemas.openxmlformats.org/presentationml/2006/main">
+  <p:cSld>
+    <p:spTree>
+      <p:nvGrpSpPr>
+        <p:cNvPr id="1" name=""/>
+        <p:cNvGrpSpPr/>
+        <p:nvPr/>
+      </p:nvGrpSpPr>
+      <p:grpSpPr>
+        <a:xfrm>
+          <a:off x="0" y="0"/>
+          <a:ext cx="0" cy="0"/>
+          <a:chOff x="0" y="0"/>
+          <a:chExt cx="0" cy="0"/>
+        </a:xfrm>
+      </p:grpSpPr>
+      <p:sp>
+        <p:nvSpPr>
+          <p:cNvPr id="2" name="標題 1">
+            <a:extLst>
+              <a:ext uri="{FF2B5EF4-FFF2-40B4-BE49-F238E27FC236}">
+                <a16:creationId xmlns:a16="http://schemas.microsoft.com/office/drawing/2014/main" id="{73FFE104-EBF5-40C0-8EA4-7CE93C8208A9}"/>
+              </a:ext>
+            </a:extLst>
+          </p:cNvPr>
+          <p:cNvSpPr>
+            <a:spLocks noGrp="1"/>
+          </p:cNvSpPr>
+          <p:nvPr>
+            <p:ph type="title"/>
+          </p:nvPr>
+        </p:nvSpPr>
+        <p:spPr>
+          <a:xfrm>
+            <a:off x="1066800" y="642594"/>
+            <a:ext cx="10058400" cy="1110006"/>
+          </a:xfrm>
+        </p:spPr>
+        <p:txBody>
+          <a:bodyPr/>
+          <a:lstStyle/>
+          <a:p>
+            <a:r>
+              <a:rPr lang="en-US" altLang="zh-TW" dirty="0"/>
+              <a:t>Conclusion</a:t>
+            </a:r>
+            <a:endParaRPr lang="zh-TW" altLang="en-US" dirty="0"/>
+          </a:p>
+        </p:txBody>
+      </p:sp>
+      <p:sp>
+        <p:nvSpPr>
+          <p:cNvPr id="3" name="內容版面配置區 2">
+            <a:extLst>
+              <a:ext uri="{FF2B5EF4-FFF2-40B4-BE49-F238E27FC236}">
+                <a16:creationId xmlns:a16="http://schemas.microsoft.com/office/drawing/2014/main" id="{1EE2FCFC-39C4-40DB-97F3-D9E621FABBBF}"/>
+              </a:ext>
+            </a:extLst>
+          </p:cNvPr>
+          <p:cNvSpPr>
+            <a:spLocks noGrp="1"/>
+          </p:cNvSpPr>
+          <p:nvPr>
+            <p:ph idx="1"/>
+          </p:nvPr>
+        </p:nvSpPr>
+        <p:spPr>
+          <a:xfrm>
+            <a:off x="1066800" y="1752600"/>
+            <a:ext cx="10058400" cy="4200144"/>
+          </a:xfrm>
+        </p:spPr>
+        <p:txBody>
+          <a:bodyPr>
+            <a:normAutofit/>
+          </a:bodyPr>
+          <a:lstStyle/>
+          <a:p>
+            <a:r>
+              <a:rPr lang="zh-TW" altLang="en-US" sz="2000" dirty="0"/>
+              <a:t>結果不如預期</a:t>
+            </a:r>
+            <a:endParaRPr lang="en-US" altLang="zh-TW" sz="2000" dirty="0"/>
+          </a:p>
+          <a:p>
+            <a:r>
+              <a:rPr lang="zh-TW" altLang="en-US" sz="2000" dirty="0"/>
+              <a:t>可能的問題 </a:t>
+            </a:r>
+            <a:r>
+              <a:rPr lang="en-US" altLang="zh-TW" sz="2000" dirty="0"/>
+              <a:t>:</a:t>
+            </a:r>
+            <a:r>
+              <a:rPr lang="zh-TW" altLang="en-US" sz="2000" dirty="0"/>
+              <a:t> </a:t>
+            </a:r>
+            <a:endParaRPr lang="en-US" altLang="zh-TW" sz="2000" dirty="0"/>
+          </a:p>
+          <a:p>
+            <a:r>
+              <a:rPr lang="en-US" altLang="zh-TW" sz="2000" dirty="0"/>
+              <a:t>1. </a:t>
+            </a:r>
+            <a:r>
+              <a:rPr lang="zh-TW" altLang="en-US" sz="2000" dirty="0"/>
+              <a:t> 訓練資料處理不當</a:t>
+            </a:r>
+            <a:endParaRPr lang="en-US" altLang="zh-TW" sz="2000" dirty="0"/>
+          </a:p>
+          <a:p>
+            <a:r>
+              <a:rPr lang="en-US" altLang="zh-TW" sz="2000" dirty="0"/>
+              <a:t>2.</a:t>
+            </a:r>
+            <a:r>
+              <a:rPr lang="zh-TW" altLang="en-US" sz="2000" dirty="0"/>
+              <a:t>  </a:t>
+            </a:r>
+            <a:r>
+              <a:rPr lang="en-US" altLang="zh-TW" sz="2000" dirty="0"/>
+              <a:t>Word Tag </a:t>
+            </a:r>
+            <a:r>
+              <a:rPr lang="zh-TW" altLang="en-US" sz="2000" dirty="0"/>
+              <a:t>沒有對起來</a:t>
+            </a:r>
+            <a:endParaRPr lang="en-US" altLang="zh-TW" sz="2000" dirty="0"/>
+          </a:p>
+          <a:p>
+            <a:endParaRPr lang="en-US" altLang="zh-TW" sz="2000" dirty="0"/>
+          </a:p>
+          <a:p>
+            <a:r>
+              <a:rPr lang="en-US" altLang="zh-TW" sz="2000" dirty="0"/>
+              <a:t>Solution : </a:t>
+            </a:r>
+            <a:r>
+              <a:rPr lang="zh-TW" altLang="en-US" sz="2000" dirty="0"/>
+              <a:t>可能要讀一下</a:t>
+            </a:r>
+            <a:r>
+              <a:rPr lang="en-US" altLang="zh-TW" sz="2000" dirty="0"/>
+              <a:t>code </a:t>
+            </a:r>
+            <a:r>
+              <a:rPr lang="zh-TW" altLang="en-US" sz="2000" dirty="0"/>
+              <a:t>調整一下模型，或再找看看有沒有好一點的</a:t>
+            </a:r>
+            <a:r>
+              <a:rPr lang="en-US" altLang="zh-TW" sz="2000" dirty="0"/>
+              <a:t>code</a:t>
+            </a:r>
+          </a:p>
+        </p:txBody>
+      </p:sp>
+      <p:sp>
+        <p:nvSpPr>
+          <p:cNvPr id="4" name="日期版面配置區 3">
+            <a:extLst>
+              <a:ext uri="{FF2B5EF4-FFF2-40B4-BE49-F238E27FC236}">
+                <a16:creationId xmlns:a16="http://schemas.microsoft.com/office/drawing/2014/main" id="{D0F55862-F4B5-474C-8745-67AD84DA1C5D}"/>
+              </a:ext>
+            </a:extLst>
+          </p:cNvPr>
+          <p:cNvSpPr>
+            <a:spLocks noGrp="1"/>
+          </p:cNvSpPr>
+          <p:nvPr>
+            <p:ph type="dt" sz="half" idx="10"/>
+          </p:nvPr>
+        </p:nvSpPr>
+        <p:spPr/>
+        <p:txBody>
+          <a:bodyPr/>
+          <a:lstStyle/>
+          <a:p>
+            <a:pPr rtl="0"/>
+            <a:fld id="{CE847876-3A2B-49FA-B396-40048599C954}" type="datetime1">
+              <a:rPr lang="zh-TW" altLang="en-US" smtClean="0"/>
+              <a:t>2020/12/9</a:t>
+            </a:fld>
+            <a:endParaRPr lang="en-US"/>
+          </a:p>
+        </p:txBody>
+      </p:sp>
+    </p:spTree>
+    <p:extLst>
+      <p:ext uri="{BB962C8B-B14F-4D97-AF65-F5344CB8AC3E}">
+        <p14:creationId xmlns:p14="http://schemas.microsoft.com/office/powerpoint/2010/main" val="3435668769"/>
+      </p:ext>
+    </p:extLst>
+  </p:cSld>
+  <p:clrMapOvr>
+    <a:masterClrMapping/>
+  </p:clrMapOvr>
+</p:sld>
+</file>
+
+<file path=ppt/slides/slide8.xml><?xml version="1.0" encoding="utf-8"?>
+<p:sld xmlns:a="http://schemas.openxmlformats.org/drawingml/2006/main" xmlns:r="http://schemas.openxmlformats.org/officeDocument/2006/relationships" xmlns:p="http://schemas.openxmlformats.org/presentationml/2006/main">
+  <p:cSld>
+    <p:spTree>
+      <p:nvGrpSpPr>
+        <p:cNvPr id="1" name=""/>
+        <p:cNvGrpSpPr/>
+        <p:nvPr/>
+      </p:nvGrpSpPr>
+      <p:grpSpPr>
+        <a:xfrm>
+          <a:off x="0" y="0"/>
+          <a:ext cx="0" cy="0"/>
+          <a:chOff x="0" y="0"/>
+          <a:chExt cx="0" cy="0"/>
+        </a:xfrm>
+      </p:grpSpPr>
+      <p:sp>
+        <p:nvSpPr>
+          <p:cNvPr id="2" name="標題 1">
+            <a:extLst>
+              <a:ext uri="{FF2B5EF4-FFF2-40B4-BE49-F238E27FC236}">
+                <a16:creationId xmlns:a16="http://schemas.microsoft.com/office/drawing/2014/main" id="{2F8B5126-FA80-47EA-8324-47A9C4CAB6B0}"/>
+              </a:ext>
+            </a:extLst>
+          </p:cNvPr>
+          <p:cNvSpPr>
+            <a:spLocks noGrp="1"/>
+          </p:cNvSpPr>
+          <p:nvPr>
+            <p:ph type="title"/>
+          </p:nvPr>
+        </p:nvSpPr>
+        <p:spPr/>
+        <p:txBody>
+          <a:bodyPr/>
+          <a:lstStyle/>
+          <a:p>
+            <a:r>
+              <a:rPr lang="en-US" altLang="zh-TW" dirty="0" err="1"/>
+              <a:t>tdidf</a:t>
+            </a:r>
+            <a:endParaRPr lang="zh-TW" altLang="en-US" dirty="0"/>
+          </a:p>
+        </p:txBody>
+      </p:sp>
+      <p:sp>
+        <p:nvSpPr>
+          <p:cNvPr id="3" name="文字版面配置區 2">
+            <a:extLst>
+              <a:ext uri="{FF2B5EF4-FFF2-40B4-BE49-F238E27FC236}">
+                <a16:creationId xmlns:a16="http://schemas.microsoft.com/office/drawing/2014/main" id="{28D6A1C9-43B3-48FB-8BE2-31D99E058E37}"/>
+              </a:ext>
+            </a:extLst>
+          </p:cNvPr>
+          <p:cNvSpPr>
+            <a:spLocks noGrp="1"/>
+          </p:cNvSpPr>
+          <p:nvPr>
+            <p:ph type="body" idx="1"/>
+          </p:nvPr>
+        </p:nvSpPr>
+        <p:spPr/>
+        <p:txBody>
+          <a:bodyPr/>
+          <a:lstStyle/>
+          <a:p>
+            <a:endParaRPr lang="zh-TW" altLang="en-US"/>
+          </a:p>
+        </p:txBody>
+      </p:sp>
+      <p:sp>
+        <p:nvSpPr>
+          <p:cNvPr id="4" name="日期版面配置區 3">
+            <a:extLst>
+              <a:ext uri="{FF2B5EF4-FFF2-40B4-BE49-F238E27FC236}">
+                <a16:creationId xmlns:a16="http://schemas.microsoft.com/office/drawing/2014/main" id="{92E828C5-D7DB-4EFD-8162-5BEF079C5F7D}"/>
+              </a:ext>
+            </a:extLst>
+          </p:cNvPr>
+          <p:cNvSpPr>
+            <a:spLocks noGrp="1"/>
+          </p:cNvSpPr>
+          <p:nvPr>
+            <p:ph type="dt" sz="half" idx="10"/>
+          </p:nvPr>
+        </p:nvSpPr>
+        <p:spPr/>
+        <p:txBody>
+          <a:bodyPr/>
+          <a:lstStyle/>
+          <a:p>
+            <a:fld id="{294347CA-4B58-4AEE-8DA6-4E2B096FC96F}" type="datetime1">
+              <a:rPr lang="en-US" altLang="zh-TW" smtClean="0"/>
+              <a:t>12/9/2020</a:t>
+            </a:fld>
+            <a:endParaRPr lang="zh-TW" altLang="en-US" dirty="0"/>
+          </a:p>
+        </p:txBody>
+      </p:sp>
+    </p:spTree>
+    <p:extLst>
+      <p:ext uri="{BB962C8B-B14F-4D97-AF65-F5344CB8AC3E}">
+        <p14:creationId xmlns:p14="http://schemas.microsoft.com/office/powerpoint/2010/main" val="2956284760"/>
+      </p:ext>
+    </p:extLst>
+  </p:cSld>
+  <p:clrMapOvr>
+    <a:masterClrMapping/>
+  </p:clrMapOvr>
+</p:sld>
+</file>
+
+<file path=ppt/slides/slide9.xml><?xml version="1.0" encoding="utf-8"?>
+<p:sld xmlns:a="http://schemas.openxmlformats.org/drawingml/2006/main" xmlns:r="http://schemas.openxmlformats.org/officeDocument/2006/relationships" xmlns:p="http://schemas.openxmlformats.org/presentationml/2006/main">
+  <p:cSld>
+    <p:spTree>
+      <p:nvGrpSpPr>
+        <p:cNvPr id="1" name=""/>
+        <p:cNvGrpSpPr/>
+        <p:nvPr/>
+      </p:nvGrpSpPr>
+      <p:grpSpPr>
+        <a:xfrm>
+          <a:off x="0" y="0"/>
+          <a:ext cx="0" cy="0"/>
+          <a:chOff x="0" y="0"/>
+          <a:chExt cx="0" cy="0"/>
+        </a:xfrm>
+      </p:grpSpPr>
+      <p:sp>
+        <p:nvSpPr>
+          <p:cNvPr id="2" name="標題 1">
+            <a:extLst>
+              <a:ext uri="{FF2B5EF4-FFF2-40B4-BE49-F238E27FC236}">
+                <a16:creationId xmlns:a16="http://schemas.microsoft.com/office/drawing/2014/main" id="{C7D94E1B-D3D7-4D94-A8D0-425B74F2ADD8}"/>
+              </a:ext>
+            </a:extLst>
+          </p:cNvPr>
+          <p:cNvSpPr>
+            <a:spLocks noGrp="1"/>
+          </p:cNvSpPr>
+          <p:nvPr>
+            <p:ph type="title"/>
+          </p:nvPr>
+        </p:nvSpPr>
+        <p:spPr>
+          <a:xfrm>
+            <a:off x="1066800" y="642594"/>
+            <a:ext cx="10058400" cy="1135406"/>
+          </a:xfrm>
+        </p:spPr>
+        <p:txBody>
+          <a:bodyPr/>
+          <a:lstStyle/>
+          <a:p>
+            <a:r>
+              <a:rPr lang="en-US" altLang="zh-TW" dirty="0"/>
+              <a:t>Code 1</a:t>
+            </a:r>
+            <a:endParaRPr lang="zh-TW" altLang="en-US" dirty="0"/>
+          </a:p>
+        </p:txBody>
+      </p:sp>
+      <p:sp>
+        <p:nvSpPr>
+          <p:cNvPr id="3" name="內容版面配置區 2">
+            <a:extLst>
+              <a:ext uri="{FF2B5EF4-FFF2-40B4-BE49-F238E27FC236}">
+                <a16:creationId xmlns:a16="http://schemas.microsoft.com/office/drawing/2014/main" id="{27794124-DE1B-436B-B45A-DF6C7811843D}"/>
+              </a:ext>
+            </a:extLst>
+          </p:cNvPr>
+          <p:cNvSpPr>
+            <a:spLocks noGrp="1"/>
+          </p:cNvSpPr>
+          <p:nvPr>
+            <p:ph idx="1"/>
+          </p:nvPr>
+        </p:nvSpPr>
+        <p:spPr>
+          <a:xfrm>
+            <a:off x="1066799" y="1625600"/>
+            <a:ext cx="5564539" cy="4327144"/>
+          </a:xfrm>
+        </p:spPr>
+        <p:txBody>
+          <a:bodyPr>
+            <a:noAutofit/>
+          </a:bodyPr>
+          <a:lstStyle/>
+          <a:p>
+            <a:r>
+              <a:rPr lang="en-US" altLang="zh-TW" sz="1800" dirty="0"/>
+              <a:t>Text: The repetitive and meritless legal challenges to the November 3 election results from President Donald Trump and his allies have sent one fundamental message: Millions of votes cast by their fellow Americans are </a:t>
+            </a:r>
+            <a:r>
+              <a:rPr lang="en-US" altLang="zh-TW" sz="1800" dirty="0" err="1"/>
+              <a:t>worthless.Trump</a:t>
+            </a:r>
+            <a:r>
+              <a:rPr lang="en-US" altLang="zh-TW" sz="1800" dirty="0"/>
+              <a:t> lawyers have argued for the widescale disenfranchisement of voters, including in Pennsylvania. So far, they have failed to convince the nation's </a:t>
+            </a:r>
+            <a:r>
+              <a:rPr lang="en-US" altLang="zh-TW" sz="1800" dirty="0" err="1"/>
+              <a:t>courts.The</a:t>
+            </a:r>
+            <a:r>
+              <a:rPr lang="en-US" altLang="zh-TW" sz="1800" dirty="0"/>
+              <a:t> Supreme Court rejected one of the cases from Pennsylvania Tuesday with a single sentence. That high court action came with no explanation, yet it reinforced a pattern of lower court judges spurning a series of baseless appeals.</a:t>
+            </a:r>
+            <a:endParaRPr lang="zh-TW" altLang="en-US" sz="1800" dirty="0"/>
+          </a:p>
+        </p:txBody>
+      </p:sp>
+      <p:sp>
+        <p:nvSpPr>
+          <p:cNvPr id="4" name="日期版面配置區 3">
+            <a:extLst>
+              <a:ext uri="{FF2B5EF4-FFF2-40B4-BE49-F238E27FC236}">
+                <a16:creationId xmlns:a16="http://schemas.microsoft.com/office/drawing/2014/main" id="{C3574D2B-374F-4459-9D6C-8DB6FC5153EA}"/>
+              </a:ext>
+            </a:extLst>
+          </p:cNvPr>
+          <p:cNvSpPr>
+            <a:spLocks noGrp="1"/>
+          </p:cNvSpPr>
+          <p:nvPr>
+            <p:ph type="dt" sz="half" idx="10"/>
+          </p:nvPr>
+        </p:nvSpPr>
+        <p:spPr/>
+        <p:txBody>
+          <a:bodyPr/>
+          <a:lstStyle/>
+          <a:p>
+            <a:pPr rtl="0"/>
+            <a:fld id="{CE847876-3A2B-49FA-B396-40048599C954}" type="datetime1">
+              <a:rPr lang="zh-TW" altLang="en-US" smtClean="0"/>
+              <a:t>2020/12/9</a:t>
+            </a:fld>
+            <a:endParaRPr lang="en-US"/>
+          </a:p>
+        </p:txBody>
+      </p:sp>
+      <p:pic>
+        <p:nvPicPr>
+          <p:cNvPr id="6" name="圖片 5">
+            <a:extLst>
+              <a:ext uri="{FF2B5EF4-FFF2-40B4-BE49-F238E27FC236}">
+                <a16:creationId xmlns:a16="http://schemas.microsoft.com/office/drawing/2014/main" id="{7F61CAF2-3FD7-4954-B258-08B2F3767C45}"/>
+              </a:ext>
+            </a:extLst>
+          </p:cNvPr>
+          <p:cNvPicPr>
+            <a:picLocks noChangeAspect="1"/>
+          </p:cNvPicPr>
+          <p:nvPr/>
+        </p:nvPicPr>
+        <p:blipFill>
+          <a:blip r:embed="rId2"/>
+          <a:stretch>
+            <a:fillRect/>
+          </a:stretch>
+        </p:blipFill>
+        <p:spPr>
+          <a:xfrm>
+            <a:off x="7126639" y="2279249"/>
+            <a:ext cx="4143953" cy="3019846"/>
+          </a:xfrm>
+          <a:prstGeom prst="rect">
+            <a:avLst/>
+          </a:prstGeom>
+        </p:spPr>
+      </p:pic>
+    </p:spTree>
+    <p:extLst>
+      <p:ext uri="{BB962C8B-B14F-4D97-AF65-F5344CB8AC3E}">
+        <p14:creationId xmlns:p14="http://schemas.microsoft.com/office/powerpoint/2010/main" val="2987953717"/>
       </p:ext>
     </p:extLst>
   </p:cSld>

--- a/20201210.pptx
+++ b/20201210.pptx
@@ -5,21 +5,27 @@
     <p:sldMasterId id="2147483673" r:id="rId1"/>
   </p:sldMasterIdLst>
   <p:notesMasterIdLst>
-    <p:notesMasterId r:id="rId11"/>
+    <p:notesMasterId r:id="rId17"/>
   </p:notesMasterIdLst>
   <p:handoutMasterIdLst>
-    <p:handoutMasterId r:id="rId12"/>
+    <p:handoutMasterId r:id="rId18"/>
   </p:handoutMasterIdLst>
   <p:sldIdLst>
     <p:sldId id="257" r:id="rId2"/>
-    <p:sldId id="262" r:id="rId3"/>
-    <p:sldId id="263" r:id="rId4"/>
-    <p:sldId id="264" r:id="rId5"/>
-    <p:sldId id="265" r:id="rId6"/>
-    <p:sldId id="266" r:id="rId7"/>
-    <p:sldId id="269" r:id="rId8"/>
-    <p:sldId id="267" r:id="rId9"/>
-    <p:sldId id="268" r:id="rId10"/>
+    <p:sldId id="267" r:id="rId3"/>
+    <p:sldId id="270" r:id="rId4"/>
+    <p:sldId id="271" r:id="rId5"/>
+    <p:sldId id="274" r:id="rId6"/>
+    <p:sldId id="272" r:id="rId7"/>
+    <p:sldId id="268" r:id="rId8"/>
+    <p:sldId id="273" r:id="rId9"/>
+    <p:sldId id="275" r:id="rId10"/>
+    <p:sldId id="262" r:id="rId11"/>
+    <p:sldId id="263" r:id="rId12"/>
+    <p:sldId id="264" r:id="rId13"/>
+    <p:sldId id="265" r:id="rId14"/>
+    <p:sldId id="266" r:id="rId15"/>
+    <p:sldId id="269" r:id="rId16"/>
   </p:sldIdLst>
   <p:sldSz cx="12192000" cy="6858000"/>
   <p:notesSz cx="6858000" cy="9144000"/>
@@ -129,6 +135,18 @@
 </p:presentation>
 </file>
 
+<file path=ppt/commentAuthors.xml><?xml version="1.0" encoding="utf-8"?>
+<p:cmAuthorLst xmlns:a="http://schemas.openxmlformats.org/drawingml/2006/main" xmlns:r="http://schemas.openxmlformats.org/officeDocument/2006/relationships" xmlns:p="http://schemas.openxmlformats.org/presentationml/2006/main">
+  <p:cmAuthor id="1" name="冠蓁 穆" initials="冠蓁" lastIdx="1" clrIdx="0">
+    <p:extLst>
+      <p:ext uri="{19B8F6BF-5375-455C-9EA6-DF929625EA0E}">
+        <p15:presenceInfo xmlns:p15="http://schemas.microsoft.com/office/powerpoint/2012/main" userId="90ecbe755e9d5749" providerId="Windows Live"/>
+      </p:ext>
+    </p:extLst>
+  </p:cmAuthor>
+</p:cmAuthorLst>
+</file>
+
 <file path=ppt/handoutMasters/handoutMaster1.xml><?xml version="1.0" encoding="utf-8"?>
 <p:handoutMaster xmlns:a="http://schemas.openxmlformats.org/drawingml/2006/main" xmlns:r="http://schemas.openxmlformats.org/officeDocument/2006/relationships" xmlns:p="http://schemas.openxmlformats.org/presentationml/2006/main">
   <p:cSld>
@@ -654,6 +672,631 @@
     </a:lvl9pPr>
   </p:notesStyle>
 </p:notesMaster>
+</file>
+
+<file path=ppt/notesSlides/notesSlide1.xml><?xml version="1.0" encoding="utf-8"?>
+<p:notes xmlns:a="http://schemas.openxmlformats.org/drawingml/2006/main" xmlns:r="http://schemas.openxmlformats.org/officeDocument/2006/relationships" xmlns:p="http://schemas.openxmlformats.org/presentationml/2006/main">
+  <p:cSld>
+    <p:spTree>
+      <p:nvGrpSpPr>
+        <p:cNvPr id="1" name=""/>
+        <p:cNvGrpSpPr/>
+        <p:nvPr/>
+      </p:nvGrpSpPr>
+      <p:grpSpPr>
+        <a:xfrm>
+          <a:off x="0" y="0"/>
+          <a:ext cx="0" cy="0"/>
+          <a:chOff x="0" y="0"/>
+          <a:chExt cx="0" cy="0"/>
+        </a:xfrm>
+      </p:grpSpPr>
+      <p:sp>
+        <p:nvSpPr>
+          <p:cNvPr id="2" name="投影片影像版面配置區 1"/>
+          <p:cNvSpPr>
+            <a:spLocks noGrp="1" noRot="1" noChangeAspect="1"/>
+          </p:cNvSpPr>
+          <p:nvPr>
+            <p:ph type="sldImg"/>
+          </p:nvPr>
+        </p:nvSpPr>
+        <p:spPr/>
+      </p:sp>
+      <p:sp>
+        <p:nvSpPr>
+          <p:cNvPr id="3" name="備忘稿版面配置區 2"/>
+          <p:cNvSpPr>
+            <a:spLocks noGrp="1"/>
+          </p:cNvSpPr>
+          <p:nvPr>
+            <p:ph type="body" idx="1"/>
+          </p:nvPr>
+        </p:nvSpPr>
+        <p:spPr/>
+        <p:txBody>
+          <a:bodyPr/>
+          <a:lstStyle/>
+          <a:p>
+            <a:endParaRPr lang="zh-TW" altLang="en-US" dirty="0"/>
+          </a:p>
+        </p:txBody>
+      </p:sp>
+      <p:sp>
+        <p:nvSpPr>
+          <p:cNvPr id="4" name="日期版面配置區 3"/>
+          <p:cNvSpPr>
+            <a:spLocks noGrp="1"/>
+          </p:cNvSpPr>
+          <p:nvPr>
+            <p:ph type="dt" idx="1"/>
+          </p:nvPr>
+        </p:nvSpPr>
+        <p:spPr/>
+        <p:txBody>
+          <a:bodyPr/>
+          <a:lstStyle/>
+          <a:p>
+            <a:pPr rtl="0"/>
+            <a:fld id="{AB916EA9-9B8C-4B06-BBDB-07A75F4AF607}" type="datetime1">
+              <a:rPr lang="zh-TW" altLang="en-US" smtClean="0"/>
+              <a:t>2020/12/9</a:t>
+            </a:fld>
+            <a:endParaRPr lang="en-US"/>
+          </a:p>
+        </p:txBody>
+      </p:sp>
+      <p:sp>
+        <p:nvSpPr>
+          <p:cNvPr id="5" name="投影片編號版面配置區 4"/>
+          <p:cNvSpPr>
+            <a:spLocks noGrp="1"/>
+          </p:cNvSpPr>
+          <p:nvPr>
+            <p:ph type="sldNum" sz="quarter" idx="5"/>
+          </p:nvPr>
+        </p:nvSpPr>
+        <p:spPr/>
+        <p:txBody>
+          <a:bodyPr/>
+          <a:lstStyle/>
+          <a:p>
+            <a:pPr rtl="0"/>
+            <a:fld id="{37A705E3-E620-489D-9973-6221209A4B3B}" type="slidenum">
+              <a:rPr lang="en-US" smtClean="0"/>
+              <a:t>1</a:t>
+            </a:fld>
+            <a:endParaRPr lang="en-US"/>
+          </a:p>
+        </p:txBody>
+      </p:sp>
+    </p:spTree>
+    <p:extLst>
+      <p:ext uri="{BB962C8B-B14F-4D97-AF65-F5344CB8AC3E}">
+        <p14:creationId xmlns:p14="http://schemas.microsoft.com/office/powerpoint/2010/main" val="3348267201"/>
+      </p:ext>
+    </p:extLst>
+  </p:cSld>
+  <p:clrMapOvr>
+    <a:masterClrMapping/>
+  </p:clrMapOvr>
+</p:notes>
+</file>
+
+<file path=ppt/notesSlides/notesSlide2.xml><?xml version="1.0" encoding="utf-8"?>
+<p:notes xmlns:a="http://schemas.openxmlformats.org/drawingml/2006/main" xmlns:r="http://schemas.openxmlformats.org/officeDocument/2006/relationships" xmlns:p="http://schemas.openxmlformats.org/presentationml/2006/main">
+  <p:cSld>
+    <p:spTree>
+      <p:nvGrpSpPr>
+        <p:cNvPr id="1" name=""/>
+        <p:cNvGrpSpPr/>
+        <p:nvPr/>
+      </p:nvGrpSpPr>
+      <p:grpSpPr>
+        <a:xfrm>
+          <a:off x="0" y="0"/>
+          <a:ext cx="0" cy="0"/>
+          <a:chOff x="0" y="0"/>
+          <a:chExt cx="0" cy="0"/>
+        </a:xfrm>
+      </p:grpSpPr>
+      <p:sp>
+        <p:nvSpPr>
+          <p:cNvPr id="2" name="投影片影像版面配置區 1"/>
+          <p:cNvSpPr>
+            <a:spLocks noGrp="1" noRot="1" noChangeAspect="1"/>
+          </p:cNvSpPr>
+          <p:nvPr>
+            <p:ph type="sldImg"/>
+          </p:nvPr>
+        </p:nvSpPr>
+        <p:spPr/>
+      </p:sp>
+      <p:sp>
+        <p:nvSpPr>
+          <p:cNvPr id="3" name="備忘稿版面配置區 2"/>
+          <p:cNvSpPr>
+            <a:spLocks noGrp="1"/>
+          </p:cNvSpPr>
+          <p:nvPr>
+            <p:ph type="body" idx="1"/>
+          </p:nvPr>
+        </p:nvSpPr>
+        <p:spPr/>
+        <p:txBody>
+          <a:bodyPr/>
+          <a:lstStyle/>
+          <a:p>
+            <a:r>
+              <a:rPr lang="zh-TW" altLang="en-US" dirty="0"/>
+              <a:t>問題點 </a:t>
+            </a:r>
+            <a:r>
+              <a:rPr lang="en-US" altLang="zh-TW" dirty="0"/>
+              <a:t>:</a:t>
+            </a:r>
+            <a:r>
+              <a:rPr lang="zh-TW" altLang="en-US" dirty="0"/>
+              <a:t> </a:t>
+            </a:r>
+            <a:r>
+              <a:rPr lang="en-US" altLang="zh-TW" dirty="0"/>
+              <a:t>Donald Trump </a:t>
+            </a:r>
+            <a:r>
+              <a:rPr lang="zh-TW" altLang="en-US" dirty="0"/>
+              <a:t>會被拆成兩個字 </a:t>
+            </a:r>
+          </a:p>
+        </p:txBody>
+      </p:sp>
+      <p:sp>
+        <p:nvSpPr>
+          <p:cNvPr id="4" name="日期版面配置區 3"/>
+          <p:cNvSpPr>
+            <a:spLocks noGrp="1"/>
+          </p:cNvSpPr>
+          <p:nvPr>
+            <p:ph type="dt" idx="1"/>
+          </p:nvPr>
+        </p:nvSpPr>
+        <p:spPr/>
+        <p:txBody>
+          <a:bodyPr/>
+          <a:lstStyle/>
+          <a:p>
+            <a:pPr rtl="0"/>
+            <a:fld id="{AB916EA9-9B8C-4B06-BBDB-07A75F4AF607}" type="datetime1">
+              <a:rPr lang="zh-TW" altLang="en-US" smtClean="0"/>
+              <a:t>2020/12/9</a:t>
+            </a:fld>
+            <a:endParaRPr lang="en-US"/>
+          </a:p>
+        </p:txBody>
+      </p:sp>
+      <p:sp>
+        <p:nvSpPr>
+          <p:cNvPr id="5" name="投影片編號版面配置區 4"/>
+          <p:cNvSpPr>
+            <a:spLocks noGrp="1"/>
+          </p:cNvSpPr>
+          <p:nvPr>
+            <p:ph type="sldNum" sz="quarter" idx="5"/>
+          </p:nvPr>
+        </p:nvSpPr>
+        <p:spPr/>
+        <p:txBody>
+          <a:bodyPr/>
+          <a:lstStyle/>
+          <a:p>
+            <a:pPr rtl="0"/>
+            <a:fld id="{37A705E3-E620-489D-9973-6221209A4B3B}" type="slidenum">
+              <a:rPr lang="en-US" smtClean="0"/>
+              <a:t>3</a:t>
+            </a:fld>
+            <a:endParaRPr lang="en-US"/>
+          </a:p>
+        </p:txBody>
+      </p:sp>
+    </p:spTree>
+    <p:extLst>
+      <p:ext uri="{BB962C8B-B14F-4D97-AF65-F5344CB8AC3E}">
+        <p14:creationId xmlns:p14="http://schemas.microsoft.com/office/powerpoint/2010/main" val="3693758591"/>
+      </p:ext>
+    </p:extLst>
+  </p:cSld>
+  <p:clrMapOvr>
+    <a:masterClrMapping/>
+  </p:clrMapOvr>
+</p:notes>
+</file>
+
+<file path=ppt/notesSlides/notesSlide3.xml><?xml version="1.0" encoding="utf-8"?>
+<p:notes xmlns:a="http://schemas.openxmlformats.org/drawingml/2006/main" xmlns:r="http://schemas.openxmlformats.org/officeDocument/2006/relationships" xmlns:p="http://schemas.openxmlformats.org/presentationml/2006/main">
+  <p:cSld>
+    <p:spTree>
+      <p:nvGrpSpPr>
+        <p:cNvPr id="1" name=""/>
+        <p:cNvGrpSpPr/>
+        <p:nvPr/>
+      </p:nvGrpSpPr>
+      <p:grpSpPr>
+        <a:xfrm>
+          <a:off x="0" y="0"/>
+          <a:ext cx="0" cy="0"/>
+          <a:chOff x="0" y="0"/>
+          <a:chExt cx="0" cy="0"/>
+        </a:xfrm>
+      </p:grpSpPr>
+      <p:sp>
+        <p:nvSpPr>
+          <p:cNvPr id="2" name="投影片影像版面配置區 1"/>
+          <p:cNvSpPr>
+            <a:spLocks noGrp="1" noRot="1" noChangeAspect="1"/>
+          </p:cNvSpPr>
+          <p:nvPr>
+            <p:ph type="sldImg"/>
+          </p:nvPr>
+        </p:nvSpPr>
+        <p:spPr/>
+      </p:sp>
+      <p:sp>
+        <p:nvSpPr>
+          <p:cNvPr id="3" name="備忘稿版面配置區 2"/>
+          <p:cNvSpPr>
+            <a:spLocks noGrp="1"/>
+          </p:cNvSpPr>
+          <p:nvPr>
+            <p:ph type="body" idx="1"/>
+          </p:nvPr>
+        </p:nvSpPr>
+        <p:spPr/>
+        <p:txBody>
+          <a:bodyPr/>
+          <a:lstStyle/>
+          <a:p>
+            <a:r>
+              <a:rPr lang="en-US" altLang="zh-TW" dirty="0"/>
+              <a:t>The to </a:t>
+            </a:r>
+            <a:r>
+              <a:rPr lang="zh-TW" altLang="en-US" dirty="0"/>
+              <a:t>這類冠詞</a:t>
+            </a:r>
+            <a:r>
+              <a:rPr lang="en-US" altLang="zh-TW" dirty="0"/>
+              <a:t>TFIDF</a:t>
+            </a:r>
+            <a:r>
+              <a:rPr lang="zh-TW" altLang="en-US" dirty="0"/>
+              <a:t>值還是很高，是否能用一個</a:t>
+            </a:r>
+            <a:r>
+              <a:rPr lang="en-US" altLang="zh-TW" dirty="0"/>
+              <a:t>list</a:t>
+            </a:r>
+            <a:r>
+              <a:rPr lang="zh-TW" altLang="en-US" dirty="0"/>
+              <a:t>記錄這些常遇見的介係詞冠詞，特別剔除他們不知道這個方法好不好</a:t>
+            </a:r>
+            <a:r>
+              <a:rPr lang="en-US" altLang="zh-TW" dirty="0"/>
+              <a:t>?</a:t>
+            </a:r>
+            <a:endParaRPr lang="zh-TW" altLang="en-US" dirty="0"/>
+          </a:p>
+        </p:txBody>
+      </p:sp>
+      <p:sp>
+        <p:nvSpPr>
+          <p:cNvPr id="4" name="日期版面配置區 3"/>
+          <p:cNvSpPr>
+            <a:spLocks noGrp="1"/>
+          </p:cNvSpPr>
+          <p:nvPr>
+            <p:ph type="dt" idx="1"/>
+          </p:nvPr>
+        </p:nvSpPr>
+        <p:spPr/>
+        <p:txBody>
+          <a:bodyPr/>
+          <a:lstStyle/>
+          <a:p>
+            <a:pPr rtl="0"/>
+            <a:fld id="{AB916EA9-9B8C-4B06-BBDB-07A75F4AF607}" type="datetime1">
+              <a:rPr lang="zh-TW" altLang="en-US" smtClean="0"/>
+              <a:t>2020/12/9</a:t>
+            </a:fld>
+            <a:endParaRPr lang="en-US"/>
+          </a:p>
+        </p:txBody>
+      </p:sp>
+      <p:sp>
+        <p:nvSpPr>
+          <p:cNvPr id="5" name="投影片編號版面配置區 4"/>
+          <p:cNvSpPr>
+            <a:spLocks noGrp="1"/>
+          </p:cNvSpPr>
+          <p:nvPr>
+            <p:ph type="sldNum" sz="quarter" idx="5"/>
+          </p:nvPr>
+        </p:nvSpPr>
+        <p:spPr/>
+        <p:txBody>
+          <a:bodyPr/>
+          <a:lstStyle/>
+          <a:p>
+            <a:pPr rtl="0"/>
+            <a:fld id="{37A705E3-E620-489D-9973-6221209A4B3B}" type="slidenum">
+              <a:rPr lang="en-US" smtClean="0"/>
+              <a:t>4</a:t>
+            </a:fld>
+            <a:endParaRPr lang="en-US"/>
+          </a:p>
+        </p:txBody>
+      </p:sp>
+    </p:spTree>
+    <p:extLst>
+      <p:ext uri="{BB962C8B-B14F-4D97-AF65-F5344CB8AC3E}">
+        <p14:creationId xmlns:p14="http://schemas.microsoft.com/office/powerpoint/2010/main" val="2712039648"/>
+      </p:ext>
+    </p:extLst>
+  </p:cSld>
+  <p:clrMapOvr>
+    <a:masterClrMapping/>
+  </p:clrMapOvr>
+</p:notes>
+</file>
+
+<file path=ppt/notesSlides/notesSlide4.xml><?xml version="1.0" encoding="utf-8"?>
+<p:notes xmlns:a="http://schemas.openxmlformats.org/drawingml/2006/main" xmlns:r="http://schemas.openxmlformats.org/officeDocument/2006/relationships" xmlns:p="http://schemas.openxmlformats.org/presentationml/2006/main">
+  <p:cSld>
+    <p:spTree>
+      <p:nvGrpSpPr>
+        <p:cNvPr id="1" name=""/>
+        <p:cNvGrpSpPr/>
+        <p:nvPr/>
+      </p:nvGrpSpPr>
+      <p:grpSpPr>
+        <a:xfrm>
+          <a:off x="0" y="0"/>
+          <a:ext cx="0" cy="0"/>
+          <a:chOff x="0" y="0"/>
+          <a:chExt cx="0" cy="0"/>
+        </a:xfrm>
+      </p:grpSpPr>
+      <p:sp>
+        <p:nvSpPr>
+          <p:cNvPr id="2" name="投影片影像版面配置區 1"/>
+          <p:cNvSpPr>
+            <a:spLocks noGrp="1" noRot="1" noChangeAspect="1"/>
+          </p:cNvSpPr>
+          <p:nvPr>
+            <p:ph type="sldImg"/>
+          </p:nvPr>
+        </p:nvSpPr>
+        <p:spPr/>
+      </p:sp>
+      <p:sp>
+        <p:nvSpPr>
+          <p:cNvPr id="3" name="備忘稿版面配置區 2"/>
+          <p:cNvSpPr>
+            <a:spLocks noGrp="1"/>
+          </p:cNvSpPr>
+          <p:nvPr>
+            <p:ph type="body" idx="1"/>
+          </p:nvPr>
+        </p:nvSpPr>
+        <p:spPr/>
+        <p:txBody>
+          <a:bodyPr/>
+          <a:lstStyle/>
+          <a:p>
+            <a:r>
+              <a:rPr lang="zh-TW" altLang="en-US" dirty="0"/>
+              <a:t>我會想要娶的答案</a:t>
+            </a:r>
+          </a:p>
+        </p:txBody>
+      </p:sp>
+      <p:sp>
+        <p:nvSpPr>
+          <p:cNvPr id="4" name="日期版面配置區 3"/>
+          <p:cNvSpPr>
+            <a:spLocks noGrp="1"/>
+          </p:cNvSpPr>
+          <p:nvPr>
+            <p:ph type="dt" idx="1"/>
+          </p:nvPr>
+        </p:nvSpPr>
+        <p:spPr/>
+        <p:txBody>
+          <a:bodyPr/>
+          <a:lstStyle/>
+          <a:p>
+            <a:pPr rtl="0"/>
+            <a:fld id="{AB916EA9-9B8C-4B06-BBDB-07A75F4AF607}" type="datetime1">
+              <a:rPr lang="zh-TW" altLang="en-US" smtClean="0"/>
+              <a:t>2020/12/9</a:t>
+            </a:fld>
+            <a:endParaRPr lang="en-US"/>
+          </a:p>
+        </p:txBody>
+      </p:sp>
+      <p:sp>
+        <p:nvSpPr>
+          <p:cNvPr id="5" name="投影片編號版面配置區 4"/>
+          <p:cNvSpPr>
+            <a:spLocks noGrp="1"/>
+          </p:cNvSpPr>
+          <p:nvPr>
+            <p:ph type="sldNum" sz="quarter" idx="5"/>
+          </p:nvPr>
+        </p:nvSpPr>
+        <p:spPr/>
+        <p:txBody>
+          <a:bodyPr/>
+          <a:lstStyle/>
+          <a:p>
+            <a:pPr rtl="0"/>
+            <a:fld id="{37A705E3-E620-489D-9973-6221209A4B3B}" type="slidenum">
+              <a:rPr lang="en-US" smtClean="0"/>
+              <a:t>6</a:t>
+            </a:fld>
+            <a:endParaRPr lang="en-US"/>
+          </a:p>
+        </p:txBody>
+      </p:sp>
+    </p:spTree>
+    <p:extLst>
+      <p:ext uri="{BB962C8B-B14F-4D97-AF65-F5344CB8AC3E}">
+        <p14:creationId xmlns:p14="http://schemas.microsoft.com/office/powerpoint/2010/main" val="3655958572"/>
+      </p:ext>
+    </p:extLst>
+  </p:cSld>
+  <p:clrMapOvr>
+    <a:masterClrMapping/>
+  </p:clrMapOvr>
+</p:notes>
+</file>
+
+<file path=ppt/notesSlides/notesSlide5.xml><?xml version="1.0" encoding="utf-8"?>
+<p:notes xmlns:a="http://schemas.openxmlformats.org/drawingml/2006/main" xmlns:r="http://schemas.openxmlformats.org/officeDocument/2006/relationships" xmlns:p="http://schemas.openxmlformats.org/presentationml/2006/main">
+  <p:cSld>
+    <p:spTree>
+      <p:nvGrpSpPr>
+        <p:cNvPr id="1" name=""/>
+        <p:cNvGrpSpPr/>
+        <p:nvPr/>
+      </p:nvGrpSpPr>
+      <p:grpSpPr>
+        <a:xfrm>
+          <a:off x="0" y="0"/>
+          <a:ext cx="0" cy="0"/>
+          <a:chOff x="0" y="0"/>
+          <a:chExt cx="0" cy="0"/>
+        </a:xfrm>
+      </p:grpSpPr>
+      <p:sp>
+        <p:nvSpPr>
+          <p:cNvPr id="2" name="投影片影像版面配置區 1"/>
+          <p:cNvSpPr>
+            <a:spLocks noGrp="1" noRot="1" noChangeAspect="1"/>
+          </p:cNvSpPr>
+          <p:nvPr>
+            <p:ph type="sldImg"/>
+          </p:nvPr>
+        </p:nvSpPr>
+        <p:spPr/>
+      </p:sp>
+      <p:sp>
+        <p:nvSpPr>
+          <p:cNvPr id="3" name="備忘稿版面配置區 2"/>
+          <p:cNvSpPr>
+            <a:spLocks noGrp="1"/>
+          </p:cNvSpPr>
+          <p:nvPr>
+            <p:ph type="body" idx="1"/>
+          </p:nvPr>
+        </p:nvSpPr>
+        <p:spPr/>
+        <p:txBody>
+          <a:bodyPr/>
+          <a:lstStyle/>
+          <a:p>
+            <a:r>
+              <a:rPr lang="zh-TW" altLang="en-US" b="0" i="0" dirty="0">
+                <a:solidFill>
+                  <a:srgbClr val="24292E"/>
+                </a:solidFill>
+                <a:effectLst/>
+                <a:latin typeface="-apple-system"/>
+              </a:rPr>
+              <a:t>詞形還原（</a:t>
+            </a:r>
+            <a:r>
+              <a:rPr lang="en-US" altLang="zh-TW" b="0" i="0" dirty="0">
+                <a:solidFill>
+                  <a:srgbClr val="24292E"/>
+                </a:solidFill>
+                <a:effectLst/>
+                <a:latin typeface="-apple-system"/>
+              </a:rPr>
+              <a:t>lemmatization</a:t>
+            </a:r>
+            <a:r>
+              <a:rPr lang="zh-TW" altLang="en-US" b="0" i="0" dirty="0">
+                <a:solidFill>
+                  <a:srgbClr val="24292E"/>
+                </a:solidFill>
+                <a:effectLst/>
+                <a:latin typeface="-apple-system"/>
+              </a:rPr>
+              <a:t>），是把一個任何形式的語言詞彙還原為一般形式</a:t>
+            </a:r>
+            <a:endParaRPr lang="zh-TW" altLang="en-US" dirty="0"/>
+          </a:p>
+        </p:txBody>
+      </p:sp>
+      <p:sp>
+        <p:nvSpPr>
+          <p:cNvPr id="4" name="日期版面配置區 3"/>
+          <p:cNvSpPr>
+            <a:spLocks noGrp="1"/>
+          </p:cNvSpPr>
+          <p:nvPr>
+            <p:ph type="dt" idx="1"/>
+          </p:nvPr>
+        </p:nvSpPr>
+        <p:spPr/>
+        <p:txBody>
+          <a:bodyPr/>
+          <a:lstStyle/>
+          <a:p>
+            <a:pPr rtl="0"/>
+            <a:fld id="{AB916EA9-9B8C-4B06-BBDB-07A75F4AF607}" type="datetime1">
+              <a:rPr lang="zh-TW" altLang="en-US" smtClean="0"/>
+              <a:t>2020/12/9</a:t>
+            </a:fld>
+            <a:endParaRPr lang="en-US"/>
+          </a:p>
+        </p:txBody>
+      </p:sp>
+      <p:sp>
+        <p:nvSpPr>
+          <p:cNvPr id="5" name="投影片編號版面配置區 4"/>
+          <p:cNvSpPr>
+            <a:spLocks noGrp="1"/>
+          </p:cNvSpPr>
+          <p:nvPr>
+            <p:ph type="sldNum" sz="quarter" idx="5"/>
+          </p:nvPr>
+        </p:nvSpPr>
+        <p:spPr/>
+        <p:txBody>
+          <a:bodyPr/>
+          <a:lstStyle/>
+          <a:p>
+            <a:pPr rtl="0"/>
+            <a:fld id="{37A705E3-E620-489D-9973-6221209A4B3B}" type="slidenum">
+              <a:rPr lang="en-US" smtClean="0"/>
+              <a:t>9</a:t>
+            </a:fld>
+            <a:endParaRPr lang="en-US"/>
+          </a:p>
+        </p:txBody>
+      </p:sp>
+    </p:spTree>
+    <p:extLst>
+      <p:ext uri="{BB962C8B-B14F-4D97-AF65-F5344CB8AC3E}">
+        <p14:creationId xmlns:p14="http://schemas.microsoft.com/office/powerpoint/2010/main" val="2935320046"/>
+      </p:ext>
+    </p:extLst>
+  </p:cSld>
+  <p:clrMapOvr>
+    <a:masterClrMapping/>
+  </p:clrMapOvr>
+</p:notes>
 </file>
 
 <file path=ppt/slideLayouts/slideLayout1.xml><?xml version="1.0" encoding="utf-8"?>
@@ -5011,7 +5654,7 @@
           <p:nvPr/>
         </p:nvPicPr>
         <p:blipFill rotWithShape="1">
-          <a:blip r:embed="rId2">
+          <a:blip r:embed="rId3">
             <a:extLst>
               <a:ext uri="{28A0092B-C50C-407E-A947-70E740481C1C}">
                 <a14:useLocalDpi xmlns:a14="http://schemas.microsoft.com/office/drawing/2010/main" val="0"/>
@@ -5227,7 +5870,7 @@
 </p:sld>
 </file>
 
-<file path=ppt/slides/slide2.xml><?xml version="1.0" encoding="utf-8"?>
+<file path=ppt/slides/slide10.xml><?xml version="1.0" encoding="utf-8"?>
 <p:sld xmlns:a="http://schemas.openxmlformats.org/drawingml/2006/main" xmlns:r="http://schemas.openxmlformats.org/officeDocument/2006/relationships" xmlns:p="http://schemas.openxmlformats.org/presentationml/2006/main">
   <p:cSld>
     <p:spTree>
@@ -5348,7 +5991,7 @@
 </p:sld>
 </file>
 
-<file path=ppt/slides/slide3.xml><?xml version="1.0" encoding="utf-8"?>
+<file path=ppt/slides/slide11.xml><?xml version="1.0" encoding="utf-8"?>
 <p:sld xmlns:a="http://schemas.openxmlformats.org/drawingml/2006/main" xmlns:r="http://schemas.openxmlformats.org/officeDocument/2006/relationships" xmlns:p="http://schemas.openxmlformats.org/presentationml/2006/main">
   <p:cSld>
     <p:spTree>
@@ -5524,7 +6167,7 @@
 </p:sld>
 </file>
 
-<file path=ppt/slides/slide4.xml><?xml version="1.0" encoding="utf-8"?>
+<file path=ppt/slides/slide12.xml><?xml version="1.0" encoding="utf-8"?>
 <p:sld xmlns:a="http://schemas.openxmlformats.org/drawingml/2006/main" xmlns:r="http://schemas.openxmlformats.org/officeDocument/2006/relationships" xmlns:p="http://schemas.openxmlformats.org/presentationml/2006/main">
   <p:cSld>
     <p:spTree>
@@ -6470,7 +7113,7 @@
 </p:sld>
 </file>
 
-<file path=ppt/slides/slide5.xml><?xml version="1.0" encoding="utf-8"?>
+<file path=ppt/slides/slide13.xml><?xml version="1.0" encoding="utf-8"?>
 <p:sld xmlns:a="http://schemas.openxmlformats.org/drawingml/2006/main" xmlns:r="http://schemas.openxmlformats.org/officeDocument/2006/relationships" xmlns:p="http://schemas.openxmlformats.org/presentationml/2006/main">
   <p:cSld>
     <p:spTree>
@@ -7516,7 +8159,7 @@
 </p:sld>
 </file>
 
-<file path=ppt/slides/slide6.xml><?xml version="1.0" encoding="utf-8"?>
+<file path=ppt/slides/slide14.xml><?xml version="1.0" encoding="utf-8"?>
 <p:sld xmlns:a="http://schemas.openxmlformats.org/drawingml/2006/main" xmlns:r="http://schemas.openxmlformats.org/officeDocument/2006/relationships" xmlns:p="http://schemas.openxmlformats.org/presentationml/2006/main">
   <p:cSld>
     <p:spTree>
@@ -7666,6 +8309,1986 @@
     <p:extLst>
       <p:ext uri="{BB962C8B-B14F-4D97-AF65-F5344CB8AC3E}">
         <p14:creationId xmlns:p14="http://schemas.microsoft.com/office/powerpoint/2010/main" val="3797040394"/>
+      </p:ext>
+    </p:extLst>
+  </p:cSld>
+  <p:clrMapOvr>
+    <a:masterClrMapping/>
+  </p:clrMapOvr>
+</p:sld>
+</file>
+
+<file path=ppt/slides/slide15.xml><?xml version="1.0" encoding="utf-8"?>
+<p:sld xmlns:a="http://schemas.openxmlformats.org/drawingml/2006/main" xmlns:r="http://schemas.openxmlformats.org/officeDocument/2006/relationships" xmlns:p="http://schemas.openxmlformats.org/presentationml/2006/main">
+  <p:cSld>
+    <p:spTree>
+      <p:nvGrpSpPr>
+        <p:cNvPr id="1" name=""/>
+        <p:cNvGrpSpPr/>
+        <p:nvPr/>
+      </p:nvGrpSpPr>
+      <p:grpSpPr>
+        <a:xfrm>
+          <a:off x="0" y="0"/>
+          <a:ext cx="0" cy="0"/>
+          <a:chOff x="0" y="0"/>
+          <a:chExt cx="0" cy="0"/>
+        </a:xfrm>
+      </p:grpSpPr>
+      <p:sp>
+        <p:nvSpPr>
+          <p:cNvPr id="2" name="標題 1">
+            <a:extLst>
+              <a:ext uri="{FF2B5EF4-FFF2-40B4-BE49-F238E27FC236}">
+                <a16:creationId xmlns:a16="http://schemas.microsoft.com/office/drawing/2014/main" id="{73FFE104-EBF5-40C0-8EA4-7CE93C8208A9}"/>
+              </a:ext>
+            </a:extLst>
+          </p:cNvPr>
+          <p:cNvSpPr>
+            <a:spLocks noGrp="1"/>
+          </p:cNvSpPr>
+          <p:nvPr>
+            <p:ph type="title"/>
+          </p:nvPr>
+        </p:nvSpPr>
+        <p:spPr>
+          <a:xfrm>
+            <a:off x="1066800" y="642594"/>
+            <a:ext cx="10058400" cy="1110006"/>
+          </a:xfrm>
+        </p:spPr>
+        <p:txBody>
+          <a:bodyPr/>
+          <a:lstStyle/>
+          <a:p>
+            <a:r>
+              <a:rPr lang="en-US" altLang="zh-TW" dirty="0"/>
+              <a:t>Conclusion</a:t>
+            </a:r>
+            <a:endParaRPr lang="zh-TW" altLang="en-US" dirty="0"/>
+          </a:p>
+        </p:txBody>
+      </p:sp>
+      <p:sp>
+        <p:nvSpPr>
+          <p:cNvPr id="3" name="內容版面配置區 2">
+            <a:extLst>
+              <a:ext uri="{FF2B5EF4-FFF2-40B4-BE49-F238E27FC236}">
+                <a16:creationId xmlns:a16="http://schemas.microsoft.com/office/drawing/2014/main" id="{1EE2FCFC-39C4-40DB-97F3-D9E621FABBBF}"/>
+              </a:ext>
+            </a:extLst>
+          </p:cNvPr>
+          <p:cNvSpPr>
+            <a:spLocks noGrp="1"/>
+          </p:cNvSpPr>
+          <p:nvPr>
+            <p:ph idx="1"/>
+          </p:nvPr>
+        </p:nvSpPr>
+        <p:spPr>
+          <a:xfrm>
+            <a:off x="1066800" y="1752600"/>
+            <a:ext cx="10058400" cy="4200144"/>
+          </a:xfrm>
+        </p:spPr>
+        <p:txBody>
+          <a:bodyPr>
+            <a:normAutofit/>
+          </a:bodyPr>
+          <a:lstStyle/>
+          <a:p>
+            <a:r>
+              <a:rPr lang="zh-TW" altLang="en-US" sz="2000" dirty="0"/>
+              <a:t>結果不如預期</a:t>
+            </a:r>
+            <a:endParaRPr lang="en-US" altLang="zh-TW" sz="2000" dirty="0"/>
+          </a:p>
+          <a:p>
+            <a:r>
+              <a:rPr lang="zh-TW" altLang="en-US" sz="2000" dirty="0"/>
+              <a:t>可能的問題 </a:t>
+            </a:r>
+            <a:r>
+              <a:rPr lang="en-US" altLang="zh-TW" sz="2000" dirty="0"/>
+              <a:t>:</a:t>
+            </a:r>
+            <a:r>
+              <a:rPr lang="zh-TW" altLang="en-US" sz="2000" dirty="0"/>
+              <a:t> </a:t>
+            </a:r>
+            <a:endParaRPr lang="en-US" altLang="zh-TW" sz="2000" dirty="0"/>
+          </a:p>
+          <a:p>
+            <a:r>
+              <a:rPr lang="en-US" altLang="zh-TW" sz="2000" dirty="0"/>
+              <a:t>1. </a:t>
+            </a:r>
+            <a:r>
+              <a:rPr lang="zh-TW" altLang="en-US" sz="2000" dirty="0"/>
+              <a:t> 訓練資料處理不當</a:t>
+            </a:r>
+            <a:endParaRPr lang="en-US" altLang="zh-TW" sz="2000" dirty="0"/>
+          </a:p>
+          <a:p>
+            <a:r>
+              <a:rPr lang="en-US" altLang="zh-TW" sz="2000" dirty="0"/>
+              <a:t>2.</a:t>
+            </a:r>
+            <a:r>
+              <a:rPr lang="zh-TW" altLang="en-US" sz="2000" dirty="0"/>
+              <a:t>  </a:t>
+            </a:r>
+            <a:r>
+              <a:rPr lang="en-US" altLang="zh-TW" sz="2000" dirty="0"/>
+              <a:t>Word Tag </a:t>
+            </a:r>
+            <a:r>
+              <a:rPr lang="zh-TW" altLang="en-US" sz="2000" dirty="0"/>
+              <a:t>沒有對起來</a:t>
+            </a:r>
+            <a:endParaRPr lang="en-US" altLang="zh-TW" sz="2000" dirty="0"/>
+          </a:p>
+          <a:p>
+            <a:endParaRPr lang="en-US" altLang="zh-TW" sz="2000" dirty="0"/>
+          </a:p>
+          <a:p>
+            <a:r>
+              <a:rPr lang="en-US" altLang="zh-TW" sz="2000" dirty="0"/>
+              <a:t>Solution : </a:t>
+            </a:r>
+            <a:r>
+              <a:rPr lang="zh-TW" altLang="en-US" sz="2000" dirty="0"/>
+              <a:t>可能要讀一下</a:t>
+            </a:r>
+            <a:r>
+              <a:rPr lang="en-US" altLang="zh-TW" sz="2000" dirty="0"/>
+              <a:t>code </a:t>
+            </a:r>
+            <a:r>
+              <a:rPr lang="zh-TW" altLang="en-US" sz="2000" dirty="0"/>
+              <a:t>調整一下模型，或再找看看有沒有好一點的</a:t>
+            </a:r>
+            <a:r>
+              <a:rPr lang="en-US" altLang="zh-TW" sz="2000" dirty="0"/>
+              <a:t>code</a:t>
+            </a:r>
+          </a:p>
+        </p:txBody>
+      </p:sp>
+      <p:sp>
+        <p:nvSpPr>
+          <p:cNvPr id="4" name="日期版面配置區 3">
+            <a:extLst>
+              <a:ext uri="{FF2B5EF4-FFF2-40B4-BE49-F238E27FC236}">
+                <a16:creationId xmlns:a16="http://schemas.microsoft.com/office/drawing/2014/main" id="{D0F55862-F4B5-474C-8745-67AD84DA1C5D}"/>
+              </a:ext>
+            </a:extLst>
+          </p:cNvPr>
+          <p:cNvSpPr>
+            <a:spLocks noGrp="1"/>
+          </p:cNvSpPr>
+          <p:nvPr>
+            <p:ph type="dt" sz="half" idx="10"/>
+          </p:nvPr>
+        </p:nvSpPr>
+        <p:spPr/>
+        <p:txBody>
+          <a:bodyPr/>
+          <a:lstStyle/>
+          <a:p>
+            <a:pPr rtl="0"/>
+            <a:fld id="{CE847876-3A2B-49FA-B396-40048599C954}" type="datetime1">
+              <a:rPr lang="zh-TW" altLang="en-US" smtClean="0"/>
+              <a:t>2020/12/9</a:t>
+            </a:fld>
+            <a:endParaRPr lang="en-US"/>
+          </a:p>
+        </p:txBody>
+      </p:sp>
+    </p:spTree>
+    <p:extLst>
+      <p:ext uri="{BB962C8B-B14F-4D97-AF65-F5344CB8AC3E}">
+        <p14:creationId xmlns:p14="http://schemas.microsoft.com/office/powerpoint/2010/main" val="3435668769"/>
+      </p:ext>
+    </p:extLst>
+  </p:cSld>
+  <p:clrMapOvr>
+    <a:masterClrMapping/>
+  </p:clrMapOvr>
+</p:sld>
+</file>
+
+<file path=ppt/slides/slide2.xml><?xml version="1.0" encoding="utf-8"?>
+<p:sld xmlns:a="http://schemas.openxmlformats.org/drawingml/2006/main" xmlns:r="http://schemas.openxmlformats.org/officeDocument/2006/relationships" xmlns:p="http://schemas.openxmlformats.org/presentationml/2006/main">
+  <p:cSld>
+    <p:spTree>
+      <p:nvGrpSpPr>
+        <p:cNvPr id="1" name=""/>
+        <p:cNvGrpSpPr/>
+        <p:nvPr/>
+      </p:nvGrpSpPr>
+      <p:grpSpPr>
+        <a:xfrm>
+          <a:off x="0" y="0"/>
+          <a:ext cx="0" cy="0"/>
+          <a:chOff x="0" y="0"/>
+          <a:chExt cx="0" cy="0"/>
+        </a:xfrm>
+      </p:grpSpPr>
+      <p:sp>
+        <p:nvSpPr>
+          <p:cNvPr id="2" name="標題 1">
+            <a:extLst>
+              <a:ext uri="{FF2B5EF4-FFF2-40B4-BE49-F238E27FC236}">
+                <a16:creationId xmlns:a16="http://schemas.microsoft.com/office/drawing/2014/main" id="{2F8B5126-FA80-47EA-8324-47A9C4CAB6B0}"/>
+              </a:ext>
+            </a:extLst>
+          </p:cNvPr>
+          <p:cNvSpPr>
+            <a:spLocks noGrp="1"/>
+          </p:cNvSpPr>
+          <p:nvPr>
+            <p:ph type="title"/>
+          </p:nvPr>
+        </p:nvSpPr>
+        <p:spPr/>
+        <p:txBody>
+          <a:bodyPr/>
+          <a:lstStyle/>
+          <a:p>
+            <a:r>
+              <a:rPr lang="en-US" altLang="zh-TW" dirty="0" err="1"/>
+              <a:t>tdidf</a:t>
+            </a:r>
+            <a:endParaRPr lang="zh-TW" altLang="en-US" dirty="0"/>
+          </a:p>
+        </p:txBody>
+      </p:sp>
+      <p:sp>
+        <p:nvSpPr>
+          <p:cNvPr id="3" name="文字版面配置區 2">
+            <a:extLst>
+              <a:ext uri="{FF2B5EF4-FFF2-40B4-BE49-F238E27FC236}">
+                <a16:creationId xmlns:a16="http://schemas.microsoft.com/office/drawing/2014/main" id="{28D6A1C9-43B3-48FB-8BE2-31D99E058E37}"/>
+              </a:ext>
+            </a:extLst>
+          </p:cNvPr>
+          <p:cNvSpPr>
+            <a:spLocks noGrp="1"/>
+          </p:cNvSpPr>
+          <p:nvPr>
+            <p:ph type="body" idx="1"/>
+          </p:nvPr>
+        </p:nvSpPr>
+        <p:spPr/>
+        <p:txBody>
+          <a:bodyPr/>
+          <a:lstStyle/>
+          <a:p>
+            <a:endParaRPr lang="zh-TW" altLang="en-US"/>
+          </a:p>
+        </p:txBody>
+      </p:sp>
+      <p:sp>
+        <p:nvSpPr>
+          <p:cNvPr id="4" name="日期版面配置區 3">
+            <a:extLst>
+              <a:ext uri="{FF2B5EF4-FFF2-40B4-BE49-F238E27FC236}">
+                <a16:creationId xmlns:a16="http://schemas.microsoft.com/office/drawing/2014/main" id="{92E828C5-D7DB-4EFD-8162-5BEF079C5F7D}"/>
+              </a:ext>
+            </a:extLst>
+          </p:cNvPr>
+          <p:cNvSpPr>
+            <a:spLocks noGrp="1"/>
+          </p:cNvSpPr>
+          <p:nvPr>
+            <p:ph type="dt" sz="half" idx="10"/>
+          </p:nvPr>
+        </p:nvSpPr>
+        <p:spPr/>
+        <p:txBody>
+          <a:bodyPr/>
+          <a:lstStyle/>
+          <a:p>
+            <a:fld id="{294347CA-4B58-4AEE-8DA6-4E2B096FC96F}" type="datetime1">
+              <a:rPr lang="en-US" altLang="zh-TW" smtClean="0"/>
+              <a:t>12/9/2020</a:t>
+            </a:fld>
+            <a:endParaRPr lang="zh-TW" altLang="en-US" dirty="0"/>
+          </a:p>
+        </p:txBody>
+      </p:sp>
+    </p:spTree>
+    <p:extLst>
+      <p:ext uri="{BB962C8B-B14F-4D97-AF65-F5344CB8AC3E}">
+        <p14:creationId xmlns:p14="http://schemas.microsoft.com/office/powerpoint/2010/main" val="2956284760"/>
+      </p:ext>
+    </p:extLst>
+  </p:cSld>
+  <p:clrMapOvr>
+    <a:masterClrMapping/>
+  </p:clrMapOvr>
+</p:sld>
+</file>
+
+<file path=ppt/slides/slide3.xml><?xml version="1.0" encoding="utf-8"?>
+<p:sld xmlns:a="http://schemas.openxmlformats.org/drawingml/2006/main" xmlns:r="http://schemas.openxmlformats.org/officeDocument/2006/relationships" xmlns:p="http://schemas.openxmlformats.org/presentationml/2006/main">
+  <p:cSld>
+    <p:spTree>
+      <p:nvGrpSpPr>
+        <p:cNvPr id="1" name=""/>
+        <p:cNvGrpSpPr/>
+        <p:nvPr/>
+      </p:nvGrpSpPr>
+      <p:grpSpPr>
+        <a:xfrm>
+          <a:off x="0" y="0"/>
+          <a:ext cx="0" cy="0"/>
+          <a:chOff x="0" y="0"/>
+          <a:chExt cx="0" cy="0"/>
+        </a:xfrm>
+      </p:grpSpPr>
+      <p:pic>
+        <p:nvPicPr>
+          <p:cNvPr id="22" name="圖片 21">
+            <a:extLst>
+              <a:ext uri="{FF2B5EF4-FFF2-40B4-BE49-F238E27FC236}">
+                <a16:creationId xmlns:a16="http://schemas.microsoft.com/office/drawing/2014/main" id="{4D98D8F7-7B61-4301-BFF2-999857E4E428}"/>
+              </a:ext>
+            </a:extLst>
+          </p:cNvPr>
+          <p:cNvPicPr>
+            <a:picLocks noChangeAspect="1"/>
+          </p:cNvPicPr>
+          <p:nvPr/>
+        </p:nvPicPr>
+        <p:blipFill>
+          <a:blip r:embed="rId3"/>
+          <a:stretch>
+            <a:fillRect/>
+          </a:stretch>
+        </p:blipFill>
+        <p:spPr>
+          <a:xfrm>
+            <a:off x="8369808" y="1262126"/>
+            <a:ext cx="1536522" cy="3303524"/>
+          </a:xfrm>
+          <a:prstGeom prst="rect">
+            <a:avLst/>
+          </a:prstGeom>
+        </p:spPr>
+      </p:pic>
+      <p:sp>
+        <p:nvSpPr>
+          <p:cNvPr id="2" name="標題 1">
+            <a:extLst>
+              <a:ext uri="{FF2B5EF4-FFF2-40B4-BE49-F238E27FC236}">
+                <a16:creationId xmlns:a16="http://schemas.microsoft.com/office/drawing/2014/main" id="{D0E0EBC7-6233-48FA-B93C-B3877C4EFADA}"/>
+              </a:ext>
+            </a:extLst>
+          </p:cNvPr>
+          <p:cNvSpPr>
+            <a:spLocks noGrp="1"/>
+          </p:cNvSpPr>
+          <p:nvPr>
+            <p:ph type="title"/>
+          </p:nvPr>
+        </p:nvSpPr>
+        <p:spPr>
+          <a:xfrm>
+            <a:off x="621792" y="457200"/>
+            <a:ext cx="10058400" cy="869214"/>
+          </a:xfrm>
+        </p:spPr>
+        <p:txBody>
+          <a:bodyPr>
+            <a:normAutofit/>
+          </a:bodyPr>
+          <a:lstStyle/>
+          <a:p>
+            <a:r>
+              <a:rPr lang="en-US" altLang="zh-TW" dirty="0"/>
+              <a:t>Code1:</a:t>
+            </a:r>
+            <a:r>
+              <a:rPr lang="en-US" altLang="zh-TW" i="0" dirty="0">
+                <a:effectLst/>
+                <a:latin typeface="-apple-system"/>
+              </a:rPr>
+              <a:t>TfidfVectorizer</a:t>
+            </a:r>
+            <a:endParaRPr lang="zh-TW" altLang="en-US" dirty="0"/>
+          </a:p>
+        </p:txBody>
+      </p:sp>
+      <p:sp>
+        <p:nvSpPr>
+          <p:cNvPr id="4" name="日期版面配置區 3">
+            <a:extLst>
+              <a:ext uri="{FF2B5EF4-FFF2-40B4-BE49-F238E27FC236}">
+                <a16:creationId xmlns:a16="http://schemas.microsoft.com/office/drawing/2014/main" id="{D29F0A74-10DE-47FC-82D9-A2C8197F1F65}"/>
+              </a:ext>
+            </a:extLst>
+          </p:cNvPr>
+          <p:cNvSpPr>
+            <a:spLocks noGrp="1"/>
+          </p:cNvSpPr>
+          <p:nvPr>
+            <p:ph type="dt" sz="half" idx="10"/>
+          </p:nvPr>
+        </p:nvSpPr>
+        <p:spPr/>
+        <p:txBody>
+          <a:bodyPr/>
+          <a:lstStyle/>
+          <a:p>
+            <a:pPr rtl="0"/>
+            <a:fld id="{CE847876-3A2B-49FA-B396-40048599C954}" type="datetime1">
+              <a:rPr lang="zh-TW" altLang="en-US" smtClean="0"/>
+              <a:t>2020/12/9</a:t>
+            </a:fld>
+            <a:endParaRPr lang="en-US"/>
+          </a:p>
+        </p:txBody>
+      </p:sp>
+      <p:sp>
+        <p:nvSpPr>
+          <p:cNvPr id="10" name="內容版面配置區 9">
+            <a:extLst>
+              <a:ext uri="{FF2B5EF4-FFF2-40B4-BE49-F238E27FC236}">
+                <a16:creationId xmlns:a16="http://schemas.microsoft.com/office/drawing/2014/main" id="{0236F1B6-1123-45FC-AA37-D15C2FFADAD6}"/>
+              </a:ext>
+            </a:extLst>
+          </p:cNvPr>
+          <p:cNvSpPr>
+            <a:spLocks noGrp="1"/>
+          </p:cNvSpPr>
+          <p:nvPr>
+            <p:ph idx="1"/>
+          </p:nvPr>
+        </p:nvSpPr>
+        <p:spPr>
+          <a:xfrm>
+            <a:off x="621792" y="1182624"/>
+            <a:ext cx="7748016" cy="5266944"/>
+          </a:xfrm>
+        </p:spPr>
+        <p:txBody>
+          <a:bodyPr>
+            <a:normAutofit/>
+          </a:bodyPr>
+          <a:lstStyle/>
+          <a:p>
+            <a:r>
+              <a:rPr lang="en-US" altLang="zh-TW" sz="1400" dirty="0"/>
+              <a:t>text1 = "The House of Representatives on Tuesday overwhelmingly approved a sweeping defense bill with a veto-proof majority after a veto threat from President Donald Trump sharply divided Republican lawmakers, forcing them to choose between loyalty to him and legislation that sets defense policy for the country."</a:t>
+            </a:r>
+          </a:p>
+          <a:p>
+            <a:r>
+              <a:rPr lang="en-US" altLang="zh-TW" sz="1400" dirty="0"/>
+              <a:t>text2 = "The repetitive and meritless legal challenges to the November 3 election results from President Donald Trump and his allies have sent one fundamental message: Millions of votes </a:t>
+            </a:r>
+            <a:r>
+              <a:rPr lang="en-US" altLang="zh-TW" sz="1400" b="1" dirty="0"/>
+              <a:t>cast</a:t>
+            </a:r>
+            <a:r>
+              <a:rPr lang="en-US" altLang="zh-TW" sz="1400" dirty="0"/>
+              <a:t> by their fellow Americans are </a:t>
+            </a:r>
+            <a:r>
+              <a:rPr lang="en-US" altLang="zh-TW" sz="1400" dirty="0" err="1"/>
+              <a:t>worthless.Trump</a:t>
+            </a:r>
+            <a:r>
+              <a:rPr lang="en-US" altLang="zh-TW" sz="1400" dirty="0"/>
+              <a:t> lawyers have argued for the widescale disenfranchisement of voters, including in Pennsylvania. So far, they have failed to convince the nation's </a:t>
+            </a:r>
+            <a:r>
+              <a:rPr lang="en-US" altLang="zh-TW" sz="1400" dirty="0" err="1"/>
+              <a:t>courts.The</a:t>
+            </a:r>
+            <a:r>
+              <a:rPr lang="en-US" altLang="zh-TW" sz="1400" dirty="0"/>
+              <a:t> Supreme Court rejected one of the cases from Pennsylvania Tuesday with a single sentence. That high court action came with no explanation, yet it reinforced a pattern of lower court judges spurning a series of baseless appeals."</a:t>
+            </a:r>
+          </a:p>
+          <a:p>
+            <a:r>
+              <a:rPr lang="en-US" altLang="zh-TW" sz="1400" dirty="0"/>
+              <a:t>text3 = "On the heels of major vaccine developments, Biden committed that his team will help get \"at least 100 million </a:t>
+            </a:r>
+            <a:r>
+              <a:rPr lang="en-US" altLang="zh-TW" sz="1400" dirty="0" err="1"/>
+              <a:t>Covid</a:t>
+            </a:r>
+            <a:r>
+              <a:rPr lang="en-US" altLang="zh-TW" sz="1400" dirty="0"/>
+              <a:t> vaccine shots into the arms of the American people in the first 100 days.\" It will be a massive undertaking, which he acknowledged Tuesday.\"This will be the most efficient mass vaccination plan in US history. I credit everyone who has gotten us to this point, but developing the vaccine is one herculean task,\" Biden said. \"Distributing it is another.\"This is on top of his pending nationwide 100-day mask mandate. "</a:t>
+            </a:r>
+          </a:p>
+          <a:p>
+            <a:endParaRPr lang="zh-TW" altLang="en-US" sz="1400" dirty="0"/>
+          </a:p>
+        </p:txBody>
+      </p:sp>
+      <p:sp>
+        <p:nvSpPr>
+          <p:cNvPr id="13" name="矩形 12">
+            <a:extLst>
+              <a:ext uri="{FF2B5EF4-FFF2-40B4-BE49-F238E27FC236}">
+                <a16:creationId xmlns:a16="http://schemas.microsoft.com/office/drawing/2014/main" id="{63B3906D-645E-49CB-994A-C636B575F6C0}"/>
+              </a:ext>
+            </a:extLst>
+          </p:cNvPr>
+          <p:cNvSpPr/>
+          <p:nvPr/>
+        </p:nvSpPr>
+        <p:spPr>
+          <a:xfrm>
+            <a:off x="2422398" y="1464196"/>
+            <a:ext cx="420624" cy="195072"/>
+          </a:xfrm>
+          <a:prstGeom prst="rect">
+            <a:avLst/>
+          </a:prstGeom>
+          <a:noFill/>
+          <a:ln w="19050">
+            <a:solidFill>
+              <a:srgbClr val="FF0000"/>
+            </a:solidFill>
+          </a:ln>
+        </p:spPr>
+        <p:style>
+          <a:lnRef idx="2">
+            <a:schemeClr val="accent1">
+              <a:shade val="50000"/>
+            </a:schemeClr>
+          </a:lnRef>
+          <a:fillRef idx="1">
+            <a:schemeClr val="accent1"/>
+          </a:fillRef>
+          <a:effectRef idx="0">
+            <a:schemeClr val="accent1"/>
+          </a:effectRef>
+          <a:fontRef idx="minor">
+            <a:schemeClr val="lt1"/>
+          </a:fontRef>
+        </p:style>
+        <p:txBody>
+          <a:bodyPr rtlCol="0" anchor="ctr"/>
+          <a:lstStyle/>
+          <a:p>
+            <a:pPr algn="ctr"/>
+            <a:endParaRPr lang="zh-TW" altLang="en-US"/>
+          </a:p>
+        </p:txBody>
+      </p:sp>
+      <p:sp>
+        <p:nvSpPr>
+          <p:cNvPr id="16" name="矩形 15">
+            <a:extLst>
+              <a:ext uri="{FF2B5EF4-FFF2-40B4-BE49-F238E27FC236}">
+                <a16:creationId xmlns:a16="http://schemas.microsoft.com/office/drawing/2014/main" id="{E91AB7A7-BEA7-4BCD-AF25-A43A17564F4B}"/>
+              </a:ext>
+            </a:extLst>
+          </p:cNvPr>
+          <p:cNvSpPr/>
+          <p:nvPr/>
+        </p:nvSpPr>
+        <p:spPr>
+          <a:xfrm>
+            <a:off x="8411227" y="1405916"/>
+            <a:ext cx="256523" cy="99796"/>
+          </a:xfrm>
+          <a:prstGeom prst="rect">
+            <a:avLst/>
+          </a:prstGeom>
+          <a:noFill/>
+          <a:ln w="19050">
+            <a:solidFill>
+              <a:srgbClr val="FF0000"/>
+            </a:solidFill>
+          </a:ln>
+        </p:spPr>
+        <p:style>
+          <a:lnRef idx="2">
+            <a:schemeClr val="accent1">
+              <a:shade val="50000"/>
+            </a:schemeClr>
+          </a:lnRef>
+          <a:fillRef idx="1">
+            <a:schemeClr val="accent1"/>
+          </a:fillRef>
+          <a:effectRef idx="0">
+            <a:schemeClr val="accent1"/>
+          </a:effectRef>
+          <a:fontRef idx="minor">
+            <a:schemeClr val="lt1"/>
+          </a:fontRef>
+        </p:style>
+        <p:txBody>
+          <a:bodyPr rtlCol="0" anchor="ctr"/>
+          <a:lstStyle/>
+          <a:p>
+            <a:pPr algn="ctr"/>
+            <a:endParaRPr lang="zh-TW" altLang="en-US"/>
+          </a:p>
+        </p:txBody>
+      </p:sp>
+      <p:sp>
+        <p:nvSpPr>
+          <p:cNvPr id="17" name="矩形 16">
+            <a:extLst>
+              <a:ext uri="{FF2B5EF4-FFF2-40B4-BE49-F238E27FC236}">
+                <a16:creationId xmlns:a16="http://schemas.microsoft.com/office/drawing/2014/main" id="{2F1150E1-F227-4BF6-B692-F287A7555276}"/>
+              </a:ext>
+            </a:extLst>
+          </p:cNvPr>
+          <p:cNvSpPr/>
+          <p:nvPr/>
+        </p:nvSpPr>
+        <p:spPr>
+          <a:xfrm>
+            <a:off x="8369808" y="3538769"/>
+            <a:ext cx="708987" cy="141957"/>
+          </a:xfrm>
+          <a:prstGeom prst="rect">
+            <a:avLst/>
+          </a:prstGeom>
+          <a:noFill/>
+          <a:ln w="19050">
+            <a:solidFill>
+              <a:srgbClr val="FF0000"/>
+            </a:solidFill>
+          </a:ln>
+        </p:spPr>
+        <p:style>
+          <a:lnRef idx="2">
+            <a:schemeClr val="accent1">
+              <a:shade val="50000"/>
+            </a:schemeClr>
+          </a:lnRef>
+          <a:fillRef idx="1">
+            <a:schemeClr val="accent1"/>
+          </a:fillRef>
+          <a:effectRef idx="0">
+            <a:schemeClr val="accent1"/>
+          </a:effectRef>
+          <a:fontRef idx="minor">
+            <a:schemeClr val="lt1"/>
+          </a:fontRef>
+        </p:style>
+        <p:txBody>
+          <a:bodyPr rtlCol="0" anchor="ctr"/>
+          <a:lstStyle/>
+          <a:p>
+            <a:pPr algn="ctr"/>
+            <a:endParaRPr lang="zh-TW" altLang="en-US"/>
+          </a:p>
+        </p:txBody>
+      </p:sp>
+      <p:sp>
+        <p:nvSpPr>
+          <p:cNvPr id="18" name="矩形 17">
+            <a:extLst>
+              <a:ext uri="{FF2B5EF4-FFF2-40B4-BE49-F238E27FC236}">
+                <a16:creationId xmlns:a16="http://schemas.microsoft.com/office/drawing/2014/main" id="{E42CE7B1-A95D-4049-A26B-B64EE21B1845}"/>
+              </a:ext>
+            </a:extLst>
+          </p:cNvPr>
+          <p:cNvSpPr/>
+          <p:nvPr/>
+        </p:nvSpPr>
+        <p:spPr>
+          <a:xfrm>
+            <a:off x="2167811" y="1728504"/>
+            <a:ext cx="1033044" cy="226462"/>
+          </a:xfrm>
+          <a:prstGeom prst="rect">
+            <a:avLst/>
+          </a:prstGeom>
+          <a:noFill/>
+          <a:ln w="19050">
+            <a:solidFill>
+              <a:srgbClr val="FF0000"/>
+            </a:solidFill>
+          </a:ln>
+        </p:spPr>
+        <p:style>
+          <a:lnRef idx="2">
+            <a:schemeClr val="accent1">
+              <a:shade val="50000"/>
+            </a:schemeClr>
+          </a:lnRef>
+          <a:fillRef idx="1">
+            <a:schemeClr val="accent1"/>
+          </a:fillRef>
+          <a:effectRef idx="0">
+            <a:schemeClr val="accent1"/>
+          </a:effectRef>
+          <a:fontRef idx="minor">
+            <a:schemeClr val="lt1"/>
+          </a:fontRef>
+        </p:style>
+        <p:txBody>
+          <a:bodyPr rtlCol="0" anchor="ctr"/>
+          <a:lstStyle/>
+          <a:p>
+            <a:pPr algn="ctr"/>
+            <a:endParaRPr lang="zh-TW" altLang="en-US"/>
+          </a:p>
+        </p:txBody>
+      </p:sp>
+      <p:pic>
+        <p:nvPicPr>
+          <p:cNvPr id="24" name="圖片 23">
+            <a:extLst>
+              <a:ext uri="{FF2B5EF4-FFF2-40B4-BE49-F238E27FC236}">
+                <a16:creationId xmlns:a16="http://schemas.microsoft.com/office/drawing/2014/main" id="{B2CA9865-52F4-49B4-8F6C-C70EC93F003A}"/>
+              </a:ext>
+            </a:extLst>
+          </p:cNvPr>
+          <p:cNvPicPr>
+            <a:picLocks noChangeAspect="1"/>
+          </p:cNvPicPr>
+          <p:nvPr/>
+        </p:nvPicPr>
+        <p:blipFill>
+          <a:blip r:embed="rId4"/>
+          <a:stretch>
+            <a:fillRect/>
+          </a:stretch>
+        </p:blipFill>
+        <p:spPr>
+          <a:xfrm>
+            <a:off x="10114500" y="1262126"/>
+            <a:ext cx="1605059" cy="1920807"/>
+          </a:xfrm>
+          <a:prstGeom prst="rect">
+            <a:avLst/>
+          </a:prstGeom>
+        </p:spPr>
+      </p:pic>
+      <p:sp>
+        <p:nvSpPr>
+          <p:cNvPr id="25" name="矩形 24">
+            <a:extLst>
+              <a:ext uri="{FF2B5EF4-FFF2-40B4-BE49-F238E27FC236}">
+                <a16:creationId xmlns:a16="http://schemas.microsoft.com/office/drawing/2014/main" id="{D70F60CF-A926-4607-8B04-D1BDA73834AA}"/>
+              </a:ext>
+            </a:extLst>
+          </p:cNvPr>
+          <p:cNvSpPr/>
+          <p:nvPr/>
+        </p:nvSpPr>
+        <p:spPr>
+          <a:xfrm>
+            <a:off x="6914622" y="1448501"/>
+            <a:ext cx="1208298" cy="226462"/>
+          </a:xfrm>
+          <a:prstGeom prst="rect">
+            <a:avLst/>
+          </a:prstGeom>
+          <a:noFill/>
+          <a:ln w="19050">
+            <a:solidFill>
+              <a:srgbClr val="FF0000"/>
+            </a:solidFill>
+          </a:ln>
+        </p:spPr>
+        <p:style>
+          <a:lnRef idx="2">
+            <a:schemeClr val="accent1">
+              <a:shade val="50000"/>
+            </a:schemeClr>
+          </a:lnRef>
+          <a:fillRef idx="1">
+            <a:schemeClr val="accent1"/>
+          </a:fillRef>
+          <a:effectRef idx="0">
+            <a:schemeClr val="accent1"/>
+          </a:effectRef>
+          <a:fontRef idx="minor">
+            <a:schemeClr val="lt1"/>
+          </a:fontRef>
+        </p:style>
+        <p:txBody>
+          <a:bodyPr rtlCol="0" anchor="ctr"/>
+          <a:lstStyle/>
+          <a:p>
+            <a:pPr algn="ctr"/>
+            <a:endParaRPr lang="zh-TW" altLang="en-US"/>
+          </a:p>
+        </p:txBody>
+      </p:sp>
+      <p:sp>
+        <p:nvSpPr>
+          <p:cNvPr id="26" name="矩形 25">
+            <a:extLst>
+              <a:ext uri="{FF2B5EF4-FFF2-40B4-BE49-F238E27FC236}">
+                <a16:creationId xmlns:a16="http://schemas.microsoft.com/office/drawing/2014/main" id="{88BB4D99-E3A9-413C-80C5-A515FB76A029}"/>
+              </a:ext>
+            </a:extLst>
+          </p:cNvPr>
+          <p:cNvSpPr/>
+          <p:nvPr/>
+        </p:nvSpPr>
+        <p:spPr>
+          <a:xfrm>
+            <a:off x="2167810" y="2510824"/>
+            <a:ext cx="1190069" cy="226462"/>
+          </a:xfrm>
+          <a:prstGeom prst="rect">
+            <a:avLst/>
+          </a:prstGeom>
+          <a:noFill/>
+          <a:ln w="19050">
+            <a:solidFill>
+              <a:srgbClr val="FF0000"/>
+            </a:solidFill>
+          </a:ln>
+        </p:spPr>
+        <p:style>
+          <a:lnRef idx="2">
+            <a:schemeClr val="accent1">
+              <a:shade val="50000"/>
+            </a:schemeClr>
+          </a:lnRef>
+          <a:fillRef idx="1">
+            <a:schemeClr val="accent1"/>
+          </a:fillRef>
+          <a:effectRef idx="0">
+            <a:schemeClr val="accent1"/>
+          </a:effectRef>
+          <a:fontRef idx="minor">
+            <a:schemeClr val="lt1"/>
+          </a:fontRef>
+        </p:style>
+        <p:txBody>
+          <a:bodyPr rtlCol="0" anchor="ctr"/>
+          <a:lstStyle/>
+          <a:p>
+            <a:pPr algn="ctr"/>
+            <a:endParaRPr lang="zh-TW" altLang="en-US"/>
+          </a:p>
+        </p:txBody>
+      </p:sp>
+      <p:sp>
+        <p:nvSpPr>
+          <p:cNvPr id="27" name="矩形 26">
+            <a:extLst>
+              <a:ext uri="{FF2B5EF4-FFF2-40B4-BE49-F238E27FC236}">
+                <a16:creationId xmlns:a16="http://schemas.microsoft.com/office/drawing/2014/main" id="{03DF7864-2F40-4BC3-8F40-FEFBD7F8E6CC}"/>
+              </a:ext>
+            </a:extLst>
+          </p:cNvPr>
+          <p:cNvSpPr/>
+          <p:nvPr/>
+        </p:nvSpPr>
+        <p:spPr>
+          <a:xfrm>
+            <a:off x="10114500" y="2341291"/>
+            <a:ext cx="335060" cy="169533"/>
+          </a:xfrm>
+          <a:prstGeom prst="rect">
+            <a:avLst/>
+          </a:prstGeom>
+          <a:noFill/>
+          <a:ln w="19050">
+            <a:solidFill>
+              <a:srgbClr val="FF0000"/>
+            </a:solidFill>
+          </a:ln>
+        </p:spPr>
+        <p:style>
+          <a:lnRef idx="2">
+            <a:schemeClr val="accent1">
+              <a:shade val="50000"/>
+            </a:schemeClr>
+          </a:lnRef>
+          <a:fillRef idx="1">
+            <a:schemeClr val="accent1"/>
+          </a:fillRef>
+          <a:effectRef idx="0">
+            <a:schemeClr val="accent1"/>
+          </a:effectRef>
+          <a:fontRef idx="minor">
+            <a:schemeClr val="lt1"/>
+          </a:fontRef>
+        </p:style>
+        <p:txBody>
+          <a:bodyPr rtlCol="0" anchor="ctr"/>
+          <a:lstStyle/>
+          <a:p>
+            <a:pPr algn="ctr"/>
+            <a:endParaRPr lang="zh-TW" altLang="en-US"/>
+          </a:p>
+        </p:txBody>
+      </p:sp>
+      <p:sp>
+        <p:nvSpPr>
+          <p:cNvPr id="28" name="矩形 27">
+            <a:extLst>
+              <a:ext uri="{FF2B5EF4-FFF2-40B4-BE49-F238E27FC236}">
+                <a16:creationId xmlns:a16="http://schemas.microsoft.com/office/drawing/2014/main" id="{17ED2174-B9ED-475C-A8DE-2B3D54AEAF41}"/>
+              </a:ext>
+            </a:extLst>
+          </p:cNvPr>
+          <p:cNvSpPr/>
+          <p:nvPr/>
+        </p:nvSpPr>
+        <p:spPr>
+          <a:xfrm>
+            <a:off x="10114500" y="1659268"/>
+            <a:ext cx="420624" cy="195072"/>
+          </a:xfrm>
+          <a:prstGeom prst="rect">
+            <a:avLst/>
+          </a:prstGeom>
+          <a:noFill/>
+          <a:ln w="19050">
+            <a:solidFill>
+              <a:srgbClr val="FF0000"/>
+            </a:solidFill>
+          </a:ln>
+        </p:spPr>
+        <p:style>
+          <a:lnRef idx="2">
+            <a:schemeClr val="accent1">
+              <a:shade val="50000"/>
+            </a:schemeClr>
+          </a:lnRef>
+          <a:fillRef idx="1">
+            <a:schemeClr val="accent1"/>
+          </a:fillRef>
+          <a:effectRef idx="0">
+            <a:schemeClr val="accent1"/>
+          </a:effectRef>
+          <a:fontRef idx="minor">
+            <a:schemeClr val="lt1"/>
+          </a:fontRef>
+        </p:style>
+        <p:txBody>
+          <a:bodyPr rtlCol="0" anchor="ctr"/>
+          <a:lstStyle/>
+          <a:p>
+            <a:pPr algn="ctr"/>
+            <a:endParaRPr lang="zh-TW" altLang="en-US"/>
+          </a:p>
+        </p:txBody>
+      </p:sp>
+    </p:spTree>
+    <p:extLst>
+      <p:ext uri="{BB962C8B-B14F-4D97-AF65-F5344CB8AC3E}">
+        <p14:creationId xmlns:p14="http://schemas.microsoft.com/office/powerpoint/2010/main" val="205360988"/>
+      </p:ext>
+    </p:extLst>
+  </p:cSld>
+  <p:clrMapOvr>
+    <a:masterClrMapping/>
+  </p:clrMapOvr>
+</p:sld>
+</file>
+
+<file path=ppt/slides/slide4.xml><?xml version="1.0" encoding="utf-8"?>
+<p:sld xmlns:a="http://schemas.openxmlformats.org/drawingml/2006/main" xmlns:r="http://schemas.openxmlformats.org/officeDocument/2006/relationships" xmlns:p="http://schemas.openxmlformats.org/presentationml/2006/main">
+  <p:cSld>
+    <p:spTree>
+      <p:nvGrpSpPr>
+        <p:cNvPr id="1" name=""/>
+        <p:cNvGrpSpPr/>
+        <p:nvPr/>
+      </p:nvGrpSpPr>
+      <p:grpSpPr>
+        <a:xfrm>
+          <a:off x="0" y="0"/>
+          <a:ext cx="0" cy="0"/>
+          <a:chOff x="0" y="0"/>
+          <a:chExt cx="0" cy="0"/>
+        </a:xfrm>
+      </p:grpSpPr>
+      <p:sp>
+        <p:nvSpPr>
+          <p:cNvPr id="2" name="標題 1">
+            <a:extLst>
+              <a:ext uri="{FF2B5EF4-FFF2-40B4-BE49-F238E27FC236}">
+                <a16:creationId xmlns:a16="http://schemas.microsoft.com/office/drawing/2014/main" id="{D0E0EBC7-6233-48FA-B93C-B3877C4EFADA}"/>
+              </a:ext>
+            </a:extLst>
+          </p:cNvPr>
+          <p:cNvSpPr>
+            <a:spLocks noGrp="1"/>
+          </p:cNvSpPr>
+          <p:nvPr>
+            <p:ph type="title"/>
+          </p:nvPr>
+        </p:nvSpPr>
+        <p:spPr>
+          <a:xfrm>
+            <a:off x="621792" y="457200"/>
+            <a:ext cx="10058400" cy="869214"/>
+          </a:xfrm>
+        </p:spPr>
+        <p:txBody>
+          <a:bodyPr/>
+          <a:lstStyle/>
+          <a:p>
+            <a:r>
+              <a:rPr lang="en-US" altLang="zh-TW" dirty="0"/>
+              <a:t>Code1</a:t>
+            </a:r>
+            <a:endParaRPr lang="zh-TW" altLang="en-US" dirty="0"/>
+          </a:p>
+        </p:txBody>
+      </p:sp>
+      <p:sp>
+        <p:nvSpPr>
+          <p:cNvPr id="4" name="日期版面配置區 3">
+            <a:extLst>
+              <a:ext uri="{FF2B5EF4-FFF2-40B4-BE49-F238E27FC236}">
+                <a16:creationId xmlns:a16="http://schemas.microsoft.com/office/drawing/2014/main" id="{D29F0A74-10DE-47FC-82D9-A2C8197F1F65}"/>
+              </a:ext>
+            </a:extLst>
+          </p:cNvPr>
+          <p:cNvSpPr>
+            <a:spLocks noGrp="1"/>
+          </p:cNvSpPr>
+          <p:nvPr>
+            <p:ph type="dt" sz="half" idx="10"/>
+          </p:nvPr>
+        </p:nvSpPr>
+        <p:spPr/>
+        <p:txBody>
+          <a:bodyPr/>
+          <a:lstStyle/>
+          <a:p>
+            <a:pPr rtl="0"/>
+            <a:fld id="{CE847876-3A2B-49FA-B396-40048599C954}" type="datetime1">
+              <a:rPr lang="zh-TW" altLang="en-US" smtClean="0"/>
+              <a:t>2020/12/9</a:t>
+            </a:fld>
+            <a:endParaRPr lang="en-US"/>
+          </a:p>
+        </p:txBody>
+      </p:sp>
+      <p:sp>
+        <p:nvSpPr>
+          <p:cNvPr id="10" name="內容版面配置區 9">
+            <a:extLst>
+              <a:ext uri="{FF2B5EF4-FFF2-40B4-BE49-F238E27FC236}">
+                <a16:creationId xmlns:a16="http://schemas.microsoft.com/office/drawing/2014/main" id="{0236F1B6-1123-45FC-AA37-D15C2FFADAD6}"/>
+              </a:ext>
+            </a:extLst>
+          </p:cNvPr>
+          <p:cNvSpPr>
+            <a:spLocks noGrp="1"/>
+          </p:cNvSpPr>
+          <p:nvPr>
+            <p:ph idx="1"/>
+          </p:nvPr>
+        </p:nvSpPr>
+        <p:spPr>
+          <a:xfrm>
+            <a:off x="621792" y="1182624"/>
+            <a:ext cx="7748016" cy="5266944"/>
+          </a:xfrm>
+        </p:spPr>
+        <p:txBody>
+          <a:bodyPr>
+            <a:normAutofit/>
+          </a:bodyPr>
+          <a:lstStyle/>
+          <a:p>
+            <a:r>
+              <a:rPr lang="en-US" altLang="zh-TW" dirty="0"/>
+              <a:t>text1 = "The House of Representatives on Tuesday overwhelmingly approved a sweeping defense bill with a veto-proof majority after a veto threat from President Donald Trump sharply divided Republican lawmakers, forcing them to choose between loyalty to him and legislation that sets defense policy for the country."</a:t>
+            </a:r>
+          </a:p>
+          <a:p>
+            <a:r>
+              <a:rPr lang="en-US" altLang="zh-TW" dirty="0"/>
+              <a:t>text2 = "The repetitive and meritless legal challenges to the November 3 election results from President Donald Trump and his allies have sent one fundamental message: Millions of votes cast by their fellow Americans are </a:t>
+            </a:r>
+            <a:r>
+              <a:rPr lang="en-US" altLang="zh-TW" dirty="0" err="1"/>
+              <a:t>worthless.Trump</a:t>
+            </a:r>
+            <a:r>
+              <a:rPr lang="en-US" altLang="zh-TW" dirty="0"/>
+              <a:t> lawyers have argued for the widescale disenfranchisement of voters, including in Pennsylvania. So far, they have failed to convince the nation's </a:t>
+            </a:r>
+            <a:r>
+              <a:rPr lang="en-US" altLang="zh-TW" dirty="0" err="1"/>
+              <a:t>courts.The</a:t>
+            </a:r>
+            <a:r>
+              <a:rPr lang="en-US" altLang="zh-TW" dirty="0"/>
+              <a:t> Supreme Court rejected one of the cases from Pennsylvania Tuesday with a single sentence. That high court action came with no explanation, yet it reinforced a pattern of lower court judges spurning a series of baseless appeals."</a:t>
+            </a:r>
+          </a:p>
+          <a:p>
+            <a:r>
+              <a:rPr lang="en-US" altLang="zh-TW" dirty="0"/>
+              <a:t>text3 = "On the heels of major vaccine developments, Biden committed that his team will help get \"at least 100 million </a:t>
+            </a:r>
+            <a:r>
+              <a:rPr lang="en-US" altLang="zh-TW" dirty="0" err="1"/>
+              <a:t>Covid</a:t>
+            </a:r>
+            <a:r>
+              <a:rPr lang="en-US" altLang="zh-TW" dirty="0"/>
+              <a:t> vaccine shots into the arms of the American people in the first 100 days.\" It will be a massive undertaking, which he acknowledged Tuesday.\"This will be the most efficient mass vaccination plan in US history. I credit everyone who has gotten us to this point, but developing the vaccine is one herculean task,\" Biden said. \"Distributing it is another.\"This is on top of his pending nationwide 100-day mask mandate. "</a:t>
+            </a:r>
+          </a:p>
+          <a:p>
+            <a:endParaRPr lang="zh-TW" altLang="en-US" dirty="0"/>
+          </a:p>
+        </p:txBody>
+      </p:sp>
+      <p:pic>
+        <p:nvPicPr>
+          <p:cNvPr id="12" name="圖片 11">
+            <a:extLst>
+              <a:ext uri="{FF2B5EF4-FFF2-40B4-BE49-F238E27FC236}">
+                <a16:creationId xmlns:a16="http://schemas.microsoft.com/office/drawing/2014/main" id="{A4AB40C5-7C3B-4831-BA5C-EB3EF8F70342}"/>
+              </a:ext>
+            </a:extLst>
+          </p:cNvPr>
+          <p:cNvPicPr>
+            <a:picLocks noChangeAspect="1"/>
+          </p:cNvPicPr>
+          <p:nvPr/>
+        </p:nvPicPr>
+        <p:blipFill>
+          <a:blip r:embed="rId3"/>
+          <a:stretch>
+            <a:fillRect/>
+          </a:stretch>
+        </p:blipFill>
+        <p:spPr>
+          <a:xfrm>
+            <a:off x="8482740" y="750219"/>
+            <a:ext cx="2636364" cy="5357562"/>
+          </a:xfrm>
+          <a:prstGeom prst="rect">
+            <a:avLst/>
+          </a:prstGeom>
+        </p:spPr>
+      </p:pic>
+      <p:sp>
+        <p:nvSpPr>
+          <p:cNvPr id="7" name="矩形 6">
+            <a:extLst>
+              <a:ext uri="{FF2B5EF4-FFF2-40B4-BE49-F238E27FC236}">
+                <a16:creationId xmlns:a16="http://schemas.microsoft.com/office/drawing/2014/main" id="{1603C65F-BA7B-4503-B848-C977F50476CD}"/>
+              </a:ext>
+            </a:extLst>
+          </p:cNvPr>
+          <p:cNvSpPr/>
+          <p:nvPr/>
+        </p:nvSpPr>
+        <p:spPr>
+          <a:xfrm>
+            <a:off x="8482740" y="1329996"/>
+            <a:ext cx="2447388" cy="429234"/>
+          </a:xfrm>
+          <a:prstGeom prst="rect">
+            <a:avLst/>
+          </a:prstGeom>
+          <a:noFill/>
+          <a:ln w="19050">
+            <a:solidFill>
+              <a:srgbClr val="FF0000"/>
+            </a:solidFill>
+          </a:ln>
+        </p:spPr>
+        <p:style>
+          <a:lnRef idx="2">
+            <a:schemeClr val="accent1">
+              <a:shade val="50000"/>
+            </a:schemeClr>
+          </a:lnRef>
+          <a:fillRef idx="1">
+            <a:schemeClr val="accent1"/>
+          </a:fillRef>
+          <a:effectRef idx="0">
+            <a:schemeClr val="accent1"/>
+          </a:effectRef>
+          <a:fontRef idx="minor">
+            <a:schemeClr val="lt1"/>
+          </a:fontRef>
+        </p:style>
+        <p:txBody>
+          <a:bodyPr rtlCol="0" anchor="ctr"/>
+          <a:lstStyle/>
+          <a:p>
+            <a:pPr algn="ctr"/>
+            <a:endParaRPr lang="zh-TW" altLang="en-US"/>
+          </a:p>
+        </p:txBody>
+      </p:sp>
+    </p:spTree>
+    <p:extLst>
+      <p:ext uri="{BB962C8B-B14F-4D97-AF65-F5344CB8AC3E}">
+        <p14:creationId xmlns:p14="http://schemas.microsoft.com/office/powerpoint/2010/main" val="465963574"/>
+      </p:ext>
+    </p:extLst>
+  </p:cSld>
+  <p:clrMapOvr>
+    <a:masterClrMapping/>
+  </p:clrMapOvr>
+</p:sld>
+</file>
+
+<file path=ppt/slides/slide5.xml><?xml version="1.0" encoding="utf-8"?>
+<p:sld xmlns:a="http://schemas.openxmlformats.org/drawingml/2006/main" xmlns:r="http://schemas.openxmlformats.org/officeDocument/2006/relationships" xmlns:p="http://schemas.openxmlformats.org/presentationml/2006/main">
+  <p:cSld>
+    <p:spTree>
+      <p:nvGrpSpPr>
+        <p:cNvPr id="1" name=""/>
+        <p:cNvGrpSpPr/>
+        <p:nvPr/>
+      </p:nvGrpSpPr>
+      <p:grpSpPr>
+        <a:xfrm>
+          <a:off x="0" y="0"/>
+          <a:ext cx="0" cy="0"/>
+          <a:chOff x="0" y="0"/>
+          <a:chExt cx="0" cy="0"/>
+        </a:xfrm>
+      </p:grpSpPr>
+      <p:sp>
+        <p:nvSpPr>
+          <p:cNvPr id="2" name="標題 1">
+            <a:extLst>
+              <a:ext uri="{FF2B5EF4-FFF2-40B4-BE49-F238E27FC236}">
+                <a16:creationId xmlns:a16="http://schemas.microsoft.com/office/drawing/2014/main" id="{5644B6CD-8F85-49BC-AE9E-38F344434502}"/>
+              </a:ext>
+            </a:extLst>
+          </p:cNvPr>
+          <p:cNvSpPr>
+            <a:spLocks noGrp="1"/>
+          </p:cNvSpPr>
+          <p:nvPr>
+            <p:ph type="title"/>
+          </p:nvPr>
+        </p:nvSpPr>
+        <p:spPr>
+          <a:xfrm>
+            <a:off x="1066800" y="642594"/>
+            <a:ext cx="10058400" cy="843306"/>
+          </a:xfrm>
+        </p:spPr>
+        <p:txBody>
+          <a:bodyPr>
+            <a:normAutofit/>
+          </a:bodyPr>
+          <a:lstStyle/>
+          <a:p>
+            <a:r>
+              <a:rPr lang="en-US" altLang="zh-TW" i="0" dirty="0" err="1">
+                <a:effectLst/>
+                <a:latin typeface="-apple-system"/>
+              </a:rPr>
+              <a:t>TfidfVectorizer</a:t>
+            </a:r>
+            <a:r>
+              <a:rPr lang="zh-TW" altLang="en-US" i="0" dirty="0">
+                <a:effectLst/>
+                <a:latin typeface="-apple-system"/>
+              </a:rPr>
+              <a:t> 的缺點</a:t>
+            </a:r>
+            <a:endParaRPr lang="zh-TW" altLang="en-US" dirty="0"/>
+          </a:p>
+        </p:txBody>
+      </p:sp>
+      <p:sp>
+        <p:nvSpPr>
+          <p:cNvPr id="3" name="內容版面配置區 2">
+            <a:extLst>
+              <a:ext uri="{FF2B5EF4-FFF2-40B4-BE49-F238E27FC236}">
+                <a16:creationId xmlns:a16="http://schemas.microsoft.com/office/drawing/2014/main" id="{22DAF363-BF16-4357-A2FA-8C6391B85C76}"/>
+              </a:ext>
+            </a:extLst>
+          </p:cNvPr>
+          <p:cNvSpPr>
+            <a:spLocks noGrp="1"/>
+          </p:cNvSpPr>
+          <p:nvPr>
+            <p:ph idx="1"/>
+          </p:nvPr>
+        </p:nvSpPr>
+        <p:spPr>
+          <a:xfrm>
+            <a:off x="1066800" y="1485900"/>
+            <a:ext cx="10058400" cy="4466844"/>
+          </a:xfrm>
+        </p:spPr>
+        <p:txBody>
+          <a:bodyPr>
+            <a:normAutofit/>
+          </a:bodyPr>
+          <a:lstStyle/>
+          <a:p>
+            <a:r>
+              <a:rPr lang="zh-TW" altLang="en-US" sz="2000" dirty="0"/>
+              <a:t>無法有效剔除  </a:t>
+            </a:r>
+            <a:r>
+              <a:rPr lang="en-US" altLang="zh-TW" sz="2000" dirty="0">
+                <a:solidFill>
+                  <a:srgbClr val="FF0000"/>
+                </a:solidFill>
+              </a:rPr>
+              <a:t>the , a , and</a:t>
+            </a:r>
+          </a:p>
+          <a:p>
+            <a:r>
+              <a:rPr lang="zh-TW" altLang="en-US" sz="2000" dirty="0"/>
+              <a:t>效果不佳 ，無法完全挑到我們要的重點</a:t>
+            </a:r>
+            <a:endParaRPr lang="en-US" altLang="zh-TW" sz="2000" dirty="0"/>
+          </a:p>
+        </p:txBody>
+      </p:sp>
+      <p:sp>
+        <p:nvSpPr>
+          <p:cNvPr id="4" name="日期版面配置區 3">
+            <a:extLst>
+              <a:ext uri="{FF2B5EF4-FFF2-40B4-BE49-F238E27FC236}">
+                <a16:creationId xmlns:a16="http://schemas.microsoft.com/office/drawing/2014/main" id="{C1EC0B0C-DC6A-45D7-B7CB-31E47A3EA6B0}"/>
+              </a:ext>
+            </a:extLst>
+          </p:cNvPr>
+          <p:cNvSpPr>
+            <a:spLocks noGrp="1"/>
+          </p:cNvSpPr>
+          <p:nvPr>
+            <p:ph type="dt" sz="half" idx="10"/>
+          </p:nvPr>
+        </p:nvSpPr>
+        <p:spPr/>
+        <p:txBody>
+          <a:bodyPr/>
+          <a:lstStyle/>
+          <a:p>
+            <a:pPr rtl="0"/>
+            <a:fld id="{CE847876-3A2B-49FA-B396-40048599C954}" type="datetime1">
+              <a:rPr lang="zh-TW" altLang="en-US" smtClean="0"/>
+              <a:t>2020/12/9</a:t>
+            </a:fld>
+            <a:endParaRPr lang="en-US"/>
+          </a:p>
+        </p:txBody>
+      </p:sp>
+    </p:spTree>
+    <p:extLst>
+      <p:ext uri="{BB962C8B-B14F-4D97-AF65-F5344CB8AC3E}">
+        <p14:creationId xmlns:p14="http://schemas.microsoft.com/office/powerpoint/2010/main" val="2802704284"/>
+      </p:ext>
+    </p:extLst>
+  </p:cSld>
+  <p:clrMapOvr>
+    <a:masterClrMapping/>
+  </p:clrMapOvr>
+</p:sld>
+</file>
+
+<file path=ppt/slides/slide6.xml><?xml version="1.0" encoding="utf-8"?>
+<p:sld xmlns:a="http://schemas.openxmlformats.org/drawingml/2006/main" xmlns:r="http://schemas.openxmlformats.org/officeDocument/2006/relationships" xmlns:p="http://schemas.openxmlformats.org/presentationml/2006/main">
+  <p:cSld>
+    <p:spTree>
+      <p:nvGrpSpPr>
+        <p:cNvPr id="1" name=""/>
+        <p:cNvGrpSpPr/>
+        <p:nvPr/>
+      </p:nvGrpSpPr>
+      <p:grpSpPr>
+        <a:xfrm>
+          <a:off x="0" y="0"/>
+          <a:ext cx="0" cy="0"/>
+          <a:chOff x="0" y="0"/>
+          <a:chExt cx="0" cy="0"/>
+        </a:xfrm>
+      </p:grpSpPr>
+      <p:pic>
+        <p:nvPicPr>
+          <p:cNvPr id="22" name="圖片 21">
+            <a:extLst>
+              <a:ext uri="{FF2B5EF4-FFF2-40B4-BE49-F238E27FC236}">
+                <a16:creationId xmlns:a16="http://schemas.microsoft.com/office/drawing/2014/main" id="{4D98D8F7-7B61-4301-BFF2-999857E4E428}"/>
+              </a:ext>
+            </a:extLst>
+          </p:cNvPr>
+          <p:cNvPicPr>
+            <a:picLocks noChangeAspect="1"/>
+          </p:cNvPicPr>
+          <p:nvPr/>
+        </p:nvPicPr>
+        <p:blipFill>
+          <a:blip r:embed="rId3"/>
+          <a:stretch>
+            <a:fillRect/>
+          </a:stretch>
+        </p:blipFill>
+        <p:spPr>
+          <a:xfrm>
+            <a:off x="8369808" y="1262126"/>
+            <a:ext cx="1536522" cy="3303524"/>
+          </a:xfrm>
+          <a:prstGeom prst="rect">
+            <a:avLst/>
+          </a:prstGeom>
+        </p:spPr>
+      </p:pic>
+      <p:sp>
+        <p:nvSpPr>
+          <p:cNvPr id="2" name="標題 1">
+            <a:extLst>
+              <a:ext uri="{FF2B5EF4-FFF2-40B4-BE49-F238E27FC236}">
+                <a16:creationId xmlns:a16="http://schemas.microsoft.com/office/drawing/2014/main" id="{D0E0EBC7-6233-48FA-B93C-B3877C4EFADA}"/>
+              </a:ext>
+            </a:extLst>
+          </p:cNvPr>
+          <p:cNvSpPr>
+            <a:spLocks noGrp="1"/>
+          </p:cNvSpPr>
+          <p:nvPr>
+            <p:ph type="title"/>
+          </p:nvPr>
+        </p:nvSpPr>
+        <p:spPr>
+          <a:xfrm>
+            <a:off x="621792" y="457200"/>
+            <a:ext cx="10058400" cy="869214"/>
+          </a:xfrm>
+        </p:spPr>
+        <p:txBody>
+          <a:bodyPr/>
+          <a:lstStyle/>
+          <a:p>
+            <a:r>
+              <a:rPr lang="en-US" altLang="zh-TW" dirty="0"/>
+              <a:t>Code1</a:t>
+            </a:r>
+            <a:endParaRPr lang="zh-TW" altLang="en-US" dirty="0"/>
+          </a:p>
+        </p:txBody>
+      </p:sp>
+      <p:sp>
+        <p:nvSpPr>
+          <p:cNvPr id="4" name="日期版面配置區 3">
+            <a:extLst>
+              <a:ext uri="{FF2B5EF4-FFF2-40B4-BE49-F238E27FC236}">
+                <a16:creationId xmlns:a16="http://schemas.microsoft.com/office/drawing/2014/main" id="{D29F0A74-10DE-47FC-82D9-A2C8197F1F65}"/>
+              </a:ext>
+            </a:extLst>
+          </p:cNvPr>
+          <p:cNvSpPr>
+            <a:spLocks noGrp="1"/>
+          </p:cNvSpPr>
+          <p:nvPr>
+            <p:ph type="dt" sz="half" idx="10"/>
+          </p:nvPr>
+        </p:nvSpPr>
+        <p:spPr/>
+        <p:txBody>
+          <a:bodyPr/>
+          <a:lstStyle/>
+          <a:p>
+            <a:pPr rtl="0"/>
+            <a:fld id="{CE847876-3A2B-49FA-B396-40048599C954}" type="datetime1">
+              <a:rPr lang="zh-TW" altLang="en-US" smtClean="0"/>
+              <a:t>2020/12/9</a:t>
+            </a:fld>
+            <a:endParaRPr lang="en-US"/>
+          </a:p>
+        </p:txBody>
+      </p:sp>
+      <p:sp>
+        <p:nvSpPr>
+          <p:cNvPr id="10" name="內容版面配置區 9">
+            <a:extLst>
+              <a:ext uri="{FF2B5EF4-FFF2-40B4-BE49-F238E27FC236}">
+                <a16:creationId xmlns:a16="http://schemas.microsoft.com/office/drawing/2014/main" id="{0236F1B6-1123-45FC-AA37-D15C2FFADAD6}"/>
+              </a:ext>
+            </a:extLst>
+          </p:cNvPr>
+          <p:cNvSpPr>
+            <a:spLocks noGrp="1"/>
+          </p:cNvSpPr>
+          <p:nvPr>
+            <p:ph idx="1"/>
+          </p:nvPr>
+        </p:nvSpPr>
+        <p:spPr>
+          <a:xfrm>
+            <a:off x="621792" y="1182624"/>
+            <a:ext cx="7748016" cy="5266944"/>
+          </a:xfrm>
+        </p:spPr>
+        <p:txBody>
+          <a:bodyPr>
+            <a:normAutofit/>
+          </a:bodyPr>
+          <a:lstStyle/>
+          <a:p>
+            <a:r>
+              <a:rPr lang="en-US" altLang="zh-TW" sz="1400" dirty="0"/>
+              <a:t>text1 = "The House of Representatives on Tuesday overwhelmingly approved a sweeping defense bill with a veto-proof majority after a veto threat from President Donald Trump sharply divided Republican lawmakers, forcing them to choose between loyalty to him and legislation that sets defense policy for the country."</a:t>
+            </a:r>
+          </a:p>
+          <a:p>
+            <a:r>
+              <a:rPr lang="en-US" altLang="zh-TW" sz="1400" dirty="0"/>
+              <a:t>text2 = "The repetitive and meritless legal challenges to the November 3 election results from President Donald Trump and his allies have sent one fundamental message: Millions of votes </a:t>
+            </a:r>
+            <a:r>
+              <a:rPr lang="en-US" altLang="zh-TW" sz="1400" b="1" dirty="0"/>
+              <a:t>cast</a:t>
+            </a:r>
+            <a:r>
+              <a:rPr lang="en-US" altLang="zh-TW" sz="1400" dirty="0"/>
+              <a:t> by their fellow Americans are </a:t>
+            </a:r>
+            <a:r>
+              <a:rPr lang="en-US" altLang="zh-TW" sz="1400" dirty="0" err="1"/>
+              <a:t>worthless.Trump</a:t>
+            </a:r>
+            <a:r>
+              <a:rPr lang="en-US" altLang="zh-TW" sz="1400" dirty="0"/>
+              <a:t> lawyers have argued for the widescale disenfranchisement of voters, including in Pennsylvania. So far, they have failed to convince the nation's </a:t>
+            </a:r>
+            <a:r>
+              <a:rPr lang="en-US" altLang="zh-TW" sz="1400" dirty="0" err="1"/>
+              <a:t>courts.The</a:t>
+            </a:r>
+            <a:r>
+              <a:rPr lang="en-US" altLang="zh-TW" sz="1400" dirty="0"/>
+              <a:t> Supreme Court rejected one of the cases from Pennsylvania Tuesday with a single sentence. That high court action came with no explanation, yet it reinforced a pattern of lower court judges spurning a series of baseless appeals."</a:t>
+            </a:r>
+          </a:p>
+          <a:p>
+            <a:r>
+              <a:rPr lang="en-US" altLang="zh-TW" sz="1400" dirty="0"/>
+              <a:t>text3 = "On the heels of major vaccine developments, Biden committed that his team will help get \"at least 100 million </a:t>
+            </a:r>
+            <a:r>
+              <a:rPr lang="en-US" altLang="zh-TW" sz="1400" dirty="0" err="1"/>
+              <a:t>Covid</a:t>
+            </a:r>
+            <a:r>
+              <a:rPr lang="en-US" altLang="zh-TW" sz="1400" dirty="0"/>
+              <a:t> vaccine shots into the arms of the American people in the first 100 days.\" It will be a massive undertaking, which he acknowledged Tuesday.\"This will be the most efficient mass vaccination plan in US history. I credit everyone who has gotten us to this point, but developing the vaccine is one herculean task,\" Biden said. \"Distributing it is another.\"This is on top of his pending nationwide 100-day mask mandate. "</a:t>
+            </a:r>
+          </a:p>
+          <a:p>
+            <a:endParaRPr lang="zh-TW" altLang="en-US" sz="1400" dirty="0"/>
+          </a:p>
+        </p:txBody>
+      </p:sp>
+      <p:sp>
+        <p:nvSpPr>
+          <p:cNvPr id="16" name="矩形 15">
+            <a:extLst>
+              <a:ext uri="{FF2B5EF4-FFF2-40B4-BE49-F238E27FC236}">
+                <a16:creationId xmlns:a16="http://schemas.microsoft.com/office/drawing/2014/main" id="{E91AB7A7-BEA7-4BCD-AF25-A43A17564F4B}"/>
+              </a:ext>
+            </a:extLst>
+          </p:cNvPr>
+          <p:cNvSpPr/>
+          <p:nvPr/>
+        </p:nvSpPr>
+        <p:spPr>
+          <a:xfrm>
+            <a:off x="8411227" y="1405916"/>
+            <a:ext cx="256523" cy="99796"/>
+          </a:xfrm>
+          <a:prstGeom prst="rect">
+            <a:avLst/>
+          </a:prstGeom>
+          <a:noFill/>
+          <a:ln w="19050">
+            <a:solidFill>
+              <a:srgbClr val="FF0000"/>
+            </a:solidFill>
+          </a:ln>
+        </p:spPr>
+        <p:style>
+          <a:lnRef idx="2">
+            <a:schemeClr val="accent1">
+              <a:shade val="50000"/>
+            </a:schemeClr>
+          </a:lnRef>
+          <a:fillRef idx="1">
+            <a:schemeClr val="accent1"/>
+          </a:fillRef>
+          <a:effectRef idx="0">
+            <a:schemeClr val="accent1"/>
+          </a:effectRef>
+          <a:fontRef idx="minor">
+            <a:schemeClr val="lt1"/>
+          </a:fontRef>
+        </p:style>
+        <p:txBody>
+          <a:bodyPr rtlCol="0" anchor="ctr"/>
+          <a:lstStyle/>
+          <a:p>
+            <a:pPr algn="ctr"/>
+            <a:endParaRPr lang="zh-TW" altLang="en-US"/>
+          </a:p>
+        </p:txBody>
+      </p:sp>
+      <p:sp>
+        <p:nvSpPr>
+          <p:cNvPr id="17" name="矩形 16">
+            <a:extLst>
+              <a:ext uri="{FF2B5EF4-FFF2-40B4-BE49-F238E27FC236}">
+                <a16:creationId xmlns:a16="http://schemas.microsoft.com/office/drawing/2014/main" id="{2F1150E1-F227-4BF6-B692-F287A7555276}"/>
+              </a:ext>
+            </a:extLst>
+          </p:cNvPr>
+          <p:cNvSpPr/>
+          <p:nvPr/>
+        </p:nvSpPr>
+        <p:spPr>
+          <a:xfrm>
+            <a:off x="8369808" y="3538769"/>
+            <a:ext cx="708987" cy="141957"/>
+          </a:xfrm>
+          <a:prstGeom prst="rect">
+            <a:avLst/>
+          </a:prstGeom>
+          <a:noFill/>
+          <a:ln w="19050">
+            <a:solidFill>
+              <a:srgbClr val="FF0000"/>
+            </a:solidFill>
+          </a:ln>
+        </p:spPr>
+        <p:style>
+          <a:lnRef idx="2">
+            <a:schemeClr val="accent1">
+              <a:shade val="50000"/>
+            </a:schemeClr>
+          </a:lnRef>
+          <a:fillRef idx="1">
+            <a:schemeClr val="accent1"/>
+          </a:fillRef>
+          <a:effectRef idx="0">
+            <a:schemeClr val="accent1"/>
+          </a:effectRef>
+          <a:fontRef idx="minor">
+            <a:schemeClr val="lt1"/>
+          </a:fontRef>
+        </p:style>
+        <p:txBody>
+          <a:bodyPr rtlCol="0" anchor="ctr"/>
+          <a:lstStyle/>
+          <a:p>
+            <a:pPr algn="ctr"/>
+            <a:endParaRPr lang="zh-TW" altLang="en-US"/>
+          </a:p>
+        </p:txBody>
+      </p:sp>
+      <p:pic>
+        <p:nvPicPr>
+          <p:cNvPr id="24" name="圖片 23">
+            <a:extLst>
+              <a:ext uri="{FF2B5EF4-FFF2-40B4-BE49-F238E27FC236}">
+                <a16:creationId xmlns:a16="http://schemas.microsoft.com/office/drawing/2014/main" id="{B2CA9865-52F4-49B4-8F6C-C70EC93F003A}"/>
+              </a:ext>
+            </a:extLst>
+          </p:cNvPr>
+          <p:cNvPicPr>
+            <a:picLocks noChangeAspect="1"/>
+          </p:cNvPicPr>
+          <p:nvPr/>
+        </p:nvPicPr>
+        <p:blipFill>
+          <a:blip r:embed="rId4"/>
+          <a:stretch>
+            <a:fillRect/>
+          </a:stretch>
+        </p:blipFill>
+        <p:spPr>
+          <a:xfrm>
+            <a:off x="10114500" y="1262126"/>
+            <a:ext cx="1605059" cy="1920807"/>
+          </a:xfrm>
+          <a:prstGeom prst="rect">
+            <a:avLst/>
+          </a:prstGeom>
+        </p:spPr>
+      </p:pic>
+      <p:sp>
+        <p:nvSpPr>
+          <p:cNvPr id="25" name="矩形 24">
+            <a:extLst>
+              <a:ext uri="{FF2B5EF4-FFF2-40B4-BE49-F238E27FC236}">
+                <a16:creationId xmlns:a16="http://schemas.microsoft.com/office/drawing/2014/main" id="{D70F60CF-A926-4607-8B04-D1BDA73834AA}"/>
+              </a:ext>
+            </a:extLst>
+          </p:cNvPr>
+          <p:cNvSpPr/>
+          <p:nvPr/>
+        </p:nvSpPr>
+        <p:spPr>
+          <a:xfrm>
+            <a:off x="5838678" y="2284362"/>
+            <a:ext cx="1098570" cy="226462"/>
+          </a:xfrm>
+          <a:prstGeom prst="rect">
+            <a:avLst/>
+          </a:prstGeom>
+          <a:noFill/>
+          <a:ln w="19050">
+            <a:solidFill>
+              <a:srgbClr val="00B050"/>
+            </a:solidFill>
+          </a:ln>
+        </p:spPr>
+        <p:style>
+          <a:lnRef idx="2">
+            <a:schemeClr val="accent1">
+              <a:shade val="50000"/>
+            </a:schemeClr>
+          </a:lnRef>
+          <a:fillRef idx="1">
+            <a:schemeClr val="accent1"/>
+          </a:fillRef>
+          <a:effectRef idx="0">
+            <a:schemeClr val="accent1"/>
+          </a:effectRef>
+          <a:fontRef idx="minor">
+            <a:schemeClr val="lt1"/>
+          </a:fontRef>
+        </p:style>
+        <p:txBody>
+          <a:bodyPr rtlCol="0" anchor="ctr"/>
+          <a:lstStyle/>
+          <a:p>
+            <a:pPr algn="ctr"/>
+            <a:endParaRPr lang="zh-TW" altLang="en-US"/>
+          </a:p>
+        </p:txBody>
+      </p:sp>
+      <p:sp>
+        <p:nvSpPr>
+          <p:cNvPr id="27" name="矩形 26">
+            <a:extLst>
+              <a:ext uri="{FF2B5EF4-FFF2-40B4-BE49-F238E27FC236}">
+                <a16:creationId xmlns:a16="http://schemas.microsoft.com/office/drawing/2014/main" id="{03DF7864-2F40-4BC3-8F40-FEFBD7F8E6CC}"/>
+              </a:ext>
+            </a:extLst>
+          </p:cNvPr>
+          <p:cNvSpPr/>
+          <p:nvPr/>
+        </p:nvSpPr>
+        <p:spPr>
+          <a:xfrm>
+            <a:off x="10114500" y="2341291"/>
+            <a:ext cx="335060" cy="169533"/>
+          </a:xfrm>
+          <a:prstGeom prst="rect">
+            <a:avLst/>
+          </a:prstGeom>
+          <a:noFill/>
+          <a:ln w="19050">
+            <a:solidFill>
+              <a:srgbClr val="FF0000"/>
+            </a:solidFill>
+          </a:ln>
+        </p:spPr>
+        <p:style>
+          <a:lnRef idx="2">
+            <a:schemeClr val="accent1">
+              <a:shade val="50000"/>
+            </a:schemeClr>
+          </a:lnRef>
+          <a:fillRef idx="1">
+            <a:schemeClr val="accent1"/>
+          </a:fillRef>
+          <a:effectRef idx="0">
+            <a:schemeClr val="accent1"/>
+          </a:effectRef>
+          <a:fontRef idx="minor">
+            <a:schemeClr val="lt1"/>
+          </a:fontRef>
+        </p:style>
+        <p:txBody>
+          <a:bodyPr rtlCol="0" anchor="ctr"/>
+          <a:lstStyle/>
+          <a:p>
+            <a:pPr algn="ctr"/>
+            <a:endParaRPr lang="zh-TW" altLang="en-US"/>
+          </a:p>
+        </p:txBody>
+      </p:sp>
+      <p:sp>
+        <p:nvSpPr>
+          <p:cNvPr id="28" name="矩形 27">
+            <a:extLst>
+              <a:ext uri="{FF2B5EF4-FFF2-40B4-BE49-F238E27FC236}">
+                <a16:creationId xmlns:a16="http://schemas.microsoft.com/office/drawing/2014/main" id="{17ED2174-B9ED-475C-A8DE-2B3D54AEAF41}"/>
+              </a:ext>
+            </a:extLst>
+          </p:cNvPr>
+          <p:cNvSpPr/>
+          <p:nvPr/>
+        </p:nvSpPr>
+        <p:spPr>
+          <a:xfrm>
+            <a:off x="10114500" y="1659268"/>
+            <a:ext cx="420624" cy="195072"/>
+          </a:xfrm>
+          <a:prstGeom prst="rect">
+            <a:avLst/>
+          </a:prstGeom>
+          <a:noFill/>
+          <a:ln w="19050">
+            <a:solidFill>
+              <a:srgbClr val="FF0000"/>
+            </a:solidFill>
+          </a:ln>
+        </p:spPr>
+        <p:style>
+          <a:lnRef idx="2">
+            <a:schemeClr val="accent1">
+              <a:shade val="50000"/>
+            </a:schemeClr>
+          </a:lnRef>
+          <a:fillRef idx="1">
+            <a:schemeClr val="accent1"/>
+          </a:fillRef>
+          <a:effectRef idx="0">
+            <a:schemeClr val="accent1"/>
+          </a:effectRef>
+          <a:fontRef idx="minor">
+            <a:schemeClr val="lt1"/>
+          </a:fontRef>
+        </p:style>
+        <p:txBody>
+          <a:bodyPr rtlCol="0" anchor="ctr"/>
+          <a:lstStyle/>
+          <a:p>
+            <a:pPr algn="ctr"/>
+            <a:endParaRPr lang="zh-TW" altLang="en-US"/>
+          </a:p>
+        </p:txBody>
+      </p:sp>
+      <p:sp>
+        <p:nvSpPr>
+          <p:cNvPr id="15" name="矩形 14">
+            <a:extLst>
+              <a:ext uri="{FF2B5EF4-FFF2-40B4-BE49-F238E27FC236}">
+                <a16:creationId xmlns:a16="http://schemas.microsoft.com/office/drawing/2014/main" id="{57EF35B7-CA7D-48E4-9B37-7F5AD9BC9DB2}"/>
+              </a:ext>
+            </a:extLst>
+          </p:cNvPr>
+          <p:cNvSpPr/>
+          <p:nvPr/>
+        </p:nvSpPr>
+        <p:spPr>
+          <a:xfrm>
+            <a:off x="2394438" y="4503306"/>
+            <a:ext cx="2640858" cy="226462"/>
+          </a:xfrm>
+          <a:prstGeom prst="rect">
+            <a:avLst/>
+          </a:prstGeom>
+          <a:noFill/>
+          <a:ln w="19050">
+            <a:solidFill>
+              <a:srgbClr val="00B050"/>
+            </a:solidFill>
+          </a:ln>
+        </p:spPr>
+        <p:style>
+          <a:lnRef idx="2">
+            <a:schemeClr val="accent1">
+              <a:shade val="50000"/>
+            </a:schemeClr>
+          </a:lnRef>
+          <a:fillRef idx="1">
+            <a:schemeClr val="accent1"/>
+          </a:fillRef>
+          <a:effectRef idx="0">
+            <a:schemeClr val="accent1"/>
+          </a:effectRef>
+          <a:fontRef idx="minor">
+            <a:schemeClr val="lt1"/>
+          </a:fontRef>
+        </p:style>
+        <p:txBody>
+          <a:bodyPr rtlCol="0" anchor="ctr"/>
+          <a:lstStyle/>
+          <a:p>
+            <a:pPr algn="ctr"/>
+            <a:endParaRPr lang="zh-TW" altLang="en-US"/>
+          </a:p>
+        </p:txBody>
+      </p:sp>
+      <p:sp>
+        <p:nvSpPr>
+          <p:cNvPr id="19" name="矩形 18">
+            <a:extLst>
+              <a:ext uri="{FF2B5EF4-FFF2-40B4-BE49-F238E27FC236}">
+                <a16:creationId xmlns:a16="http://schemas.microsoft.com/office/drawing/2014/main" id="{378E81F4-465A-4F57-9489-2FAC9B027D0F}"/>
+              </a:ext>
+            </a:extLst>
+          </p:cNvPr>
+          <p:cNvSpPr/>
+          <p:nvPr/>
+        </p:nvSpPr>
+        <p:spPr>
+          <a:xfrm>
+            <a:off x="5355858" y="4253734"/>
+            <a:ext cx="532878" cy="226462"/>
+          </a:xfrm>
+          <a:prstGeom prst="rect">
+            <a:avLst/>
+          </a:prstGeom>
+          <a:noFill/>
+          <a:ln w="19050">
+            <a:solidFill>
+              <a:srgbClr val="00B050"/>
+            </a:solidFill>
+          </a:ln>
+        </p:spPr>
+        <p:style>
+          <a:lnRef idx="2">
+            <a:schemeClr val="accent1">
+              <a:shade val="50000"/>
+            </a:schemeClr>
+          </a:lnRef>
+          <a:fillRef idx="1">
+            <a:schemeClr val="accent1"/>
+          </a:fillRef>
+          <a:effectRef idx="0">
+            <a:schemeClr val="accent1"/>
+          </a:effectRef>
+          <a:fontRef idx="minor">
+            <a:schemeClr val="lt1"/>
+          </a:fontRef>
+        </p:style>
+        <p:txBody>
+          <a:bodyPr rtlCol="0" anchor="ctr"/>
+          <a:lstStyle/>
+          <a:p>
+            <a:pPr algn="ctr"/>
+            <a:endParaRPr lang="zh-TW" altLang="en-US"/>
+          </a:p>
+        </p:txBody>
+      </p:sp>
+    </p:spTree>
+    <p:extLst>
+      <p:ext uri="{BB962C8B-B14F-4D97-AF65-F5344CB8AC3E}">
+        <p14:creationId xmlns:p14="http://schemas.microsoft.com/office/powerpoint/2010/main" val="3839076426"/>
       </p:ext>
     </p:extLst>
   </p:cSld>
@@ -7697,7 +10320,7 @@
           <p:cNvPr id="2" name="標題 1">
             <a:extLst>
               <a:ext uri="{FF2B5EF4-FFF2-40B4-BE49-F238E27FC236}">
-                <a16:creationId xmlns:a16="http://schemas.microsoft.com/office/drawing/2014/main" id="{73FFE104-EBF5-40C0-8EA4-7CE93C8208A9}"/>
+                <a16:creationId xmlns:a16="http://schemas.microsoft.com/office/drawing/2014/main" id="{C7D94E1B-D3D7-4D94-A8D0-425B74F2ADD8}"/>
               </a:ext>
             </a:extLst>
           </p:cNvPr>
@@ -7711,7 +10334,7 @@
         <p:spPr>
           <a:xfrm>
             <a:off x="1066800" y="642594"/>
-            <a:ext cx="10058400" cy="1110006"/>
+            <a:ext cx="10058400" cy="1135406"/>
           </a:xfrm>
         </p:spPr>
         <p:txBody>
@@ -7720,7 +10343,7 @@
           <a:p>
             <a:r>
               <a:rPr lang="en-US" altLang="zh-TW" dirty="0"/>
-              <a:t>Conclusion</a:t>
+              <a:t>Code 2</a:t>
             </a:r>
             <a:endParaRPr lang="zh-TW" altLang="en-US" dirty="0"/>
           </a:p>
@@ -7731,7 +10354,7 @@
           <p:cNvPr id="3" name="內容版面配置區 2">
             <a:extLst>
               <a:ext uri="{FF2B5EF4-FFF2-40B4-BE49-F238E27FC236}">
-                <a16:creationId xmlns:a16="http://schemas.microsoft.com/office/drawing/2014/main" id="{1EE2FCFC-39C4-40DB-97F3-D9E621FABBBF}"/>
+                <a16:creationId xmlns:a16="http://schemas.microsoft.com/office/drawing/2014/main" id="{27794124-DE1B-436B-B45A-DF6C7811843D}"/>
               </a:ext>
             </a:extLst>
           </p:cNvPr>
@@ -7744,91 +10367,37 @@
         </p:nvSpPr>
         <p:spPr>
           <a:xfrm>
-            <a:off x="1066800" y="1752600"/>
-            <a:ext cx="10058400" cy="4200144"/>
+            <a:off x="1066799" y="1625600"/>
+            <a:ext cx="5564539" cy="4327144"/>
           </a:xfrm>
         </p:spPr>
         <p:txBody>
           <a:bodyPr>
-            <a:normAutofit/>
+            <a:noAutofit/>
           </a:bodyPr>
           <a:lstStyle/>
           <a:p>
             <a:r>
-              <a:rPr lang="zh-TW" altLang="en-US" sz="2000" dirty="0"/>
-              <a:t>結果不如預期</a:t>
-            </a:r>
-            <a:endParaRPr lang="en-US" altLang="zh-TW" sz="2000" dirty="0"/>
-          </a:p>
-          <a:p>
-            <a:r>
-              <a:rPr lang="zh-TW" altLang="en-US" sz="2000" dirty="0"/>
-              <a:t>可能的問題 </a:t>
-            </a:r>
-            <a:r>
-              <a:rPr lang="en-US" altLang="zh-TW" sz="2000" dirty="0"/>
-              <a:t>:</a:t>
-            </a:r>
-            <a:r>
-              <a:rPr lang="zh-TW" altLang="en-US" sz="2000" dirty="0"/>
-              <a:t> </a:t>
-            </a:r>
-            <a:endParaRPr lang="en-US" altLang="zh-TW" sz="2000" dirty="0"/>
-          </a:p>
-          <a:p>
-            <a:r>
-              <a:rPr lang="en-US" altLang="zh-TW" sz="2000" dirty="0"/>
-              <a:t>1. </a:t>
-            </a:r>
-            <a:r>
-              <a:rPr lang="zh-TW" altLang="en-US" sz="2000" dirty="0"/>
-              <a:t> 訓練資料處理不當</a:t>
-            </a:r>
-            <a:endParaRPr lang="en-US" altLang="zh-TW" sz="2000" dirty="0"/>
-          </a:p>
-          <a:p>
-            <a:r>
-              <a:rPr lang="en-US" altLang="zh-TW" sz="2000" dirty="0"/>
-              <a:t>2.</a:t>
-            </a:r>
-            <a:r>
-              <a:rPr lang="zh-TW" altLang="en-US" sz="2000" dirty="0"/>
-              <a:t>  </a:t>
-            </a:r>
-            <a:r>
-              <a:rPr lang="en-US" altLang="zh-TW" sz="2000" dirty="0"/>
-              <a:t>Word Tag </a:t>
-            </a:r>
-            <a:r>
-              <a:rPr lang="zh-TW" altLang="en-US" sz="2000" dirty="0"/>
-              <a:t>沒有對起來</a:t>
-            </a:r>
-            <a:endParaRPr lang="en-US" altLang="zh-TW" sz="2000" dirty="0"/>
-          </a:p>
-          <a:p>
-            <a:endParaRPr lang="en-US" altLang="zh-TW" sz="2000" dirty="0"/>
-          </a:p>
-          <a:p>
-            <a:r>
-              <a:rPr lang="en-US" altLang="zh-TW" sz="2000" dirty="0"/>
-              <a:t>Solution : </a:t>
-            </a:r>
-            <a:r>
-              <a:rPr lang="zh-TW" altLang="en-US" sz="2000" dirty="0"/>
-              <a:t>可能要讀一下</a:t>
-            </a:r>
-            <a:r>
-              <a:rPr lang="en-US" altLang="zh-TW" sz="2000" dirty="0"/>
-              <a:t>code </a:t>
-            </a:r>
-            <a:r>
-              <a:rPr lang="zh-TW" altLang="en-US" sz="2000" dirty="0"/>
-              <a:t>調整一下模型，或再找看看有沒有好一點的</a:t>
-            </a:r>
-            <a:r>
-              <a:rPr lang="en-US" altLang="zh-TW" sz="2000" dirty="0"/>
-              <a:t>code</a:t>
-            </a:r>
+              <a:rPr lang="en-US" altLang="zh-TW" sz="1800" dirty="0"/>
+              <a:t>Text: The repetitive and meritless legal challenges to the November 3 election results from President Donald Trump and his allies have sent one fundamental message: Millions of votes cast by their fellow Americans are </a:t>
+            </a:r>
+            <a:r>
+              <a:rPr lang="en-US" altLang="zh-TW" sz="1800" dirty="0" err="1"/>
+              <a:t>worthless.Trump</a:t>
+            </a:r>
+            <a:r>
+              <a:rPr lang="en-US" altLang="zh-TW" sz="1800" dirty="0"/>
+              <a:t> lawyers have argued for the widescale disenfranchisement of voters, including in Pennsylvania. So far, they have failed to convince the nation's </a:t>
+            </a:r>
+            <a:r>
+              <a:rPr lang="en-US" altLang="zh-TW" sz="1800" dirty="0" err="1"/>
+              <a:t>courts.The</a:t>
+            </a:r>
+            <a:r>
+              <a:rPr lang="en-US" altLang="zh-TW" sz="1800" dirty="0"/>
+              <a:t> Supreme Court rejected one of the cases from Pennsylvania Tuesday with a single sentence. That high court action came with no explanation, yet it reinforced a pattern of lower court judges spurning a series of baseless appeals.</a:t>
+            </a:r>
+            <a:endParaRPr lang="zh-TW" altLang="en-US" sz="1800" dirty="0"/>
           </a:p>
         </p:txBody>
       </p:sp>
@@ -7837,7 +10406,7 @@
           <p:cNvPr id="4" name="日期版面配置區 3">
             <a:extLst>
               <a:ext uri="{FF2B5EF4-FFF2-40B4-BE49-F238E27FC236}">
-                <a16:creationId xmlns:a16="http://schemas.microsoft.com/office/drawing/2014/main" id="{D0F55862-F4B5-474C-8745-67AD84DA1C5D}"/>
+                <a16:creationId xmlns:a16="http://schemas.microsoft.com/office/drawing/2014/main" id="{C3574D2B-374F-4459-9D6C-8DB6FC5153EA}"/>
               </a:ext>
             </a:extLst>
           </p:cNvPr>
@@ -7862,10 +10431,248 @@
           </a:p>
         </p:txBody>
       </p:sp>
+      <p:pic>
+        <p:nvPicPr>
+          <p:cNvPr id="7" name="圖片 6">
+            <a:extLst>
+              <a:ext uri="{FF2B5EF4-FFF2-40B4-BE49-F238E27FC236}">
+                <a16:creationId xmlns:a16="http://schemas.microsoft.com/office/drawing/2014/main" id="{4C6DEB83-17D3-4322-9232-1A0D1E329F52}"/>
+              </a:ext>
+            </a:extLst>
+          </p:cNvPr>
+          <p:cNvPicPr>
+            <a:picLocks noChangeAspect="1"/>
+          </p:cNvPicPr>
+          <p:nvPr/>
+        </p:nvPicPr>
+        <p:blipFill>
+          <a:blip r:embed="rId2"/>
+          <a:stretch>
+            <a:fillRect/>
+          </a:stretch>
+        </p:blipFill>
+        <p:spPr>
+          <a:xfrm>
+            <a:off x="6549891" y="1957765"/>
+            <a:ext cx="5169669" cy="1606481"/>
+          </a:xfrm>
+          <a:prstGeom prst="rect">
+            <a:avLst/>
+          </a:prstGeom>
+        </p:spPr>
+      </p:pic>
+      <p:sp>
+        <p:nvSpPr>
+          <p:cNvPr id="8" name="矩形 7">
+            <a:extLst>
+              <a:ext uri="{FF2B5EF4-FFF2-40B4-BE49-F238E27FC236}">
+                <a16:creationId xmlns:a16="http://schemas.microsoft.com/office/drawing/2014/main" id="{EEED7C98-148C-4348-9A72-A69509D28F45}"/>
+              </a:ext>
+            </a:extLst>
+          </p:cNvPr>
+          <p:cNvSpPr/>
+          <p:nvPr/>
+        </p:nvSpPr>
+        <p:spPr>
+          <a:xfrm>
+            <a:off x="7795260" y="2522220"/>
+            <a:ext cx="1600200" cy="243840"/>
+          </a:xfrm>
+          <a:prstGeom prst="rect">
+            <a:avLst/>
+          </a:prstGeom>
+          <a:noFill/>
+          <a:ln>
+            <a:solidFill>
+              <a:srgbClr val="FF0000"/>
+            </a:solidFill>
+          </a:ln>
+        </p:spPr>
+        <p:style>
+          <a:lnRef idx="2">
+            <a:schemeClr val="accent1">
+              <a:shade val="50000"/>
+            </a:schemeClr>
+          </a:lnRef>
+          <a:fillRef idx="1">
+            <a:schemeClr val="accent1"/>
+          </a:fillRef>
+          <a:effectRef idx="0">
+            <a:schemeClr val="accent1"/>
+          </a:effectRef>
+          <a:fontRef idx="minor">
+            <a:schemeClr val="lt1"/>
+          </a:fontRef>
+        </p:style>
+        <p:txBody>
+          <a:bodyPr rtlCol="0" anchor="ctr"/>
+          <a:lstStyle/>
+          <a:p>
+            <a:pPr algn="ctr"/>
+            <a:endParaRPr lang="zh-TW" altLang="en-US"/>
+          </a:p>
+        </p:txBody>
+      </p:sp>
+      <p:sp>
+        <p:nvSpPr>
+          <p:cNvPr id="9" name="矩形 8">
+            <a:extLst>
+              <a:ext uri="{FF2B5EF4-FFF2-40B4-BE49-F238E27FC236}">
+                <a16:creationId xmlns:a16="http://schemas.microsoft.com/office/drawing/2014/main" id="{84A1533E-6197-4CA6-8318-C490F4D455CC}"/>
+              </a:ext>
+            </a:extLst>
+          </p:cNvPr>
+          <p:cNvSpPr/>
+          <p:nvPr/>
+        </p:nvSpPr>
+        <p:spPr>
+          <a:xfrm>
+            <a:off x="1234440" y="4716780"/>
+            <a:ext cx="1600200" cy="243840"/>
+          </a:xfrm>
+          <a:prstGeom prst="rect">
+            <a:avLst/>
+          </a:prstGeom>
+          <a:noFill/>
+          <a:ln>
+            <a:solidFill>
+              <a:srgbClr val="FF0000"/>
+            </a:solidFill>
+          </a:ln>
+        </p:spPr>
+        <p:style>
+          <a:lnRef idx="2">
+            <a:schemeClr val="accent1">
+              <a:shade val="50000"/>
+            </a:schemeClr>
+          </a:lnRef>
+          <a:fillRef idx="1">
+            <a:schemeClr val="accent1"/>
+          </a:fillRef>
+          <a:effectRef idx="0">
+            <a:schemeClr val="accent1"/>
+          </a:effectRef>
+          <a:fontRef idx="minor">
+            <a:schemeClr val="lt1"/>
+          </a:fontRef>
+        </p:style>
+        <p:txBody>
+          <a:bodyPr rtlCol="0" anchor="ctr"/>
+          <a:lstStyle/>
+          <a:p>
+            <a:pPr algn="ctr"/>
+            <a:endParaRPr lang="zh-TW" altLang="en-US"/>
+          </a:p>
+        </p:txBody>
+      </p:sp>
+      <p:sp>
+        <p:nvSpPr>
+          <p:cNvPr id="10" name="矩形 9">
+            <a:extLst>
+              <a:ext uri="{FF2B5EF4-FFF2-40B4-BE49-F238E27FC236}">
+                <a16:creationId xmlns:a16="http://schemas.microsoft.com/office/drawing/2014/main" id="{A0352B96-2C23-4644-B23F-008660D03F8D}"/>
+              </a:ext>
+            </a:extLst>
+          </p:cNvPr>
+          <p:cNvSpPr/>
+          <p:nvPr/>
+        </p:nvSpPr>
+        <p:spPr>
+          <a:xfrm>
+            <a:off x="7795261" y="2251015"/>
+            <a:ext cx="685800" cy="271205"/>
+          </a:xfrm>
+          <a:prstGeom prst="rect">
+            <a:avLst/>
+          </a:prstGeom>
+          <a:noFill/>
+          <a:ln>
+            <a:solidFill>
+              <a:srgbClr val="FF0000"/>
+            </a:solidFill>
+          </a:ln>
+        </p:spPr>
+        <p:style>
+          <a:lnRef idx="2">
+            <a:schemeClr val="accent1">
+              <a:shade val="50000"/>
+            </a:schemeClr>
+          </a:lnRef>
+          <a:fillRef idx="1">
+            <a:schemeClr val="accent1"/>
+          </a:fillRef>
+          <a:effectRef idx="0">
+            <a:schemeClr val="accent1"/>
+          </a:effectRef>
+          <a:fontRef idx="minor">
+            <a:schemeClr val="lt1"/>
+          </a:fontRef>
+        </p:style>
+        <p:txBody>
+          <a:bodyPr rtlCol="0" anchor="ctr"/>
+          <a:lstStyle/>
+          <a:p>
+            <a:pPr algn="ctr"/>
+            <a:endParaRPr lang="zh-TW" altLang="en-US"/>
+          </a:p>
+        </p:txBody>
+      </p:sp>
+      <p:sp>
+        <p:nvSpPr>
+          <p:cNvPr id="11" name="矩形 10">
+            <a:extLst>
+              <a:ext uri="{FF2B5EF4-FFF2-40B4-BE49-F238E27FC236}">
+                <a16:creationId xmlns:a16="http://schemas.microsoft.com/office/drawing/2014/main" id="{3973C518-D0CC-49F0-9A89-6C79A0968FE6}"/>
+              </a:ext>
+            </a:extLst>
+          </p:cNvPr>
+          <p:cNvSpPr/>
+          <p:nvPr/>
+        </p:nvSpPr>
+        <p:spPr>
+          <a:xfrm>
+            <a:off x="3924300" y="4107180"/>
+            <a:ext cx="716280" cy="243840"/>
+          </a:xfrm>
+          <a:prstGeom prst="rect">
+            <a:avLst/>
+          </a:prstGeom>
+          <a:noFill/>
+          <a:ln>
+            <a:solidFill>
+              <a:srgbClr val="FF0000"/>
+            </a:solidFill>
+          </a:ln>
+        </p:spPr>
+        <p:style>
+          <a:lnRef idx="2">
+            <a:schemeClr val="accent1">
+              <a:shade val="50000"/>
+            </a:schemeClr>
+          </a:lnRef>
+          <a:fillRef idx="1">
+            <a:schemeClr val="accent1"/>
+          </a:fillRef>
+          <a:effectRef idx="0">
+            <a:schemeClr val="accent1"/>
+          </a:effectRef>
+          <a:fontRef idx="minor">
+            <a:schemeClr val="lt1"/>
+          </a:fontRef>
+        </p:style>
+        <p:txBody>
+          <a:bodyPr rtlCol="0" anchor="ctr"/>
+          <a:lstStyle/>
+          <a:p>
+            <a:pPr algn="ctr"/>
+            <a:endParaRPr lang="zh-TW" altLang="en-US"/>
+          </a:p>
+        </p:txBody>
+      </p:sp>
     </p:spTree>
     <p:extLst>
       <p:ext uri="{BB962C8B-B14F-4D97-AF65-F5344CB8AC3E}">
-        <p14:creationId xmlns:p14="http://schemas.microsoft.com/office/powerpoint/2010/main" val="3435668769"/>
+        <p14:creationId xmlns:p14="http://schemas.microsoft.com/office/powerpoint/2010/main" val="2987953717"/>
       </p:ext>
     </p:extLst>
   </p:cSld>
@@ -7897,7 +10704,7 @@
           <p:cNvPr id="2" name="標題 1">
             <a:extLst>
               <a:ext uri="{FF2B5EF4-FFF2-40B4-BE49-F238E27FC236}">
-                <a16:creationId xmlns:a16="http://schemas.microsoft.com/office/drawing/2014/main" id="{2F8B5126-FA80-47EA-8324-47A9C4CAB6B0}"/>
+                <a16:creationId xmlns:a16="http://schemas.microsoft.com/office/drawing/2014/main" id="{C7D94E1B-D3D7-4D94-A8D0-425B74F2ADD8}"/>
               </a:ext>
             </a:extLst>
           </p:cNvPr>
@@ -7908,14 +10715,19 @@
             <p:ph type="title"/>
           </p:nvPr>
         </p:nvSpPr>
-        <p:spPr/>
+        <p:spPr>
+          <a:xfrm>
+            <a:off x="1066800" y="642594"/>
+            <a:ext cx="10058400" cy="1135406"/>
+          </a:xfrm>
+        </p:spPr>
         <p:txBody>
           <a:bodyPr/>
           <a:lstStyle/>
           <a:p>
             <a:r>
-              <a:rPr lang="en-US" altLang="zh-TW" dirty="0" err="1"/>
-              <a:t>tdidf</a:t>
+              <a:rPr lang="en-US" altLang="zh-TW" dirty="0"/>
+              <a:t>Code 2</a:t>
             </a:r>
             <a:endParaRPr lang="zh-TW" altLang="en-US" dirty="0"/>
           </a:p>
@@ -7923,10 +10735,10 @@
       </p:sp>
       <p:sp>
         <p:nvSpPr>
-          <p:cNvPr id="3" name="文字版面配置區 2">
+          <p:cNvPr id="3" name="內容版面配置區 2">
             <a:extLst>
               <a:ext uri="{FF2B5EF4-FFF2-40B4-BE49-F238E27FC236}">
-                <a16:creationId xmlns:a16="http://schemas.microsoft.com/office/drawing/2014/main" id="{28D6A1C9-43B3-48FB-8BE2-31D99E058E37}"/>
+                <a16:creationId xmlns:a16="http://schemas.microsoft.com/office/drawing/2014/main" id="{27794124-DE1B-436B-B45A-DF6C7811843D}"/>
               </a:ext>
             </a:extLst>
           </p:cNvPr>
@@ -7934,15 +10746,34 @@
             <a:spLocks noGrp="1"/>
           </p:cNvSpPr>
           <p:nvPr>
-            <p:ph type="body" idx="1"/>
-          </p:nvPr>
-        </p:nvSpPr>
-        <p:spPr/>
-        <p:txBody>
-          <a:bodyPr/>
-          <a:lstStyle/>
-          <a:p>
-            <a:endParaRPr lang="zh-TW" altLang="en-US"/>
+            <p:ph idx="1"/>
+          </p:nvPr>
+        </p:nvSpPr>
+        <p:spPr>
+          <a:xfrm>
+            <a:off x="1066799" y="1625600"/>
+            <a:ext cx="5564539" cy="4327144"/>
+          </a:xfrm>
+        </p:spPr>
+        <p:txBody>
+          <a:bodyPr>
+            <a:noAutofit/>
+          </a:bodyPr>
+          <a:lstStyle/>
+          <a:p>
+            <a:r>
+              <a:rPr lang="en-US" altLang="zh-TW" sz="1800" dirty="0"/>
+              <a:t>Text: On the heels of major vaccine developments, Biden committed that his team will help get \"at least 100 million </a:t>
+            </a:r>
+            <a:r>
+              <a:rPr lang="en-US" altLang="zh-TW" sz="1800" dirty="0" err="1"/>
+              <a:t>Covid</a:t>
+            </a:r>
+            <a:r>
+              <a:rPr lang="en-US" altLang="zh-TW" sz="1800" dirty="0"/>
+              <a:t> vaccine shots into the arms of the American people in the first 100 days.\" It will be a massive undertaking, which he acknowledged Tuesday.\"This will be the most efficient mass vaccination plan in US history. I credit everyone who has gotten us to this point, but developing the vaccine is one herculean task,\" Biden said. \"Distributing it is another.\"This is on top of his pending nationwide 100-day mask mandate. </a:t>
+            </a:r>
+            <a:endParaRPr lang="zh-TW" altLang="en-US" sz="1800" dirty="0"/>
           </a:p>
         </p:txBody>
       </p:sp>
@@ -7951,7 +10782,7 @@
           <p:cNvPr id="4" name="日期版面配置區 3">
             <a:extLst>
               <a:ext uri="{FF2B5EF4-FFF2-40B4-BE49-F238E27FC236}">
-                <a16:creationId xmlns:a16="http://schemas.microsoft.com/office/drawing/2014/main" id="{92E828C5-D7DB-4EFD-8162-5BEF079C5F7D}"/>
+                <a16:creationId xmlns:a16="http://schemas.microsoft.com/office/drawing/2014/main" id="{C3574D2B-374F-4459-9D6C-8DB6FC5153EA}"/>
               </a:ext>
             </a:extLst>
           </p:cNvPr>
@@ -7967,18 +10798,257 @@
           <a:bodyPr/>
           <a:lstStyle/>
           <a:p>
-            <a:fld id="{294347CA-4B58-4AEE-8DA6-4E2B096FC96F}" type="datetime1">
-              <a:rPr lang="en-US" altLang="zh-TW" smtClean="0"/>
-              <a:t>12/9/2020</a:t>
+            <a:pPr rtl="0"/>
+            <a:fld id="{CE847876-3A2B-49FA-B396-40048599C954}" type="datetime1">
+              <a:rPr lang="zh-TW" altLang="en-US" smtClean="0"/>
+              <a:t>2020/12/9</a:t>
             </a:fld>
-            <a:endParaRPr lang="zh-TW" altLang="en-US" dirty="0"/>
+            <a:endParaRPr lang="en-US"/>
+          </a:p>
+        </p:txBody>
+      </p:sp>
+      <p:pic>
+        <p:nvPicPr>
+          <p:cNvPr id="7" name="圖片 6">
+            <a:extLst>
+              <a:ext uri="{FF2B5EF4-FFF2-40B4-BE49-F238E27FC236}">
+                <a16:creationId xmlns:a16="http://schemas.microsoft.com/office/drawing/2014/main" id="{26A7A92A-6808-4E92-9DDC-9F07D42D0A63}"/>
+              </a:ext>
+            </a:extLst>
+          </p:cNvPr>
+          <p:cNvPicPr>
+            <a:picLocks noChangeAspect="1"/>
+          </p:cNvPicPr>
+          <p:nvPr/>
+        </p:nvPicPr>
+        <p:blipFill>
+          <a:blip r:embed="rId2"/>
+          <a:stretch>
+            <a:fillRect/>
+          </a:stretch>
+        </p:blipFill>
+        <p:spPr>
+          <a:xfrm>
+            <a:off x="6555138" y="2058648"/>
+            <a:ext cx="5041931" cy="1847872"/>
+          </a:xfrm>
+          <a:prstGeom prst="rect">
+            <a:avLst/>
+          </a:prstGeom>
+        </p:spPr>
+      </p:pic>
+      <p:sp>
+        <p:nvSpPr>
+          <p:cNvPr id="8" name="矩形 7">
+            <a:extLst>
+              <a:ext uri="{FF2B5EF4-FFF2-40B4-BE49-F238E27FC236}">
+                <a16:creationId xmlns:a16="http://schemas.microsoft.com/office/drawing/2014/main" id="{1DB0E9D0-30BD-4F1B-A7AE-B4ED430EA530}"/>
+              </a:ext>
+            </a:extLst>
+          </p:cNvPr>
+          <p:cNvSpPr/>
+          <p:nvPr/>
+        </p:nvSpPr>
+        <p:spPr>
+          <a:xfrm>
+            <a:off x="7903216" y="2377440"/>
+            <a:ext cx="966464" cy="289560"/>
+          </a:xfrm>
+          <a:prstGeom prst="rect">
+            <a:avLst/>
+          </a:prstGeom>
+          <a:noFill/>
+          <a:ln>
+            <a:solidFill>
+              <a:srgbClr val="FF0000"/>
+            </a:solidFill>
+          </a:ln>
+        </p:spPr>
+        <p:style>
+          <a:lnRef idx="2">
+            <a:schemeClr val="accent1">
+              <a:shade val="50000"/>
+            </a:schemeClr>
+          </a:lnRef>
+          <a:fillRef idx="1">
+            <a:schemeClr val="accent1"/>
+          </a:fillRef>
+          <a:effectRef idx="0">
+            <a:schemeClr val="accent1"/>
+          </a:effectRef>
+          <a:fontRef idx="minor">
+            <a:schemeClr val="lt1"/>
+          </a:fontRef>
+        </p:style>
+        <p:txBody>
+          <a:bodyPr rtlCol="0" anchor="ctr"/>
+          <a:lstStyle/>
+          <a:p>
+            <a:pPr algn="ctr"/>
+            <a:endParaRPr lang="zh-TW" altLang="en-US"/>
+          </a:p>
+        </p:txBody>
+      </p:sp>
+      <p:sp>
+        <p:nvSpPr>
+          <p:cNvPr id="9" name="矩形 8">
+            <a:extLst>
+              <a:ext uri="{FF2B5EF4-FFF2-40B4-BE49-F238E27FC236}">
+                <a16:creationId xmlns:a16="http://schemas.microsoft.com/office/drawing/2014/main" id="{BF520C73-F9E4-4164-8896-0A16AEB07833}"/>
+              </a:ext>
+            </a:extLst>
+          </p:cNvPr>
+          <p:cNvSpPr/>
+          <p:nvPr/>
+        </p:nvSpPr>
+        <p:spPr>
+          <a:xfrm>
+            <a:off x="5588673" y="2270760"/>
+            <a:ext cx="831177" cy="289560"/>
+          </a:xfrm>
+          <a:prstGeom prst="rect">
+            <a:avLst/>
+          </a:prstGeom>
+          <a:noFill/>
+          <a:ln>
+            <a:solidFill>
+              <a:srgbClr val="FF0000"/>
+            </a:solidFill>
+          </a:ln>
+        </p:spPr>
+        <p:style>
+          <a:lnRef idx="2">
+            <a:schemeClr val="accent1">
+              <a:shade val="50000"/>
+            </a:schemeClr>
+          </a:lnRef>
+          <a:fillRef idx="1">
+            <a:schemeClr val="accent1"/>
+          </a:fillRef>
+          <a:effectRef idx="0">
+            <a:schemeClr val="accent1"/>
+          </a:effectRef>
+          <a:fontRef idx="minor">
+            <a:schemeClr val="lt1"/>
+          </a:fontRef>
+        </p:style>
+        <p:txBody>
+          <a:bodyPr rtlCol="0" anchor="ctr"/>
+          <a:lstStyle/>
+          <a:p>
+            <a:pPr algn="ctr"/>
+            <a:endParaRPr lang="zh-TW" altLang="en-US"/>
+          </a:p>
+        </p:txBody>
+      </p:sp>
+      <p:sp>
+        <p:nvSpPr>
+          <p:cNvPr id="10" name="矩形 9">
+            <a:extLst>
+              <a:ext uri="{FF2B5EF4-FFF2-40B4-BE49-F238E27FC236}">
+                <a16:creationId xmlns:a16="http://schemas.microsoft.com/office/drawing/2014/main" id="{8D3F6C6C-B3FF-4819-A1BF-69A6C0DF5946}"/>
+              </a:ext>
+            </a:extLst>
+          </p:cNvPr>
+          <p:cNvSpPr/>
+          <p:nvPr/>
+        </p:nvSpPr>
+        <p:spPr>
+          <a:xfrm>
+            <a:off x="5088801" y="4373880"/>
+            <a:ext cx="702399" cy="289560"/>
+          </a:xfrm>
+          <a:prstGeom prst="rect">
+            <a:avLst/>
+          </a:prstGeom>
+          <a:noFill/>
+          <a:ln>
+            <a:solidFill>
+              <a:srgbClr val="FF0000"/>
+            </a:solidFill>
+          </a:ln>
+        </p:spPr>
+        <p:style>
+          <a:lnRef idx="2">
+            <a:schemeClr val="accent1">
+              <a:shade val="50000"/>
+            </a:schemeClr>
+          </a:lnRef>
+          <a:fillRef idx="1">
+            <a:schemeClr val="accent1"/>
+          </a:fillRef>
+          <a:effectRef idx="0">
+            <a:schemeClr val="accent1"/>
+          </a:effectRef>
+          <a:fontRef idx="minor">
+            <a:schemeClr val="lt1"/>
+          </a:fontRef>
+        </p:style>
+        <p:txBody>
+          <a:bodyPr rtlCol="0" anchor="ctr"/>
+          <a:lstStyle/>
+          <a:p>
+            <a:pPr algn="ctr"/>
+            <a:endParaRPr lang="zh-TW" altLang="en-US"/>
+          </a:p>
+        </p:txBody>
+      </p:sp>
+      <p:sp>
+        <p:nvSpPr>
+          <p:cNvPr id="11" name="矩形 10">
+            <a:extLst>
+              <a:ext uri="{FF2B5EF4-FFF2-40B4-BE49-F238E27FC236}">
+                <a16:creationId xmlns:a16="http://schemas.microsoft.com/office/drawing/2014/main" id="{C6192752-E22A-4EC2-AAA4-CB4F608F2D3B}"/>
+              </a:ext>
+            </a:extLst>
+          </p:cNvPr>
+          <p:cNvSpPr/>
+          <p:nvPr/>
+        </p:nvSpPr>
+        <p:spPr>
+          <a:xfrm>
+            <a:off x="7903216" y="2956792"/>
+            <a:ext cx="831177" cy="289560"/>
+          </a:xfrm>
+          <a:prstGeom prst="rect">
+            <a:avLst/>
+          </a:prstGeom>
+          <a:noFill/>
+          <a:ln>
+            <a:solidFill>
+              <a:srgbClr val="FF0000"/>
+            </a:solidFill>
+          </a:ln>
+        </p:spPr>
+        <p:style>
+          <a:lnRef idx="2">
+            <a:schemeClr val="accent1">
+              <a:shade val="50000"/>
+            </a:schemeClr>
+          </a:lnRef>
+          <a:fillRef idx="1">
+            <a:schemeClr val="accent1"/>
+          </a:fillRef>
+          <a:effectRef idx="0">
+            <a:schemeClr val="accent1"/>
+          </a:effectRef>
+          <a:fontRef idx="minor">
+            <a:schemeClr val="lt1"/>
+          </a:fontRef>
+        </p:style>
+        <p:txBody>
+          <a:bodyPr rtlCol="0" anchor="ctr"/>
+          <a:lstStyle/>
+          <a:p>
+            <a:pPr algn="ctr"/>
+            <a:endParaRPr lang="zh-TW" altLang="en-US"/>
           </a:p>
         </p:txBody>
       </p:sp>
     </p:spTree>
     <p:extLst>
       <p:ext uri="{BB962C8B-B14F-4D97-AF65-F5344CB8AC3E}">
-        <p14:creationId xmlns:p14="http://schemas.microsoft.com/office/powerpoint/2010/main" val="2956284760"/>
+        <p14:creationId xmlns:p14="http://schemas.microsoft.com/office/powerpoint/2010/main" val="3286810034"/>
       </p:ext>
     </p:extLst>
   </p:cSld>
@@ -8010,7 +11080,7 @@
           <p:cNvPr id="2" name="標題 1">
             <a:extLst>
               <a:ext uri="{FF2B5EF4-FFF2-40B4-BE49-F238E27FC236}">
-                <a16:creationId xmlns:a16="http://schemas.microsoft.com/office/drawing/2014/main" id="{C7D94E1B-D3D7-4D94-A8D0-425B74F2ADD8}"/>
+                <a16:creationId xmlns:a16="http://schemas.microsoft.com/office/drawing/2014/main" id="{3522FDCF-5CF1-4A84-8D5D-F0B3F9024556}"/>
               </a:ext>
             </a:extLst>
           </p:cNvPr>
@@ -8024,7 +11094,7 @@
         <p:spPr>
           <a:xfrm>
             <a:off x="1066800" y="642594"/>
-            <a:ext cx="10058400" cy="1135406"/>
+            <a:ext cx="10058400" cy="972846"/>
           </a:xfrm>
         </p:spPr>
         <p:txBody>
@@ -8033,9 +11103,12 @@
           <a:p>
             <a:r>
               <a:rPr lang="en-US" altLang="zh-TW" dirty="0"/>
-              <a:t>Code 1</a:t>
-            </a:r>
-            <a:endParaRPr lang="zh-TW" altLang="en-US" dirty="0"/>
+              <a:t>Code 2</a:t>
+            </a:r>
+            <a:r>
+              <a:rPr lang="zh-TW" altLang="en-US" dirty="0"/>
+              <a:t>的優點及缺點</a:t>
+            </a:r>
           </a:p>
         </p:txBody>
       </p:sp>
@@ -8044,7 +11117,7 @@
           <p:cNvPr id="3" name="內容版面配置區 2">
             <a:extLst>
               <a:ext uri="{FF2B5EF4-FFF2-40B4-BE49-F238E27FC236}">
-                <a16:creationId xmlns:a16="http://schemas.microsoft.com/office/drawing/2014/main" id="{27794124-DE1B-436B-B45A-DF6C7811843D}"/>
+                <a16:creationId xmlns:a16="http://schemas.microsoft.com/office/drawing/2014/main" id="{A479DFDE-BECA-40C7-9415-CAD8679CB762}"/>
               </a:ext>
             </a:extLst>
           </p:cNvPr>
@@ -8057,37 +11130,110 @@
         </p:nvSpPr>
         <p:spPr>
           <a:xfrm>
-            <a:off x="1066799" y="1625600"/>
-            <a:ext cx="5564539" cy="4327144"/>
-          </a:xfrm>
-        </p:spPr>
-        <p:txBody>
-          <a:bodyPr>
-            <a:noAutofit/>
-          </a:bodyPr>
-          <a:lstStyle/>
-          <a:p>
-            <a:r>
-              <a:rPr lang="en-US" altLang="zh-TW" sz="1800" dirty="0"/>
-              <a:t>Text: The repetitive and meritless legal challenges to the November 3 election results from President Donald Trump and his allies have sent one fundamental message: Millions of votes cast by their fellow Americans are </a:t>
-            </a:r>
-            <a:r>
-              <a:rPr lang="en-US" altLang="zh-TW" sz="1800" dirty="0" err="1"/>
-              <a:t>worthless.Trump</a:t>
-            </a:r>
-            <a:r>
-              <a:rPr lang="en-US" altLang="zh-TW" sz="1800" dirty="0"/>
-              <a:t> lawyers have argued for the widescale disenfranchisement of voters, including in Pennsylvania. So far, they have failed to convince the nation's </a:t>
-            </a:r>
-            <a:r>
-              <a:rPr lang="en-US" altLang="zh-TW" sz="1800" dirty="0" err="1"/>
-              <a:t>courts.The</a:t>
-            </a:r>
-            <a:r>
-              <a:rPr lang="en-US" altLang="zh-TW" sz="1800" dirty="0"/>
-              <a:t> Supreme Court rejected one of the cases from Pennsylvania Tuesday with a single sentence. That high court action came with no explanation, yet it reinforced a pattern of lower court judges spurning a series of baseless appeals.</a:t>
-            </a:r>
-            <a:endParaRPr lang="zh-TW" altLang="en-US" sz="1800" dirty="0"/>
+            <a:off x="1066800" y="1760220"/>
+            <a:ext cx="10058400" cy="4192524"/>
+          </a:xfrm>
+        </p:spPr>
+        <p:txBody>
+          <a:bodyPr/>
+          <a:lstStyle/>
+          <a:p>
+            <a:r>
+              <a:rPr lang="zh-TW" altLang="en-US" dirty="0"/>
+              <a:t>優點</a:t>
+            </a:r>
+            <a:endParaRPr lang="en-US" altLang="zh-TW" dirty="0"/>
+          </a:p>
+          <a:p>
+            <a:pPr marL="342900" indent="-342900">
+              <a:buFont typeface="+mj-lt"/>
+              <a:buAutoNum type="arabicPeriod"/>
+            </a:pPr>
+            <a:r>
+              <a:rPr lang="zh-TW" altLang="en-US" dirty="0"/>
+              <a:t>能有效剔除</a:t>
+            </a:r>
+            <a:r>
+              <a:rPr lang="en-US" altLang="zh-TW" dirty="0"/>
+              <a:t>the, </a:t>
+            </a:r>
+            <a:r>
+              <a:rPr lang="en-US" altLang="zh-TW" dirty="0" err="1"/>
+              <a:t>a,and</a:t>
+            </a:r>
+            <a:r>
+              <a:rPr lang="en-US" altLang="zh-TW" dirty="0"/>
+              <a:t>….</a:t>
+            </a:r>
+          </a:p>
+          <a:p>
+            <a:pPr marL="342900" indent="-342900">
+              <a:buFont typeface="+mj-lt"/>
+              <a:buAutoNum type="arabicPeriod"/>
+            </a:pPr>
+            <a:r>
+              <a:rPr lang="zh-TW" altLang="en-US" dirty="0"/>
+              <a:t>用詞幹提取，針對像是文章中的單複數或進行式型態的詞語，做統一歸納</a:t>
+            </a:r>
+            <a:endParaRPr lang="en-US" altLang="zh-TW" dirty="0"/>
+          </a:p>
+          <a:p>
+            <a:pPr marL="342900" indent="-342900">
+              <a:buFont typeface="+mj-lt"/>
+              <a:buAutoNum type="arabicPeriod"/>
+            </a:pPr>
+            <a:r>
+              <a:rPr lang="zh-TW" altLang="en-US" dirty="0"/>
+              <a:t>效果不錯</a:t>
+            </a:r>
+            <a:endParaRPr lang="en-US" altLang="zh-TW" dirty="0"/>
+          </a:p>
+          <a:p>
+            <a:pPr marL="0" indent="0">
+              <a:buNone/>
+            </a:pPr>
+            <a:endParaRPr lang="en-US" altLang="zh-TW" dirty="0"/>
+          </a:p>
+          <a:p>
+            <a:r>
+              <a:rPr lang="zh-TW" altLang="en-US" dirty="0"/>
+              <a:t>缺點</a:t>
+            </a:r>
+            <a:endParaRPr lang="en-US" altLang="zh-TW" dirty="0"/>
+          </a:p>
+          <a:p>
+            <a:pPr marL="342900" indent="-342900">
+              <a:buAutoNum type="arabicPeriod"/>
+            </a:pPr>
+            <a:r>
+              <a:rPr lang="zh-TW" altLang="en-US" dirty="0"/>
+              <a:t>因為過程中會進行詞幹提取</a:t>
+            </a:r>
+            <a:r>
+              <a:rPr lang="en-US" altLang="zh-TW" dirty="0"/>
+              <a:t>(stem)</a:t>
+            </a:r>
+            <a:r>
+              <a:rPr lang="zh-TW" altLang="en-US" dirty="0"/>
+              <a:t>，所以</a:t>
+            </a:r>
+            <a:r>
+              <a:rPr lang="zh-TW" altLang="en-US" b="0" i="0" dirty="0">
+                <a:solidFill>
+                  <a:srgbClr val="24292E"/>
+                </a:solidFill>
+                <a:effectLst/>
+                <a:latin typeface="-apple-system"/>
+              </a:rPr>
+              <a:t>不一定能夠表達完整語義</a:t>
+            </a:r>
+            <a:endParaRPr lang="en-US" altLang="zh-TW" b="0" i="0" dirty="0">
+              <a:solidFill>
+                <a:srgbClr val="24292E"/>
+              </a:solidFill>
+              <a:effectLst/>
+              <a:latin typeface="-apple-system"/>
+            </a:endParaRPr>
           </a:p>
         </p:txBody>
       </p:sp>
@@ -8096,7 +11242,7 @@
           <p:cNvPr id="4" name="日期版面配置區 3">
             <a:extLst>
               <a:ext uri="{FF2B5EF4-FFF2-40B4-BE49-F238E27FC236}">
-                <a16:creationId xmlns:a16="http://schemas.microsoft.com/office/drawing/2014/main" id="{C3574D2B-374F-4459-9D6C-8DB6FC5153EA}"/>
+                <a16:creationId xmlns:a16="http://schemas.microsoft.com/office/drawing/2014/main" id="{2900CC49-31C0-4C09-AAE8-44F363B714FE}"/>
               </a:ext>
             </a:extLst>
           </p:cNvPr>
@@ -8121,40 +11267,10 @@
           </a:p>
         </p:txBody>
       </p:sp>
-      <p:pic>
-        <p:nvPicPr>
-          <p:cNvPr id="6" name="圖片 5">
-            <a:extLst>
-              <a:ext uri="{FF2B5EF4-FFF2-40B4-BE49-F238E27FC236}">
-                <a16:creationId xmlns:a16="http://schemas.microsoft.com/office/drawing/2014/main" id="{7F61CAF2-3FD7-4954-B258-08B2F3767C45}"/>
-              </a:ext>
-            </a:extLst>
-          </p:cNvPr>
-          <p:cNvPicPr>
-            <a:picLocks noChangeAspect="1"/>
-          </p:cNvPicPr>
-          <p:nvPr/>
-        </p:nvPicPr>
-        <p:blipFill>
-          <a:blip r:embed="rId2"/>
-          <a:stretch>
-            <a:fillRect/>
-          </a:stretch>
-        </p:blipFill>
-        <p:spPr>
-          <a:xfrm>
-            <a:off x="7126639" y="2279249"/>
-            <a:ext cx="4143953" cy="3019846"/>
-          </a:xfrm>
-          <a:prstGeom prst="rect">
-            <a:avLst/>
-          </a:prstGeom>
-        </p:spPr>
-      </p:pic>
     </p:spTree>
     <p:extLst>
       <p:ext uri="{BB962C8B-B14F-4D97-AF65-F5344CB8AC3E}">
-        <p14:creationId xmlns:p14="http://schemas.microsoft.com/office/powerpoint/2010/main" val="2987953717"/>
+        <p14:creationId xmlns:p14="http://schemas.microsoft.com/office/powerpoint/2010/main" val="1756859967"/>
       </p:ext>
     </p:extLst>
   </p:cSld>
